--- a/Presentation/slides (1).pptx
+++ b/Presentation/slides (1).pptx
@@ -215,7 +215,7 @@
           <a:p>
             <a:fld id="{399A1281-EC3D-BB43-AA96-913FD7E8EC86}" type="datetimeFigureOut">
               <a:rPr lang="en-US" smtClean="0"/>
-              <a:t>12/2/2018</a:t>
+              <a:t>12/3/2018</a:t>
             </a:fld>
             <a:endParaRPr lang="en-US"/>
           </a:p>
@@ -381,7 +381,7 @@
           <a:p>
             <a:fld id="{E12BEB3F-2971-1B46-8386-06C38AC41BFA}" type="datetimeFigureOut">
               <a:rPr lang="en-US" smtClean="0"/>
-              <a:t>12/2/2018</a:t>
+              <a:t>12/3/2018</a:t>
             </a:fld>
             <a:endParaRPr lang="en-US"/>
           </a:p>
@@ -1536,7 +1536,7 @@
           <a:p>
             <a:fld id="{7C722AF1-712D-BC47-88AB-F9A88AFA6E83}" type="datetime1">
               <a:rPr lang="en-GB" smtClean="0"/>
-              <a:t>02/12/2018</a:t>
+              <a:t>03/12/2018</a:t>
             </a:fld>
             <a:endParaRPr lang="en-US"/>
           </a:p>
@@ -1706,7 +1706,7 @@
           <a:p>
             <a:fld id="{193B9731-FEE3-DD4E-A491-C3EB5B171E67}" type="datetime1">
               <a:rPr lang="en-GB" smtClean="0"/>
-              <a:t>02/12/2018</a:t>
+              <a:t>03/12/2018</a:t>
             </a:fld>
             <a:endParaRPr lang="en-US"/>
           </a:p>
@@ -1886,7 +1886,7 @@
           <a:p>
             <a:fld id="{A0A5459C-06BA-9A49-B5CD-0A1611FD77FA}" type="datetime1">
               <a:rPr lang="en-GB" smtClean="0"/>
-              <a:t>02/12/2018</a:t>
+              <a:t>03/12/2018</a:t>
             </a:fld>
             <a:endParaRPr lang="en-US"/>
           </a:p>
@@ -2056,7 +2056,7 @@
           <a:p>
             <a:fld id="{A8B376C4-0EAD-8843-8320-8987177C171C}" type="datetime1">
               <a:rPr lang="en-GB" smtClean="0"/>
-              <a:t>02/12/2018</a:t>
+              <a:t>03/12/2018</a:t>
             </a:fld>
             <a:endParaRPr lang="en-US"/>
           </a:p>
@@ -2302,7 +2302,7 @@
           <a:p>
             <a:fld id="{D3E22539-4E82-9E44-885A-4501528069A1}" type="datetime1">
               <a:rPr lang="en-GB" smtClean="0"/>
-              <a:t>02/12/2018</a:t>
+              <a:t>03/12/2018</a:t>
             </a:fld>
             <a:endParaRPr lang="en-US"/>
           </a:p>
@@ -2534,7 +2534,7 @@
           <a:p>
             <a:fld id="{7AD4997D-1E74-514B-A123-F3BBD7E0FAAC}" type="datetime1">
               <a:rPr lang="en-GB" smtClean="0"/>
-              <a:t>02/12/2018</a:t>
+              <a:t>03/12/2018</a:t>
             </a:fld>
             <a:endParaRPr lang="en-US"/>
           </a:p>
@@ -2901,7 +2901,7 @@
           <a:p>
             <a:fld id="{2FDA2C0C-9638-C64C-A1E8-32CCEEE1076D}" type="datetime1">
               <a:rPr lang="en-GB" smtClean="0"/>
-              <a:t>02/12/2018</a:t>
+              <a:t>03/12/2018</a:t>
             </a:fld>
             <a:endParaRPr lang="en-US"/>
           </a:p>
@@ -3019,7 +3019,7 @@
           <a:p>
             <a:fld id="{9D80DC83-604D-4A4A-9DA8-19F00A160C4F}" type="datetime1">
               <a:rPr lang="en-GB" smtClean="0"/>
-              <a:t>02/12/2018</a:t>
+              <a:t>03/12/2018</a:t>
             </a:fld>
             <a:endParaRPr lang="en-US"/>
           </a:p>
@@ -3114,7 +3114,7 @@
           <a:p>
             <a:fld id="{411692A7-F064-D449-8113-FF6F9F4E5961}" type="datetime1">
               <a:rPr lang="en-GB" smtClean="0"/>
-              <a:t>02/12/2018</a:t>
+              <a:t>03/12/2018</a:t>
             </a:fld>
             <a:endParaRPr lang="en-US"/>
           </a:p>
@@ -3391,7 +3391,7 @@
           <a:p>
             <a:fld id="{5928C0E2-D434-5D40-BC69-0BFB568718EB}" type="datetime1">
               <a:rPr lang="en-GB" smtClean="0"/>
-              <a:t>02/12/2018</a:t>
+              <a:t>03/12/2018</a:t>
             </a:fld>
             <a:endParaRPr lang="en-US"/>
           </a:p>
@@ -3648,7 +3648,7 @@
           <a:p>
             <a:fld id="{C942FF80-BE12-4B48-86C7-D31FCB0AE589}" type="datetime1">
               <a:rPr lang="en-GB" smtClean="0"/>
-              <a:t>02/12/2018</a:t>
+              <a:t>03/12/2018</a:t>
             </a:fld>
             <a:endParaRPr lang="en-US"/>
           </a:p>
@@ -3859,7 +3859,7 @@
           <a:p>
             <a:fld id="{A759835F-895C-B045-B065-EA0EBAD3FFB8}" type="datetime1">
               <a:rPr lang="en-GB" smtClean="0"/>
-              <a:t>02/12/2018</a:t>
+              <a:t>03/12/2018</a:t>
             </a:fld>
             <a:endParaRPr lang="en-US"/>
           </a:p>
@@ -7863,8 +7863,8 @@
           </a:p>
         </p:txBody>
       </p:sp>
-      <mc:AlternateContent xmlns:mc="http://schemas.openxmlformats.org/markup-compatibility/2006">
-        <mc:Choice xmlns:a14="http://schemas.microsoft.com/office/drawing/2010/main" Requires="a14">
+      <mc:AlternateContent xmlns:mc="http://schemas.openxmlformats.org/markup-compatibility/2006" xmlns:a14="http://schemas.microsoft.com/office/drawing/2010/main">
+        <mc:Choice Requires="a14">
           <p:sp>
             <p:nvSpPr>
               <p:cNvPr id="10" name="Content Placeholder 2"/>
@@ -8362,7 +8362,7 @@
             </p:txBody>
           </p:sp>
         </mc:Choice>
-        <mc:Fallback>
+        <mc:Fallback xmlns="">
           <p:sp>
             <p:nvSpPr>
               <p:cNvPr id="10" name="Content Placeholder 2"/>
@@ -8987,8 +8987,8 @@
           </a:p>
         </p:txBody>
       </p:sp>
-      <mc:AlternateContent xmlns:mc="http://schemas.openxmlformats.org/markup-compatibility/2006">
-        <mc:Choice xmlns:a14="http://schemas.microsoft.com/office/drawing/2010/main" Requires="a14">
+      <mc:AlternateContent xmlns:mc="http://schemas.openxmlformats.org/markup-compatibility/2006" xmlns:a14="http://schemas.microsoft.com/office/drawing/2010/main">
+        <mc:Choice Requires="a14">
           <p:sp>
             <p:nvSpPr>
               <p:cNvPr id="10" name="Content Placeholder 2"/>
@@ -9248,7 +9248,7 @@
             </p:txBody>
           </p:sp>
         </mc:Choice>
-        <mc:Fallback>
+        <mc:Fallback xmlns="">
           <p:sp>
             <p:nvSpPr>
               <p:cNvPr id="10" name="Content Placeholder 2"/>
@@ -9862,8 +9862,8 @@
           </a:p>
         </p:txBody>
       </p:sp>
-      <mc:AlternateContent xmlns:mc="http://schemas.openxmlformats.org/markup-compatibility/2006">
-        <mc:Choice xmlns:a14="http://schemas.microsoft.com/office/drawing/2010/main" Requires="a14">
+      <mc:AlternateContent xmlns:mc="http://schemas.openxmlformats.org/markup-compatibility/2006" xmlns:a14="http://schemas.microsoft.com/office/drawing/2010/main">
+        <mc:Choice Requires="a14">
           <p:sp>
             <p:nvSpPr>
               <p:cNvPr id="7" name="Content Placeholder 2"/>
@@ -10140,7 +10140,7 @@
             </p:txBody>
           </p:sp>
         </mc:Choice>
-        <mc:Fallback>
+        <mc:Fallback xmlns="">
           <p:sp>
             <p:nvSpPr>
               <p:cNvPr id="7" name="Content Placeholder 2"/>
@@ -10209,8 +10209,8 @@
           </a:prstGeom>
         </p:spPr>
       </p:pic>
-      <mc:AlternateContent xmlns:mc="http://schemas.openxmlformats.org/markup-compatibility/2006">
-        <mc:Choice xmlns:a14="http://schemas.microsoft.com/office/drawing/2010/main" Requires="a14">
+      <mc:AlternateContent xmlns:mc="http://schemas.openxmlformats.org/markup-compatibility/2006" xmlns:a14="http://schemas.microsoft.com/office/drawing/2010/main">
+        <mc:Choice Requires="a14">
           <p:sp>
             <p:nvSpPr>
               <p:cNvPr id="13" name="Rectangle 12"/>
@@ -10346,7 +10346,7 @@
             </p:txBody>
           </p:sp>
         </mc:Choice>
-        <mc:Fallback>
+        <mc:Fallback xmlns="">
           <p:sp>
             <p:nvSpPr>
               <p:cNvPr id="13" name="Rectangle 12"/>
@@ -10385,6 +10385,36 @@
           </p:sp>
         </mc:Fallback>
       </mc:AlternateContent>
+      <p:pic>
+        <p:nvPicPr>
+          <p:cNvPr id="3" name="Picture 2">
+            <a:extLst>
+              <a:ext uri="{FF2B5EF4-FFF2-40B4-BE49-F238E27FC236}">
+                <a16:creationId xmlns:a16="http://schemas.microsoft.com/office/drawing/2014/main" id="{3ADCA9ED-6980-49F5-9A50-FF9CA888D6C5}"/>
+              </a:ext>
+            </a:extLst>
+          </p:cNvPr>
+          <p:cNvPicPr>
+            <a:picLocks noChangeAspect="1"/>
+          </p:cNvPicPr>
+          <p:nvPr/>
+        </p:nvPicPr>
+        <p:blipFill>
+          <a:blip r:embed="rId6"/>
+          <a:stretch>
+            <a:fillRect/>
+          </a:stretch>
+        </p:blipFill>
+        <p:spPr>
+          <a:xfrm>
+            <a:off x="6398223" y="1777211"/>
+            <a:ext cx="4424753" cy="3160538"/>
+          </a:xfrm>
+          <a:prstGeom prst="rect">
+            <a:avLst/>
+          </a:prstGeom>
+        </p:spPr>
+      </p:pic>
     </p:spTree>
     <p:extLst>
       <p:ext uri="{BB962C8B-B14F-4D97-AF65-F5344CB8AC3E}">

--- a/Presentation/slides (1).pptx
+++ b/Presentation/slides (1).pptx
@@ -7863,8 +7863,8 @@
           </a:p>
         </p:txBody>
       </p:sp>
-      <mc:AlternateContent xmlns:mc="http://schemas.openxmlformats.org/markup-compatibility/2006" xmlns:a14="http://schemas.microsoft.com/office/drawing/2010/main">
-        <mc:Choice Requires="a14">
+      <mc:AlternateContent xmlns:mc="http://schemas.openxmlformats.org/markup-compatibility/2006">
+        <mc:Choice xmlns:a14="http://schemas.microsoft.com/office/drawing/2010/main" Requires="a14">
           <p:sp>
             <p:nvSpPr>
               <p:cNvPr id="10" name="Content Placeholder 2"/>
@@ -8136,14 +8136,14 @@
                     <a:latin typeface="Helvetica" panose="020B0604020202020204" pitchFamily="34" charset="0"/>
                     <a:cs typeface="Helvetica" panose="020B0604020202020204" pitchFamily="34" charset="0"/>
                   </a:rPr>
-                  <a:t>Use natural cubic splines to show </a:t>
+                  <a:t>Use natural cubic splines to </a:t>
                 </a:r>
                 <a:r>
-                  <a:rPr lang="en-US" dirty="0" err="1">
+                  <a:rPr lang="en-US">
                     <a:latin typeface="Helvetica" panose="020B0604020202020204" pitchFamily="34" charset="0"/>
                     <a:cs typeface="Helvetica" panose="020B0604020202020204" pitchFamily="34" charset="0"/>
                   </a:rPr>
-                  <a:t>fluctutations</a:t>
+                  <a:t>show fluctuations</a:t>
                 </a:r>
                 <a:endParaRPr lang="en-US" dirty="0">
                   <a:latin typeface="Helvetica" panose="020B0604020202020204" pitchFamily="34" charset="0"/>
@@ -8362,7 +8362,7 @@
             </p:txBody>
           </p:sp>
         </mc:Choice>
-        <mc:Fallback xmlns="">
+        <mc:Fallback>
           <p:sp>
             <p:nvSpPr>
               <p:cNvPr id="10" name="Content Placeholder 2"/>

--- a/Presentation/slides (1).pptx
+++ b/Presentation/slides (1).pptx
@@ -133,6 +133,18 @@
 </p:presentation>
 </file>
 
+<file path=ppt/commentAuthors.xml><?xml version="1.0" encoding="utf-8"?>
+<p:cmAuthorLst xmlns:a="http://schemas.openxmlformats.org/drawingml/2006/main" xmlns:r="http://schemas.openxmlformats.org/officeDocument/2006/relationships" xmlns:p="http://schemas.openxmlformats.org/presentationml/2006/main">
+  <p:cmAuthor id="1" name="Daniel Timmers" initials="DT" lastIdx="1" clrIdx="0">
+    <p:extLst>
+      <p:ext uri="{19B8F6BF-5375-455C-9EA6-DF929625EA0E}">
+        <p15:presenceInfo xmlns:p15="http://schemas.microsoft.com/office/powerpoint/2012/main" userId="ac8968fed2b2d554" providerId="Windows Live"/>
+      </p:ext>
+    </p:extLst>
+  </p:cmAuthor>
+</p:cmAuthorLst>
+</file>
+
 <file path=ppt/handoutMasters/handoutMaster1.xml><?xml version="1.0" encoding="utf-8"?>
 <p:handoutMaster xmlns:a="http://schemas.openxmlformats.org/drawingml/2006/main" xmlns:r="http://schemas.openxmlformats.org/officeDocument/2006/relationships" xmlns:p="http://schemas.openxmlformats.org/presentationml/2006/main">
   <p:cSld>
@@ -693,6 +705,10 @@
           <a:bodyPr/>
           <a:lstStyle/>
           <a:p>
+            <a:r>
+              <a:rPr lang="en-GB" dirty="0"/>
+              <a:t>Two slightly different approaches to EDA were attempted; in the first section there were very few assumptions made, as inference was extracted from the data using its observed features, whilst the second section takes a more high level approach in posing a question to investigate and then forming hypotheses in the EDA section on training data which are to be validated.</a:t>
+            </a:r>
             <a:endParaRPr lang="en-US" dirty="0"/>
           </a:p>
         </p:txBody>
@@ -777,6 +793,48 @@
           <a:bodyPr/>
           <a:lstStyle/>
           <a:p>
+            <a:pPr marL="171450" indent="-171450">
+              <a:buFont typeface="Arial" panose="020B0604020202020204" pitchFamily="34" charset="0"/>
+              <a:buChar char="•"/>
+            </a:pPr>
+            <a:r>
+              <a:rPr lang="en-US" dirty="0"/>
+              <a:t>The 2 types of measures we decided upon were </a:t>
+            </a:r>
+            <a:r>
+              <a:rPr lang="en-US" b="1" dirty="0"/>
+              <a:t>Variance </a:t>
+            </a:r>
+            <a:r>
+              <a:rPr lang="en-US" dirty="0"/>
+              <a:t>and </a:t>
+            </a:r>
+            <a:r>
+              <a:rPr lang="en-US" b="1" dirty="0"/>
+              <a:t>% change.</a:t>
+            </a:r>
+            <a:r>
+              <a:rPr lang="en-US" dirty="0"/>
+              <a:t> </a:t>
+            </a:r>
+          </a:p>
+          <a:p>
+            <a:pPr marL="171450" indent="-171450">
+              <a:buFont typeface="Arial" panose="020B0604020202020204" pitchFamily="34" charset="0"/>
+              <a:buChar char="•"/>
+            </a:pPr>
+            <a:r>
+              <a:rPr lang="en-US" dirty="0"/>
+              <a:t>W</a:t>
+            </a:r>
+            <a:r>
+              <a:rPr lang="en-GB" dirty="0" err="1"/>
+              <a:t>ithout</a:t>
+            </a:r>
+            <a:r>
+              <a:rPr lang="en-GB" dirty="0"/>
+              <a:t> some further exploration, this is arguably uninteresting</a:t>
+            </a:r>
             <a:endParaRPr lang="en-US" dirty="0"/>
           </a:p>
         </p:txBody>
@@ -861,7 +919,24 @@
           <a:bodyPr/>
           <a:lstStyle/>
           <a:p>
-            <a:endParaRPr lang="en-US" dirty="0"/>
+            <a:pPr marL="171450" indent="-171450">
+              <a:buFont typeface="Arial" panose="020B0604020202020204" pitchFamily="34" charset="0"/>
+              <a:buChar char="•"/>
+            </a:pPr>
+            <a:r>
+              <a:rPr lang="en-US" dirty="0"/>
+              <a:t>The plot is built on the training data</a:t>
+            </a:r>
+          </a:p>
+          <a:p>
+            <a:pPr marL="171450" indent="-171450">
+              <a:buFont typeface="Arial" panose="020B0604020202020204" pitchFamily="34" charset="0"/>
+              <a:buChar char="•"/>
+            </a:pPr>
+            <a:r>
+              <a:rPr lang="en-US" dirty="0"/>
+              <a:t>Simple linear model used as we want to conclude on long term trends</a:t>
+            </a:r>
           </a:p>
         </p:txBody>
       </p:sp>
@@ -945,7 +1020,7 @@
           <a:bodyPr/>
           <a:lstStyle/>
           <a:p>
-            <a:endParaRPr lang="en-US"/>
+            <a:endParaRPr lang="en-US" dirty="0"/>
           </a:p>
         </p:txBody>
       </p:sp>
@@ -7182,7 +7257,7 @@
                 <a:latin typeface="Helvetica" panose="020B0604020202020204" pitchFamily="34" charset="0"/>
                 <a:cs typeface="Helvetica" panose="020B0604020202020204" pitchFamily="34" charset="0"/>
               </a:rPr>
-              <a:t>Aim: To identify some of the biggest changes and possible reasons for     	 them</a:t>
+              <a:t>Aim: To identify some of the largest long-term changes and possible reasons for them</a:t>
             </a:r>
           </a:p>
         </p:txBody>
@@ -8067,7 +8142,7 @@
                     <a:latin typeface="Helvetica" panose="020B0604020202020204" pitchFamily="34" charset="0"/>
                     <a:cs typeface="Helvetica" panose="020B0604020202020204" pitchFamily="34" charset="0"/>
                   </a:rPr>
-                  <a:t>Fitting a linear model and perform best subsets regression with </a:t>
+                  <a:t>Fitting a linear model and performing best subsets regression with </a:t>
                 </a:r>
                 <a:r>
                   <a:rPr lang="en-US" i="1" dirty="0">
@@ -8136,19 +8211,8 @@
                     <a:latin typeface="Helvetica" panose="020B0604020202020204" pitchFamily="34" charset="0"/>
                     <a:cs typeface="Helvetica" panose="020B0604020202020204" pitchFamily="34" charset="0"/>
                   </a:rPr>
-                  <a:t>Use natural cubic splines to </a:t>
+                  <a:t>Use natural cubic splines to show fluctuations</a:t>
                 </a:r>
-                <a:r>
-                  <a:rPr lang="en-US">
-                    <a:latin typeface="Helvetica" panose="020B0604020202020204" pitchFamily="34" charset="0"/>
-                    <a:cs typeface="Helvetica" panose="020B0604020202020204" pitchFamily="34" charset="0"/>
-                  </a:rPr>
-                  <a:t>show fluctuations</a:t>
-                </a:r>
-                <a:endParaRPr lang="en-US" dirty="0">
-                  <a:latin typeface="Helvetica" panose="020B0604020202020204" pitchFamily="34" charset="0"/>
-                  <a:cs typeface="Helvetica" panose="020B0604020202020204" pitchFamily="34" charset="0"/>
-                </a:endParaRPr>
               </a:p>
               <a:p>
                 <a:pPr lvl="2"/>
@@ -8730,7 +8794,7 @@
               <a:rPr lang="en-US" smtClean="0"/>
               <a:t>4</a:t>
             </a:fld>
-            <a:endParaRPr lang="en-US"/>
+            <a:endParaRPr lang="en-US" dirty="0"/>
           </a:p>
         </p:txBody>
       </p:sp>
@@ -8766,8 +8830,8 @@
         </p:nvSpPr>
         <p:spPr>
           <a:xfrm>
-            <a:off x="8171412" y="1009400"/>
-            <a:ext cx="3217025" cy="1806324"/>
+            <a:off x="7638473" y="205834"/>
+            <a:ext cx="4045527" cy="1308147"/>
           </a:xfrm>
           <a:prstGeom prst="rect">
             <a:avLst/>
@@ -8942,6 +9006,20 @@
             </a:lvl9pPr>
           </a:lstStyle>
           <a:p>
+            <a:pPr>
+              <a:lnSpc>
+                <a:spcPct val="100000"/>
+              </a:lnSpc>
+            </a:pPr>
+            <a:r>
+              <a:rPr lang="en-US" sz="2400" dirty="0">
+                <a:latin typeface="Helvetica" panose="020B0604020202020204" pitchFamily="34" charset="0"/>
+                <a:cs typeface="Helvetica" panose="020B0604020202020204" pitchFamily="34" charset="0"/>
+              </a:rPr>
+              <a:t>The plot indicates that over the period, the participation in tu04 has decreased for both men and women. </a:t>
+            </a:r>
+          </a:p>
+          <a:p>
             <a:pPr marL="0" indent="0">
               <a:lnSpc>
                 <a:spcPct val="100000"/>
@@ -8953,42 +9031,13 @@
                 <a:latin typeface="Helvetica" panose="020B0604020202020204" pitchFamily="34" charset="0"/>
                 <a:cs typeface="Helvetica" panose="020B0604020202020204" pitchFamily="34" charset="0"/>
               </a:rPr>
-              <a:t>The plot is built on the </a:t>
-            </a:r>
-            <a:r>
-              <a:rPr lang="en-US" sz="2400" i="1" dirty="0">
-                <a:latin typeface="Helvetica" panose="020B0604020202020204" pitchFamily="34" charset="0"/>
-                <a:cs typeface="Helvetica" panose="020B0604020202020204" pitchFamily="34" charset="0"/>
-              </a:rPr>
-              <a:t>training data</a:t>
-            </a:r>
-            <a:r>
-              <a:rPr lang="en-US" sz="2400" dirty="0">
-                <a:latin typeface="Helvetica" panose="020B0604020202020204" pitchFamily="34" charset="0"/>
-                <a:cs typeface="Helvetica" panose="020B0604020202020204" pitchFamily="34" charset="0"/>
-              </a:rPr>
-              <a:t> and indicates that over the period, the participation in tu04 has decreased for both men and women. </a:t>
-            </a:r>
-          </a:p>
-          <a:p>
-            <a:pPr marL="0" indent="0">
-              <a:lnSpc>
-                <a:spcPct val="100000"/>
-              </a:lnSpc>
-              <a:buNone/>
-            </a:pPr>
-            <a:r>
-              <a:rPr lang="en-US" sz="2400" dirty="0">
-                <a:latin typeface="Helvetica" panose="020B0604020202020204" pitchFamily="34" charset="0"/>
-                <a:cs typeface="Helvetica" panose="020B0604020202020204" pitchFamily="34" charset="0"/>
-              </a:rPr>
               <a:t> </a:t>
             </a:r>
           </a:p>
         </p:txBody>
       </p:sp>
-      <mc:AlternateContent xmlns:mc="http://schemas.openxmlformats.org/markup-compatibility/2006" xmlns:a14="http://schemas.microsoft.com/office/drawing/2010/main">
-        <mc:Choice Requires="a14">
+      <mc:AlternateContent xmlns:mc="http://schemas.openxmlformats.org/markup-compatibility/2006">
+        <mc:Choice xmlns:a14="http://schemas.microsoft.com/office/drawing/2010/main" Requires="a14">
           <p:sp>
             <p:nvSpPr>
               <p:cNvPr id="10" name="Content Placeholder 2"/>
@@ -8999,8 +9048,8 @@
             </p:nvSpPr>
             <p:spPr>
               <a:xfrm>
-                <a:off x="838200" y="4586601"/>
-                <a:ext cx="10515600" cy="403411"/>
+                <a:off x="831273" y="5272572"/>
+                <a:ext cx="10677236" cy="403411"/>
               </a:xfrm>
               <a:prstGeom prst="rect">
                 <a:avLst/>
@@ -9211,7 +9260,81 @@
                     <a:latin typeface="Helvetica" panose="020B0604020202020204" pitchFamily="34" charset="0"/>
                     <a:cs typeface="Helvetica" panose="020B0604020202020204" pitchFamily="34" charset="0"/>
                   </a:rPr>
-                  <a:t>, without splines, gives a </a:t>
+                  <a:t>, without splines, (</a:t>
+                </a:r>
+                <a14:m>
+                  <m:oMath xmlns:m="http://schemas.openxmlformats.org/officeDocument/2006/math">
+                    <m:r>
+                      <a:rPr lang="en-GB" sz="2400" b="0" i="1" smtClean="0">
+                        <a:latin typeface="Cambria Math" panose="02040503050406030204" pitchFamily="18" charset="0"/>
+                        <a:cs typeface="Helvetica" panose="020B0604020202020204" pitchFamily="34" charset="0"/>
+                      </a:rPr>
+                      <m:t> </m:t>
+                    </m:r>
+                    <m:r>
+                      <a:rPr lang="en-GB" sz="2400" b="0" i="1" smtClean="0">
+                        <a:latin typeface="Cambria Math" panose="02040503050406030204" pitchFamily="18" charset="0"/>
+                        <a:cs typeface="Helvetica" panose="020B0604020202020204" pitchFamily="34" charset="0"/>
+                      </a:rPr>
+                      <m:t>𝑡𝑢</m:t>
+                    </m:r>
+                    <m:r>
+                      <a:rPr lang="en-GB" sz="2400" b="0" i="1" smtClean="0">
+                        <a:latin typeface="Cambria Math" panose="02040503050406030204" pitchFamily="18" charset="0"/>
+                        <a:cs typeface="Helvetica" panose="020B0604020202020204" pitchFamily="34" charset="0"/>
+                      </a:rPr>
+                      <m:t>04 </m:t>
+                    </m:r>
+                    <m:r>
+                      <a:rPr lang="en-GB" sz="2400" b="0" i="1" smtClean="0">
+                        <a:latin typeface="Cambria Math" panose="02040503050406030204" pitchFamily="18" charset="0"/>
+                        <a:cs typeface="Helvetica" panose="020B0604020202020204" pitchFamily="34" charset="0"/>
+                      </a:rPr>
+                      <m:t>𝑝𝑎𝑟𝑡𝑖𝑐𝑖𝑝𝑎𝑡𝑖𝑜𝑛</m:t>
+                    </m:r>
+                    <m:r>
+                      <a:rPr lang="en-GB" sz="2400" b="0" i="1" smtClean="0">
+                        <a:latin typeface="Cambria Math" panose="02040503050406030204" pitchFamily="18" charset="0"/>
+                        <a:cs typeface="Helvetica" panose="020B0604020202020204" pitchFamily="34" charset="0"/>
+                      </a:rPr>
+                      <m:t> ~ </m:t>
+                    </m:r>
+                    <m:r>
+                      <a:rPr lang="en-GB" sz="2400" b="0" i="1" smtClean="0">
+                        <a:latin typeface="Cambria Math" panose="02040503050406030204" pitchFamily="18" charset="0"/>
+                        <a:cs typeface="Helvetica" panose="020B0604020202020204" pitchFamily="34" charset="0"/>
+                      </a:rPr>
+                      <m:t>𝑌𝑒𝑎𝑟</m:t>
+                    </m:r>
+                    <m:r>
+                      <a:rPr lang="en-GB" sz="2400" b="0" i="1" smtClean="0">
+                        <a:latin typeface="Cambria Math" panose="02040503050406030204" pitchFamily="18" charset="0"/>
+                        <a:cs typeface="Helvetica" panose="020B0604020202020204" pitchFamily="34" charset="0"/>
+                      </a:rPr>
+                      <m:t>+</m:t>
+                    </m:r>
+                    <m:r>
+                      <a:rPr lang="en-GB" sz="2400" b="0" i="1" smtClean="0">
+                        <a:latin typeface="Cambria Math" panose="02040503050406030204" pitchFamily="18" charset="0"/>
+                        <a:cs typeface="Helvetica" panose="020B0604020202020204" pitchFamily="34" charset="0"/>
+                      </a:rPr>
+                      <m:t>𝑆𝑒𝑥</m:t>
+                    </m:r>
+                    <m:r>
+                      <a:rPr lang="en-GB" sz="2400" b="0" i="1" smtClean="0">
+                        <a:latin typeface="Cambria Math" panose="02040503050406030204" pitchFamily="18" charset="0"/>
+                        <a:cs typeface="Helvetica" panose="020B0604020202020204" pitchFamily="34" charset="0"/>
+                      </a:rPr>
+                      <m:t> </m:t>
+                    </m:r>
+                  </m:oMath>
+                </a14:m>
+                <a:r>
+                  <a:rPr lang="en-US" sz="2400" dirty="0">
+                    <a:latin typeface="Helvetica" panose="020B0604020202020204" pitchFamily="34" charset="0"/>
+                    <a:cs typeface="Helvetica" panose="020B0604020202020204" pitchFamily="34" charset="0"/>
+                  </a:rPr>
+                  <a:t>) gives a </a:t>
                 </a:r>
                 <a14:m>
                   <m:oMath xmlns:m="http://schemas.openxmlformats.org/officeDocument/2006/math">
@@ -9248,7 +9371,7 @@
             </p:txBody>
           </p:sp>
         </mc:Choice>
-        <mc:Fallback xmlns="">
+        <mc:Fallback>
           <p:sp>
             <p:nvSpPr>
               <p:cNvPr id="10" name="Content Placeholder 2"/>
@@ -9259,8 +9382,8 @@
             </p:nvSpPr>
             <p:spPr>
               <a:xfrm>
-                <a:off x="838200" y="4586601"/>
-                <a:ext cx="10515600" cy="403411"/>
+                <a:off x="831273" y="5272572"/>
+                <a:ext cx="10677236" cy="403411"/>
               </a:xfrm>
               <a:prstGeom prst="rect">
                 <a:avLst/>
@@ -9268,7 +9391,7 @@
               <a:blipFill>
                 <a:blip r:embed="rId3"/>
                 <a:stretch>
-                  <a:fillRect l="-812" t="-19403" b="-119403"/>
+                  <a:fillRect l="-742" t="-19697" b="-204545"/>
                 </a:stretch>
               </a:blipFill>
             </p:spPr>
@@ -9297,8 +9420,8 @@
         </p:nvSpPr>
         <p:spPr>
           <a:xfrm>
-            <a:off x="838200" y="5339153"/>
-            <a:ext cx="10515600" cy="1308147"/>
+            <a:off x="7638472" y="2262918"/>
+            <a:ext cx="4045528" cy="2490936"/>
           </a:xfrm>
           <a:prstGeom prst="rect">
             <a:avLst/>
@@ -9306,7 +9429,7 @@
         </p:spPr>
         <p:txBody>
           <a:bodyPr vert="horz" lIns="91440" tIns="45720" rIns="91440" bIns="45720" rtlCol="0">
-            <a:normAutofit/>
+            <a:normAutofit lnSpcReduction="10000"/>
           </a:bodyPr>
           <a:lstStyle>
             <a:lvl1pPr marL="228600" indent="-228600" algn="l" defTabSz="914400" rtl="0" eaLnBrk="1" latinLnBrk="0" hangingPunct="1">
@@ -9482,10 +9605,22 @@
             </a:r>
             <a:r>
               <a:rPr lang="en-US" sz="2400" i="1" dirty="0">
+                <a:solidFill>
+                  <a:schemeClr val="bg1">
+                    <a:lumMod val="50000"/>
+                  </a:schemeClr>
+                </a:solidFill>
                 <a:latin typeface="Helvetica" panose="020B0604020202020204" pitchFamily="34" charset="0"/>
                 <a:cs typeface="Helvetica" panose="020B0604020202020204" pitchFamily="34" charset="0"/>
               </a:rPr>
-              <a:t>average number of household children </a:t>
+              <a:t>average number of household children</a:t>
+            </a:r>
+            <a:r>
+              <a:rPr lang="en-US" sz="2400" i="1" dirty="0">
+                <a:latin typeface="Helvetica" panose="020B0604020202020204" pitchFamily="34" charset="0"/>
+                <a:cs typeface="Helvetica" panose="020B0604020202020204" pitchFamily="34" charset="0"/>
+              </a:rPr>
+              <a:t> </a:t>
             </a:r>
             <a:r>
               <a:rPr lang="en-US" sz="2400" dirty="0">
@@ -9532,8 +9667,8 @@
         </p:blipFill>
         <p:spPr>
           <a:xfrm>
-            <a:off x="838199" y="323705"/>
-            <a:ext cx="6867699" cy="4210671"/>
+            <a:off x="550735" y="312646"/>
+            <a:ext cx="7112814" cy="4360954"/>
           </a:xfrm>
           <a:prstGeom prst="rect">
             <a:avLst/>
@@ -10209,8 +10344,8 @@
           </a:prstGeom>
         </p:spPr>
       </p:pic>
-      <mc:AlternateContent xmlns:mc="http://schemas.openxmlformats.org/markup-compatibility/2006" xmlns:a14="http://schemas.microsoft.com/office/drawing/2010/main">
-        <mc:Choice Requires="a14">
+      <mc:AlternateContent xmlns:mc="http://schemas.openxmlformats.org/markup-compatibility/2006">
+        <mc:Choice xmlns:a14="http://schemas.microsoft.com/office/drawing/2010/main" Requires="a14">
           <p:sp>
             <p:nvSpPr>
               <p:cNvPr id="13" name="Rectangle 12"/>
@@ -10246,7 +10381,7 @@
                 <a14:m>
                   <m:oMath xmlns:m="http://schemas.openxmlformats.org/officeDocument/2006/math">
                     <m:r>
-                      <a:rPr lang="en-GB" sz="2000" i="1">
+                      <a:rPr lang="en-GB" sz="2000" i="1" smtClean="0">
                         <a:latin typeface="Cambria Math" panose="02040503050406030204" pitchFamily="18" charset="0"/>
                       </a:rPr>
                       <m:t>𝑡</m:t>
@@ -10346,7 +10481,7 @@
             </p:txBody>
           </p:sp>
         </mc:Choice>
-        <mc:Fallback xmlns="">
+        <mc:Fallback>
           <p:sp>
             <p:nvSpPr>
               <p:cNvPr id="13" name="Rectangle 12"/>
@@ -10407,7 +10542,7 @@
         </p:blipFill>
         <p:spPr>
           <a:xfrm>
-            <a:off x="6398223" y="1777211"/>
+            <a:off x="6398223" y="1749503"/>
             <a:ext cx="4424753" cy="3160538"/>
           </a:xfrm>
           <a:prstGeom prst="rect">

--- a/Presentation/slides (1).pptx
+++ b/Presentation/slides (1).pptx
@@ -5,10 +5,10 @@
     <p:sldMasterId id="2147483726" r:id="rId1"/>
   </p:sldMasterIdLst>
   <p:notesMasterIdLst>
-    <p:notesMasterId r:id="rId18"/>
+    <p:notesMasterId r:id="rId19"/>
   </p:notesMasterIdLst>
   <p:handoutMasterIdLst>
-    <p:handoutMasterId r:id="rId19"/>
+    <p:handoutMasterId r:id="rId20"/>
   </p:handoutMasterIdLst>
   <p:sldIdLst>
     <p:sldId id="256" r:id="rId2"/>
@@ -16,17 +16,18 @@
     <p:sldId id="270" r:id="rId4"/>
     <p:sldId id="267" r:id="rId5"/>
     <p:sldId id="271" r:id="rId6"/>
-    <p:sldId id="259" r:id="rId7"/>
-    <p:sldId id="268" r:id="rId8"/>
-    <p:sldId id="262" r:id="rId9"/>
-    <p:sldId id="272" r:id="rId10"/>
-    <p:sldId id="261" r:id="rId11"/>
-    <p:sldId id="263" r:id="rId12"/>
-    <p:sldId id="264" r:id="rId13"/>
-    <p:sldId id="265" r:id="rId14"/>
-    <p:sldId id="260" r:id="rId15"/>
-    <p:sldId id="269" r:id="rId16"/>
-    <p:sldId id="266" r:id="rId17"/>
+    <p:sldId id="274" r:id="rId7"/>
+    <p:sldId id="259" r:id="rId8"/>
+    <p:sldId id="268" r:id="rId9"/>
+    <p:sldId id="262" r:id="rId10"/>
+    <p:sldId id="272" r:id="rId11"/>
+    <p:sldId id="261" r:id="rId12"/>
+    <p:sldId id="263" r:id="rId13"/>
+    <p:sldId id="264" r:id="rId14"/>
+    <p:sldId id="265" r:id="rId15"/>
+    <p:sldId id="260" r:id="rId16"/>
+    <p:sldId id="269" r:id="rId17"/>
+    <p:sldId id="266" r:id="rId18"/>
   </p:sldIdLst>
   <p:sldSz cx="12192000" cy="6858000"/>
   <p:notesSz cx="6858000" cy="9144000"/>
@@ -135,7 +136,7 @@
 
 <file path=ppt/commentAuthors.xml><?xml version="1.0" encoding="utf-8"?>
 <p:cmAuthorLst xmlns:a="http://schemas.openxmlformats.org/drawingml/2006/main" xmlns:r="http://schemas.openxmlformats.org/officeDocument/2006/relationships" xmlns:p="http://schemas.openxmlformats.org/presentationml/2006/main">
-  <p:cmAuthor id="1" name="Daniel Timmers" initials="DT" lastIdx="1" clrIdx="0">
+  <p:cmAuthor id="1" name="Daniel Timmers" initials="DT" lastIdx="2" clrIdx="0">
     <p:extLst>
       <p:ext uri="{19B8F6BF-5375-455C-9EA6-DF929625EA0E}">
         <p15:presenceInfo xmlns:p15="http://schemas.microsoft.com/office/powerpoint/2012/main" userId="ac8968fed2b2d554" providerId="Windows Live"/>
@@ -749,6 +750,90 @@
 </p:notes>
 </file>
 
+<file path=ppt/notesSlides/notesSlide10.xml><?xml version="1.0" encoding="utf-8"?>
+<p:notes xmlns:a="http://schemas.openxmlformats.org/drawingml/2006/main" xmlns:r="http://schemas.openxmlformats.org/officeDocument/2006/relationships" xmlns:p="http://schemas.openxmlformats.org/presentationml/2006/main">
+  <p:cSld>
+    <p:spTree>
+      <p:nvGrpSpPr>
+        <p:cNvPr id="1" name=""/>
+        <p:cNvGrpSpPr/>
+        <p:nvPr/>
+      </p:nvGrpSpPr>
+      <p:grpSpPr>
+        <a:xfrm>
+          <a:off x="0" y="0"/>
+          <a:ext cx="0" cy="0"/>
+          <a:chOff x="0" y="0"/>
+          <a:chExt cx="0" cy="0"/>
+        </a:xfrm>
+      </p:grpSpPr>
+      <p:sp>
+        <p:nvSpPr>
+          <p:cNvPr id="2" name="Slide Image Placeholder 1"/>
+          <p:cNvSpPr>
+            <a:spLocks noGrp="1" noRot="1" noChangeAspect="1"/>
+          </p:cNvSpPr>
+          <p:nvPr>
+            <p:ph type="sldImg"/>
+          </p:nvPr>
+        </p:nvSpPr>
+        <p:spPr/>
+      </p:sp>
+      <p:sp>
+        <p:nvSpPr>
+          <p:cNvPr id="3" name="Notes Placeholder 2"/>
+          <p:cNvSpPr>
+            <a:spLocks noGrp="1"/>
+          </p:cNvSpPr>
+          <p:nvPr>
+            <p:ph type="body" idx="1"/>
+          </p:nvPr>
+        </p:nvSpPr>
+        <p:spPr/>
+        <p:txBody>
+          <a:bodyPr/>
+          <a:lstStyle/>
+          <a:p>
+            <a:endParaRPr lang="en-US"/>
+          </a:p>
+        </p:txBody>
+      </p:sp>
+      <p:sp>
+        <p:nvSpPr>
+          <p:cNvPr id="4" name="Slide Number Placeholder 3"/>
+          <p:cNvSpPr>
+            <a:spLocks noGrp="1"/>
+          </p:cNvSpPr>
+          <p:nvPr>
+            <p:ph type="sldNum" sz="quarter" idx="10"/>
+          </p:nvPr>
+        </p:nvSpPr>
+        <p:spPr/>
+        <p:txBody>
+          <a:bodyPr/>
+          <a:lstStyle/>
+          <a:p>
+            <a:fld id="{DEE6E51E-8BFE-ED48-BDEE-3A04CC6C7478}" type="slidenum">
+              <a:rPr lang="en-US" smtClean="0"/>
+              <a:t>15</a:t>
+            </a:fld>
+            <a:endParaRPr lang="en-US"/>
+          </a:p>
+        </p:txBody>
+      </p:sp>
+    </p:spTree>
+    <p:extLst>
+      <p:ext uri="{BB962C8B-B14F-4D97-AF65-F5344CB8AC3E}">
+        <p14:creationId xmlns:p14="http://schemas.microsoft.com/office/powerpoint/2010/main" val="1780172261"/>
+      </p:ext>
+    </p:extLst>
+  </p:cSld>
+  <p:clrMapOvr>
+    <a:masterClrMapping/>
+  </p:clrMapOvr>
+</p:notes>
+</file>
+
 <file path=ppt/notesSlides/notesSlide2.xml><?xml version="1.0" encoding="utf-8"?>
 <p:notes xmlns:a="http://schemas.openxmlformats.org/drawingml/2006/main" xmlns:r="http://schemas.openxmlformats.org/officeDocument/2006/relationships" xmlns:p="http://schemas.openxmlformats.org/presentationml/2006/main">
   <p:cSld>
@@ -1104,7 +1189,7 @@
           <a:bodyPr/>
           <a:lstStyle/>
           <a:p>
-            <a:endParaRPr lang="en-US" dirty="0"/>
+            <a:endParaRPr lang="en-GB" dirty="0"/>
           </a:p>
         </p:txBody>
       </p:sp>
@@ -1115,7 +1200,7 @@
             <a:spLocks noGrp="1"/>
           </p:cNvSpPr>
           <p:nvPr>
-            <p:ph type="sldNum" sz="quarter" idx="10"/>
+            <p:ph type="sldNum" sz="quarter" idx="5"/>
           </p:nvPr>
         </p:nvSpPr>
         <p:spPr/>
@@ -1134,7 +1219,7 @@
     </p:spTree>
     <p:extLst>
       <p:ext uri="{BB962C8B-B14F-4D97-AF65-F5344CB8AC3E}">
-        <p14:creationId xmlns:p14="http://schemas.microsoft.com/office/powerpoint/2010/main" val="1967513926"/>
+        <p14:creationId xmlns:p14="http://schemas.microsoft.com/office/powerpoint/2010/main" val="386813165"/>
       </p:ext>
     </p:extLst>
   </p:cSld>
@@ -1188,7 +1273,7 @@
           <a:bodyPr/>
           <a:lstStyle/>
           <a:p>
-            <a:endParaRPr lang="en-US"/>
+            <a:endParaRPr lang="en-US" dirty="0"/>
           </a:p>
         </p:txBody>
       </p:sp>
@@ -1218,7 +1303,7 @@
     </p:spTree>
     <p:extLst>
       <p:ext uri="{BB962C8B-B14F-4D97-AF65-F5344CB8AC3E}">
-        <p14:creationId xmlns:p14="http://schemas.microsoft.com/office/powerpoint/2010/main" val="1887658390"/>
+        <p14:creationId xmlns:p14="http://schemas.microsoft.com/office/powerpoint/2010/main" val="1967513926"/>
       </p:ext>
     </p:extLst>
   </p:cSld>
@@ -1302,7 +1387,7 @@
     </p:spTree>
     <p:extLst>
       <p:ext uri="{BB962C8B-B14F-4D97-AF65-F5344CB8AC3E}">
-        <p14:creationId xmlns:p14="http://schemas.microsoft.com/office/powerpoint/2010/main" val="1151978198"/>
+        <p14:creationId xmlns:p14="http://schemas.microsoft.com/office/powerpoint/2010/main" val="1887658390"/>
       </p:ext>
     </p:extLst>
   </p:cSld>
@@ -1386,7 +1471,7 @@
     </p:spTree>
     <p:extLst>
       <p:ext uri="{BB962C8B-B14F-4D97-AF65-F5344CB8AC3E}">
-        <p14:creationId xmlns:p14="http://schemas.microsoft.com/office/powerpoint/2010/main" val="3068061575"/>
+        <p14:creationId xmlns:p14="http://schemas.microsoft.com/office/powerpoint/2010/main" val="1151978198"/>
       </p:ext>
     </p:extLst>
   </p:cSld>
@@ -1461,7 +1546,7 @@
           <a:p>
             <a:fld id="{DEE6E51E-8BFE-ED48-BDEE-3A04CC6C7478}" type="slidenum">
               <a:rPr lang="en-US" smtClean="0"/>
-              <a:t>14</a:t>
+              <a:t>10</a:t>
             </a:fld>
             <a:endParaRPr lang="en-US"/>
           </a:p>
@@ -1470,7 +1555,7 @@
     </p:spTree>
     <p:extLst>
       <p:ext uri="{BB962C8B-B14F-4D97-AF65-F5344CB8AC3E}">
-        <p14:creationId xmlns:p14="http://schemas.microsoft.com/office/powerpoint/2010/main" val="1780172261"/>
+        <p14:creationId xmlns:p14="http://schemas.microsoft.com/office/powerpoint/2010/main" val="3068061575"/>
       </p:ext>
     </p:extLst>
   </p:cSld>
@@ -4480,7 +4565,7 @@
       </p:grpSpPr>
       <p:sp>
         <p:nvSpPr>
-          <p:cNvPr id="5" name="Footer Placeholder 4"/>
+          <p:cNvPr id="3" name="Footer Placeholder 2"/>
           <p:cNvSpPr>
             <a:spLocks noGrp="1"/>
           </p:cNvSpPr>
@@ -4495,14 +4580,14 @@
           <a:p>
             <a:r>
               <a:rPr lang="en-US" dirty="0"/>
-              <a:t>Fluctuation 2 – Validation – Males - Working</a:t>
-            </a:r>
-          </a:p>
-        </p:txBody>
-      </p:sp>
-      <p:sp>
-        <p:nvSpPr>
-          <p:cNvPr id="3" name="Slide Number Placeholder 2"/>
+              <a:t>Observation 2 – Validation</a:t>
+            </a:r>
+          </a:p>
+        </p:txBody>
+      </p:sp>
+      <p:sp>
+        <p:nvSpPr>
+          <p:cNvPr id="2" name="Slide Number Placeholder 1"/>
           <p:cNvSpPr>
             <a:spLocks noGrp="1"/>
           </p:cNvSpPr>
@@ -4518,6 +4603,442 @@
             <a:fld id="{73C26548-949F-BF45-9AAC-1ABF92E0F60B}" type="slidenum">
               <a:rPr lang="en-US" smtClean="0"/>
               <a:t>10</a:t>
+            </a:fld>
+            <a:endParaRPr lang="en-US"/>
+          </a:p>
+        </p:txBody>
+      </p:sp>
+      <p:sp>
+        <p:nvSpPr>
+          <p:cNvPr id="6" name="Content Placeholder 2"/>
+          <p:cNvSpPr txBox="1">
+            <a:spLocks/>
+          </p:cNvSpPr>
+          <p:nvPr/>
+        </p:nvSpPr>
+        <p:spPr>
+          <a:xfrm>
+            <a:off x="681925" y="1457268"/>
+            <a:ext cx="10671875" cy="3176724"/>
+          </a:xfrm>
+          <a:prstGeom prst="rect">
+            <a:avLst/>
+          </a:prstGeom>
+        </p:spPr>
+        <p:txBody>
+          <a:bodyPr vert="horz" lIns="91440" tIns="45720" rIns="91440" bIns="45720" rtlCol="0">
+            <a:noAutofit/>
+          </a:bodyPr>
+          <a:lstStyle>
+            <a:lvl1pPr marL="228600" indent="-228600" algn="l" defTabSz="914400" rtl="0" eaLnBrk="1" latinLnBrk="0" hangingPunct="1">
+              <a:lnSpc>
+                <a:spcPct val="90000"/>
+              </a:lnSpc>
+              <a:spcBef>
+                <a:spcPts val="1000"/>
+              </a:spcBef>
+              <a:buFont typeface="Arial" panose="020B0604020202020204" pitchFamily="34" charset="0"/>
+              <a:buChar char="•"/>
+              <a:defRPr sz="2800" kern="1200">
+                <a:solidFill>
+                  <a:schemeClr val="tx1"/>
+                </a:solidFill>
+                <a:latin typeface="+mn-lt"/>
+                <a:ea typeface="+mn-ea"/>
+                <a:cs typeface="+mn-cs"/>
+              </a:defRPr>
+            </a:lvl1pPr>
+            <a:lvl2pPr marL="685800" indent="-228600" algn="l" defTabSz="914400" rtl="0" eaLnBrk="1" latinLnBrk="0" hangingPunct="1">
+              <a:lnSpc>
+                <a:spcPct val="90000"/>
+              </a:lnSpc>
+              <a:spcBef>
+                <a:spcPts val="500"/>
+              </a:spcBef>
+              <a:buFont typeface="Arial" panose="020B0604020202020204" pitchFamily="34" charset="0"/>
+              <a:buChar char="•"/>
+              <a:defRPr sz="2400" kern="1200">
+                <a:solidFill>
+                  <a:schemeClr val="tx1"/>
+                </a:solidFill>
+                <a:latin typeface="+mn-lt"/>
+                <a:ea typeface="+mn-ea"/>
+                <a:cs typeface="+mn-cs"/>
+              </a:defRPr>
+            </a:lvl2pPr>
+            <a:lvl3pPr marL="1143000" indent="-228600" algn="l" defTabSz="914400" rtl="0" eaLnBrk="1" latinLnBrk="0" hangingPunct="1">
+              <a:lnSpc>
+                <a:spcPct val="90000"/>
+              </a:lnSpc>
+              <a:spcBef>
+                <a:spcPts val="500"/>
+              </a:spcBef>
+              <a:buFont typeface="Arial" panose="020B0604020202020204" pitchFamily="34" charset="0"/>
+              <a:buChar char="•"/>
+              <a:defRPr sz="2000" kern="1200">
+                <a:solidFill>
+                  <a:schemeClr val="tx1"/>
+                </a:solidFill>
+                <a:latin typeface="+mn-lt"/>
+                <a:ea typeface="+mn-ea"/>
+                <a:cs typeface="+mn-cs"/>
+              </a:defRPr>
+            </a:lvl3pPr>
+            <a:lvl4pPr marL="1600200" indent="-228600" algn="l" defTabSz="914400" rtl="0" eaLnBrk="1" latinLnBrk="0" hangingPunct="1">
+              <a:lnSpc>
+                <a:spcPct val="90000"/>
+              </a:lnSpc>
+              <a:spcBef>
+                <a:spcPts val="500"/>
+              </a:spcBef>
+              <a:buFont typeface="Arial" panose="020B0604020202020204" pitchFamily="34" charset="0"/>
+              <a:buChar char="•"/>
+              <a:defRPr sz="1800" kern="1200">
+                <a:solidFill>
+                  <a:schemeClr val="tx1"/>
+                </a:solidFill>
+                <a:latin typeface="+mn-lt"/>
+                <a:ea typeface="+mn-ea"/>
+                <a:cs typeface="+mn-cs"/>
+              </a:defRPr>
+            </a:lvl4pPr>
+            <a:lvl5pPr marL="2057400" indent="-228600" algn="l" defTabSz="914400" rtl="0" eaLnBrk="1" latinLnBrk="0" hangingPunct="1">
+              <a:lnSpc>
+                <a:spcPct val="90000"/>
+              </a:lnSpc>
+              <a:spcBef>
+                <a:spcPts val="500"/>
+              </a:spcBef>
+              <a:buFont typeface="Arial" panose="020B0604020202020204" pitchFamily="34" charset="0"/>
+              <a:buChar char="•"/>
+              <a:defRPr sz="1800" kern="1200">
+                <a:solidFill>
+                  <a:schemeClr val="tx1"/>
+                </a:solidFill>
+                <a:latin typeface="+mn-lt"/>
+                <a:ea typeface="+mn-ea"/>
+                <a:cs typeface="+mn-cs"/>
+              </a:defRPr>
+            </a:lvl5pPr>
+            <a:lvl6pPr marL="2514600" indent="-228600" algn="l" defTabSz="914400" rtl="0" eaLnBrk="1" latinLnBrk="0" hangingPunct="1">
+              <a:lnSpc>
+                <a:spcPct val="90000"/>
+              </a:lnSpc>
+              <a:spcBef>
+                <a:spcPts val="500"/>
+              </a:spcBef>
+              <a:buFont typeface="Arial" panose="020B0604020202020204" pitchFamily="34" charset="0"/>
+              <a:buChar char="•"/>
+              <a:defRPr sz="1800" kern="1200">
+                <a:solidFill>
+                  <a:schemeClr val="tx1"/>
+                </a:solidFill>
+                <a:latin typeface="+mn-lt"/>
+                <a:ea typeface="+mn-ea"/>
+                <a:cs typeface="+mn-cs"/>
+              </a:defRPr>
+            </a:lvl6pPr>
+            <a:lvl7pPr marL="2971800" indent="-228600" algn="l" defTabSz="914400" rtl="0" eaLnBrk="1" latinLnBrk="0" hangingPunct="1">
+              <a:lnSpc>
+                <a:spcPct val="90000"/>
+              </a:lnSpc>
+              <a:spcBef>
+                <a:spcPts val="500"/>
+              </a:spcBef>
+              <a:buFont typeface="Arial" panose="020B0604020202020204" pitchFamily="34" charset="0"/>
+              <a:buChar char="•"/>
+              <a:defRPr sz="1800" kern="1200">
+                <a:solidFill>
+                  <a:schemeClr val="tx1"/>
+                </a:solidFill>
+                <a:latin typeface="+mn-lt"/>
+                <a:ea typeface="+mn-ea"/>
+                <a:cs typeface="+mn-cs"/>
+              </a:defRPr>
+            </a:lvl7pPr>
+            <a:lvl8pPr marL="3429000" indent="-228600" algn="l" defTabSz="914400" rtl="0" eaLnBrk="1" latinLnBrk="0" hangingPunct="1">
+              <a:lnSpc>
+                <a:spcPct val="90000"/>
+              </a:lnSpc>
+              <a:spcBef>
+                <a:spcPts val="500"/>
+              </a:spcBef>
+              <a:buFont typeface="Arial" panose="020B0604020202020204" pitchFamily="34" charset="0"/>
+              <a:buChar char="•"/>
+              <a:defRPr sz="1800" kern="1200">
+                <a:solidFill>
+                  <a:schemeClr val="tx1"/>
+                </a:solidFill>
+                <a:latin typeface="+mn-lt"/>
+                <a:ea typeface="+mn-ea"/>
+                <a:cs typeface="+mn-cs"/>
+              </a:defRPr>
+            </a:lvl8pPr>
+            <a:lvl9pPr marL="3886200" indent="-228600" algn="l" defTabSz="914400" rtl="0" eaLnBrk="1" latinLnBrk="0" hangingPunct="1">
+              <a:lnSpc>
+                <a:spcPct val="90000"/>
+              </a:lnSpc>
+              <a:spcBef>
+                <a:spcPts val="500"/>
+              </a:spcBef>
+              <a:buFont typeface="Arial" panose="020B0604020202020204" pitchFamily="34" charset="0"/>
+              <a:buChar char="•"/>
+              <a:defRPr sz="1800" kern="1200">
+                <a:solidFill>
+                  <a:schemeClr val="tx1"/>
+                </a:solidFill>
+                <a:latin typeface="+mn-lt"/>
+                <a:ea typeface="+mn-ea"/>
+                <a:cs typeface="+mn-cs"/>
+              </a:defRPr>
+            </a:lvl9pPr>
+          </a:lstStyle>
+          <a:p>
+            <a:r>
+              <a:rPr lang="en-US" sz="2400" dirty="0">
+                <a:latin typeface="Helvetica" pitchFamily="2" charset="0"/>
+              </a:rPr>
+              <a:t>Males: Working, House Maintenance and Vehicle Maintenance;</a:t>
+            </a:r>
+          </a:p>
+          <a:p>
+            <a:r>
+              <a:rPr lang="en-US" sz="2400" dirty="0">
+                <a:latin typeface="Helvetica" pitchFamily="2" charset="0"/>
+              </a:rPr>
+              <a:t>Females: Housework, Cooking and Childcare</a:t>
+            </a:r>
+          </a:p>
+          <a:p>
+            <a:r>
+              <a:rPr lang="en-US" sz="2400" dirty="0">
+                <a:latin typeface="Helvetica" pitchFamily="2" charset="0"/>
+              </a:rPr>
+              <a:t>The models shown on the following slides showcase the results of the analysis, plotting all of the data with the exception of July as required. </a:t>
+            </a:r>
+          </a:p>
+          <a:p>
+            <a:r>
+              <a:rPr lang="en-US" sz="2400" dirty="0">
+                <a:latin typeface="Helvetica" pitchFamily="2" charset="0"/>
+              </a:rPr>
+              <a:t>Despite using 11 months of the data here, it is critical to reiterate that all of the EDA and validation was carried out on entirely separate 6 month subsets of each year to ensure validity of the conclusions and testing.</a:t>
+            </a:r>
+          </a:p>
+          <a:p>
+            <a:r>
+              <a:rPr lang="en-US" sz="2400" b="1" dirty="0">
+                <a:latin typeface="Helvetica" pitchFamily="2" charset="0"/>
+              </a:rPr>
+              <a:t>INSERT T-TESTS ON EACH VALIDATION SLIDE FOLLOWING THIS</a:t>
+            </a:r>
+          </a:p>
+          <a:p>
+            <a:endParaRPr lang="en-US" sz="2400" dirty="0">
+              <a:latin typeface="Helvetica" pitchFamily="2" charset="0"/>
+            </a:endParaRPr>
+          </a:p>
+          <a:p>
+            <a:pPr lvl="1"/>
+            <a:endParaRPr lang="en-US" dirty="0">
+              <a:latin typeface="Helvetica" pitchFamily="2" charset="0"/>
+            </a:endParaRPr>
+          </a:p>
+        </p:txBody>
+      </p:sp>
+      <p:sp>
+        <p:nvSpPr>
+          <p:cNvPr id="4" name="Rectangle 3">
+            <a:extLst>
+              <a:ext uri="{FF2B5EF4-FFF2-40B4-BE49-F238E27FC236}">
+                <a16:creationId xmlns:a16="http://schemas.microsoft.com/office/drawing/2014/main" id="{EC761A0E-896B-3745-B32A-571A8F56071D}"/>
+              </a:ext>
+            </a:extLst>
+          </p:cNvPr>
+          <p:cNvSpPr/>
+          <p:nvPr/>
+        </p:nvSpPr>
+        <p:spPr>
+          <a:xfrm>
+            <a:off x="681925" y="615434"/>
+            <a:ext cx="1636154" cy="461665"/>
+          </a:xfrm>
+          <a:prstGeom prst="rect">
+            <a:avLst/>
+          </a:prstGeom>
+        </p:spPr>
+        <p:txBody>
+          <a:bodyPr wrap="none">
+            <a:spAutoFit/>
+          </a:bodyPr>
+          <a:lstStyle/>
+          <a:p>
+            <a:r>
+              <a:rPr lang="en-US" sz="2400" b="1" dirty="0">
+                <a:latin typeface="Helvetica" pitchFamily="2" charset="0"/>
+              </a:rPr>
+              <a:t>Validation</a:t>
+            </a:r>
+            <a:endParaRPr lang="en-US" sz="2000" b="1" dirty="0"/>
+          </a:p>
+        </p:txBody>
+      </p:sp>
+    </p:spTree>
+    <p:extLst>
+      <p:ext uri="{BB962C8B-B14F-4D97-AF65-F5344CB8AC3E}">
+        <p14:creationId xmlns:p14="http://schemas.microsoft.com/office/powerpoint/2010/main" val="2084052336"/>
+      </p:ext>
+    </p:extLst>
+  </p:cSld>
+  <p:clrMapOvr>
+    <a:masterClrMapping/>
+  </p:clrMapOvr>
+  <p:timing>
+    <p:tnLst>
+      <p:par>
+        <p:cTn id="1" dur="indefinite" restart="never" nodeType="tmRoot">
+          <p:childTnLst>
+            <p:seq concurrent="1" nextAc="seek">
+              <p:cTn id="2" dur="indefinite" nodeType="mainSeq">
+                <p:childTnLst>
+                  <p:par>
+                    <p:cTn id="3" fill="hold">
+                      <p:stCondLst>
+                        <p:cond delay="indefinite"/>
+                      </p:stCondLst>
+                      <p:childTnLst>
+                        <p:par>
+                          <p:cTn id="4" fill="hold">
+                            <p:stCondLst>
+                              <p:cond delay="0"/>
+                            </p:stCondLst>
+                            <p:childTnLst>
+                              <p:par>
+                                <p:cTn id="5" presetID="9" presetClass="entr" presetSubtype="0" fill="hold" grpId="0" nodeType="clickEffect">
+                                  <p:stCondLst>
+                                    <p:cond delay="0"/>
+                                  </p:stCondLst>
+                                  <p:childTnLst>
+                                    <p:set>
+                                      <p:cBhvr>
+                                        <p:cTn id="6" dur="1" fill="hold">
+                                          <p:stCondLst>
+                                            <p:cond delay="0"/>
+                                          </p:stCondLst>
+                                        </p:cTn>
+                                        <p:tgtEl>
+                                          <p:spTgt spid="6"/>
+                                        </p:tgtEl>
+                                        <p:attrNameLst>
+                                          <p:attrName>style.visibility</p:attrName>
+                                        </p:attrNameLst>
+                                      </p:cBhvr>
+                                      <p:to>
+                                        <p:strVal val="visible"/>
+                                      </p:to>
+                                    </p:set>
+                                    <p:animEffect transition="in" filter="dissolve">
+                                      <p:cBhvr>
+                                        <p:cTn id="7" dur="500"/>
+                                        <p:tgtEl>
+                                          <p:spTgt spid="6"/>
+                                        </p:tgtEl>
+                                      </p:cBhvr>
+                                    </p:animEffect>
+                                  </p:childTnLst>
+                                </p:cTn>
+                              </p:par>
+                            </p:childTnLst>
+                          </p:cTn>
+                        </p:par>
+                      </p:childTnLst>
+                    </p:cTn>
+                  </p:par>
+                </p:childTnLst>
+              </p:cTn>
+              <p:prevCondLst>
+                <p:cond evt="onPrev" delay="0">
+                  <p:tgtEl>
+                    <p:sldTgt/>
+                  </p:tgtEl>
+                </p:cond>
+              </p:prevCondLst>
+              <p:nextCondLst>
+                <p:cond evt="onNext" delay="0">
+                  <p:tgtEl>
+                    <p:sldTgt/>
+                  </p:tgtEl>
+                </p:cond>
+              </p:nextCondLst>
+            </p:seq>
+          </p:childTnLst>
+        </p:cTn>
+      </p:par>
+    </p:tnLst>
+    <p:bldLst>
+      <p:bldP spid="6" grpId="0"/>
+    </p:bldLst>
+  </p:timing>
+</p:sld>
+</file>
+
+<file path=ppt/slides/slide11.xml><?xml version="1.0" encoding="utf-8"?>
+<p:sld xmlns:a="http://schemas.openxmlformats.org/drawingml/2006/main" xmlns:r="http://schemas.openxmlformats.org/officeDocument/2006/relationships" xmlns:p="http://schemas.openxmlformats.org/presentationml/2006/main">
+  <p:cSld>
+    <p:spTree>
+      <p:nvGrpSpPr>
+        <p:cNvPr id="1" name=""/>
+        <p:cNvGrpSpPr/>
+        <p:nvPr/>
+      </p:nvGrpSpPr>
+      <p:grpSpPr>
+        <a:xfrm>
+          <a:off x="0" y="0"/>
+          <a:ext cx="0" cy="0"/>
+          <a:chOff x="0" y="0"/>
+          <a:chExt cx="0" cy="0"/>
+        </a:xfrm>
+      </p:grpSpPr>
+      <p:sp>
+        <p:nvSpPr>
+          <p:cNvPr id="5" name="Footer Placeholder 4"/>
+          <p:cNvSpPr>
+            <a:spLocks noGrp="1"/>
+          </p:cNvSpPr>
+          <p:nvPr>
+            <p:ph type="ftr" sz="quarter" idx="11"/>
+          </p:nvPr>
+        </p:nvSpPr>
+        <p:spPr/>
+        <p:txBody>
+          <a:bodyPr/>
+          <a:lstStyle/>
+          <a:p>
+            <a:r>
+              <a:rPr lang="en-US" dirty="0"/>
+              <a:t>Observation 2 – Validation – Males - Working</a:t>
+            </a:r>
+          </a:p>
+        </p:txBody>
+      </p:sp>
+      <p:sp>
+        <p:nvSpPr>
+          <p:cNvPr id="3" name="Slide Number Placeholder 2"/>
+          <p:cNvSpPr>
+            <a:spLocks noGrp="1"/>
+          </p:cNvSpPr>
+          <p:nvPr>
+            <p:ph type="sldNum" sz="quarter" idx="12"/>
+          </p:nvPr>
+        </p:nvSpPr>
+        <p:spPr/>
+        <p:txBody>
+          <a:bodyPr/>
+          <a:lstStyle/>
+          <a:p>
+            <a:fld id="{73C26548-949F-BF45-9AAC-1ABF92E0F60B}" type="slidenum">
+              <a:rPr lang="en-US" smtClean="0"/>
+              <a:t>11</a:t>
             </a:fld>
             <a:endParaRPr lang="en-US"/>
           </a:p>
@@ -4907,7 +5428,7 @@
 </p:sld>
 </file>
 
-<file path=ppt/slides/slide11.xml><?xml version="1.0" encoding="utf-8"?>
+<file path=ppt/slides/slide12.xml><?xml version="1.0" encoding="utf-8"?>
 <p:sld xmlns:a="http://schemas.openxmlformats.org/drawingml/2006/main" xmlns:r="http://schemas.openxmlformats.org/officeDocument/2006/relationships" xmlns:p="http://schemas.openxmlformats.org/presentationml/2006/main">
   <p:cSld>
     <p:spTree>
@@ -4963,7 +5484,7 @@
           <a:p>
             <a:fld id="{73C26548-949F-BF45-9AAC-1ABF92E0F60B}" type="slidenum">
               <a:rPr lang="en-US" smtClean="0"/>
-              <a:t>11</a:t>
+              <a:t>12</a:t>
             </a:fld>
             <a:endParaRPr lang="en-US"/>
           </a:p>
@@ -5309,7 +5830,7 @@
 </p:sld>
 </file>
 
-<file path=ppt/slides/slide12.xml><?xml version="1.0" encoding="utf-8"?>
+<file path=ppt/slides/slide13.xml><?xml version="1.0" encoding="utf-8"?>
 <p:sld xmlns:a="http://schemas.openxmlformats.org/drawingml/2006/main" xmlns:r="http://schemas.openxmlformats.org/officeDocument/2006/relationships" xmlns:p="http://schemas.openxmlformats.org/presentationml/2006/main">
   <p:cSld>
     <p:spTree>
@@ -5343,7 +5864,7 @@
           <a:p>
             <a:r>
               <a:rPr lang="en-US" dirty="0"/>
-              <a:t>Fluctuation 2 – Validation – Females – Cooking</a:t>
+              <a:t>Observation 2 – Validation – Females – Cooking</a:t>
             </a:r>
           </a:p>
         </p:txBody>
@@ -5365,7 +5886,7 @@
           <a:p>
             <a:fld id="{73C26548-949F-BF45-9AAC-1ABF92E0F60B}" type="slidenum">
               <a:rPr lang="en-US" smtClean="0"/>
-              <a:t>12</a:t>
+              <a:t>13</a:t>
             </a:fld>
             <a:endParaRPr lang="en-US"/>
           </a:p>
@@ -5652,7 +6173,7 @@
 </p:sld>
 </file>
 
-<file path=ppt/slides/slide13.xml><?xml version="1.0" encoding="utf-8"?>
+<file path=ppt/slides/slide14.xml><?xml version="1.0" encoding="utf-8"?>
 <p:sld xmlns:a="http://schemas.openxmlformats.org/drawingml/2006/main" xmlns:r="http://schemas.openxmlformats.org/officeDocument/2006/relationships" xmlns:p="http://schemas.openxmlformats.org/presentationml/2006/main">
   <p:cSld>
     <p:spTree>
@@ -5688,7 +6209,7 @@
               <a:rPr lang="en-US" dirty="0">
                 <a:latin typeface="Helvetica" pitchFamily="2" charset="0"/>
               </a:rPr>
-              <a:t>Fluctuation 2 – Validation</a:t>
+              <a:t>Observation 2 – Validation</a:t>
             </a:r>
           </a:p>
         </p:txBody>
@@ -5710,7 +6231,7 @@
           <a:p>
             <a:fld id="{73C26548-949F-BF45-9AAC-1ABF92E0F60B}" type="slidenum">
               <a:rPr lang="en-US" smtClean="0"/>
-              <a:t>13</a:t>
+              <a:t>14</a:t>
             </a:fld>
             <a:endParaRPr lang="en-US"/>
           </a:p>
@@ -6101,7 +6622,7 @@
 </p:sld>
 </file>
 
-<file path=ppt/slides/slide14.xml><?xml version="1.0" encoding="utf-8"?>
+<file path=ppt/slides/slide15.xml><?xml version="1.0" encoding="utf-8"?>
 <p:sld xmlns:a="http://schemas.openxmlformats.org/drawingml/2006/main" xmlns:r="http://schemas.openxmlformats.org/officeDocument/2006/relationships" xmlns:p="http://schemas.openxmlformats.org/presentationml/2006/main">
   <p:cSld>
     <p:spTree>
@@ -6191,7 +6712,7 @@
           <a:p>
             <a:fld id="{73C26548-949F-BF45-9AAC-1ABF92E0F60B}" type="slidenum">
               <a:rPr lang="en-US" smtClean="0"/>
-              <a:t>14</a:t>
+              <a:t>15</a:t>
             </a:fld>
             <a:endParaRPr lang="en-US"/>
           </a:p>
@@ -6466,309 +6987,6 @@
 </p:sld>
 </file>
 
-<file path=ppt/slides/slide15.xml><?xml version="1.0" encoding="utf-8"?>
-<p:sld xmlns:a="http://schemas.openxmlformats.org/drawingml/2006/main" xmlns:r="http://schemas.openxmlformats.org/officeDocument/2006/relationships" xmlns:p="http://schemas.openxmlformats.org/presentationml/2006/main">
-  <p:cSld>
-    <p:spTree>
-      <p:nvGrpSpPr>
-        <p:cNvPr id="1" name=""/>
-        <p:cNvGrpSpPr/>
-        <p:nvPr/>
-      </p:nvGrpSpPr>
-      <p:grpSpPr>
-        <a:xfrm>
-          <a:off x="0" y="0"/>
-          <a:ext cx="0" cy="0"/>
-          <a:chOff x="0" y="0"/>
-          <a:chExt cx="0" cy="0"/>
-        </a:xfrm>
-      </p:grpSpPr>
-      <p:sp>
-        <p:nvSpPr>
-          <p:cNvPr id="2" name="Title 1"/>
-          <p:cNvSpPr>
-            <a:spLocks noGrp="1"/>
-          </p:cNvSpPr>
-          <p:nvPr>
-            <p:ph type="title"/>
-          </p:nvPr>
-        </p:nvSpPr>
-        <p:spPr/>
-        <p:txBody>
-          <a:bodyPr/>
-          <a:lstStyle/>
-          <a:p>
-            <a:r>
-              <a:rPr lang="en-US" b="1" dirty="0">
-                <a:latin typeface="Helvetica" pitchFamily="2" charset="0"/>
-              </a:rPr>
-              <a:t>Reference</a:t>
-            </a:r>
-          </a:p>
-        </p:txBody>
-      </p:sp>
-      <p:sp>
-        <p:nvSpPr>
-          <p:cNvPr id="3" name="Content Placeholder 2"/>
-          <p:cNvSpPr>
-            <a:spLocks noGrp="1"/>
-          </p:cNvSpPr>
-          <p:nvPr>
-            <p:ph idx="1"/>
-          </p:nvPr>
-        </p:nvSpPr>
-        <p:spPr>
-          <a:xfrm>
-            <a:off x="838200" y="1583573"/>
-            <a:ext cx="10515600" cy="4351338"/>
-          </a:xfrm>
-        </p:spPr>
-        <p:txBody>
-          <a:bodyPr>
-            <a:normAutofit fontScale="92500" lnSpcReduction="10000"/>
-          </a:bodyPr>
-          <a:lstStyle/>
-          <a:p>
-            <a:pPr marL="0" indent="0">
-              <a:buNone/>
-            </a:pPr>
-            <a:r>
-              <a:rPr lang="en-US" dirty="0">
-                <a:latin typeface="Helvetica" pitchFamily="2" charset="0"/>
-              </a:rPr>
-              <a:t>[1] “ATUS datasets.” https://</a:t>
-            </a:r>
-            <a:r>
-              <a:rPr lang="en-US" dirty="0" err="1">
-                <a:latin typeface="Helvetica" pitchFamily="2" charset="0"/>
-              </a:rPr>
-              <a:t>www.bls.gov</a:t>
-            </a:r>
-            <a:r>
-              <a:rPr lang="en-US" dirty="0">
-                <a:latin typeface="Helvetica" pitchFamily="2" charset="0"/>
-              </a:rPr>
-              <a:t>/</a:t>
-            </a:r>
-            <a:r>
-              <a:rPr lang="en-US" dirty="0" err="1">
-                <a:latin typeface="Helvetica" pitchFamily="2" charset="0"/>
-              </a:rPr>
-              <a:t>tus</a:t>
-            </a:r>
-            <a:r>
-              <a:rPr lang="en-US" dirty="0">
-                <a:latin typeface="Helvetica" pitchFamily="2" charset="0"/>
-              </a:rPr>
-              <a:t>/datafiles_0317.htm.</a:t>
-            </a:r>
-            <a:br>
-              <a:rPr lang="en-US" dirty="0">
-                <a:latin typeface="Helvetica" pitchFamily="2" charset="0"/>
-              </a:rPr>
-            </a:br>
-            <a:endParaRPr lang="en-US" dirty="0">
-              <a:latin typeface="Helvetica" pitchFamily="2" charset="0"/>
-            </a:endParaRPr>
-          </a:p>
-          <a:p>
-            <a:pPr marL="0" indent="0">
-              <a:buNone/>
-            </a:pPr>
-            <a:r>
-              <a:rPr lang="en-US" dirty="0">
-                <a:latin typeface="Helvetica" pitchFamily="2" charset="0"/>
-              </a:rPr>
-              <a:t>[2] Bureau of Labor Statistics, “The </a:t>
-            </a:r>
-            <a:r>
-              <a:rPr lang="en-US" dirty="0" err="1">
-                <a:latin typeface="Helvetica" pitchFamily="2" charset="0"/>
-              </a:rPr>
-              <a:t>american</a:t>
-            </a:r>
-            <a:r>
-              <a:rPr lang="en-US" dirty="0">
-                <a:latin typeface="Helvetica" pitchFamily="2" charset="0"/>
-              </a:rPr>
-              <a:t> time use survey.” https://</a:t>
-            </a:r>
-            <a:r>
-              <a:rPr lang="en-US" dirty="0" err="1">
-                <a:latin typeface="Helvetica" pitchFamily="2" charset="0"/>
-              </a:rPr>
-              <a:t>www.bls.gov</a:t>
-            </a:r>
-            <a:r>
-              <a:rPr lang="en-US" dirty="0">
-                <a:latin typeface="Helvetica" pitchFamily="2" charset="0"/>
-              </a:rPr>
-              <a:t>/</a:t>
-            </a:r>
-            <a:r>
-              <a:rPr lang="en-US" dirty="0" err="1">
-                <a:latin typeface="Helvetica" pitchFamily="2" charset="0"/>
-              </a:rPr>
-              <a:t>tus</a:t>
-            </a:r>
-            <a:r>
-              <a:rPr lang="en-US" dirty="0">
-                <a:latin typeface="Helvetica" pitchFamily="2" charset="0"/>
-              </a:rPr>
-              <a:t>/, 2017.</a:t>
-            </a:r>
-            <a:br>
-              <a:rPr lang="en-US" dirty="0">
-                <a:latin typeface="Helvetica" pitchFamily="2" charset="0"/>
-              </a:rPr>
-            </a:br>
-            <a:endParaRPr lang="en-US" dirty="0">
-              <a:latin typeface="Helvetica" pitchFamily="2" charset="0"/>
-            </a:endParaRPr>
-          </a:p>
-          <a:p>
-            <a:pPr marL="0" indent="0">
-              <a:buNone/>
-            </a:pPr>
-            <a:r>
-              <a:rPr lang="en-US" dirty="0">
-                <a:latin typeface="Helvetica" pitchFamily="2" charset="0"/>
-              </a:rPr>
-              <a:t>[3] T. Parsons, “Age and sex in the social structure of the united states,” </a:t>
-            </a:r>
-            <a:r>
-              <a:rPr lang="en-US" i="1" dirty="0">
-                <a:latin typeface="Helvetica" pitchFamily="2" charset="0"/>
-              </a:rPr>
-              <a:t>American Sociological Review</a:t>
-            </a:r>
-            <a:r>
-              <a:rPr lang="en-US" dirty="0">
-                <a:latin typeface="Helvetica" pitchFamily="2" charset="0"/>
-              </a:rPr>
-              <a:t>, vol. 7, no. 5, pp. 604–616, 1942 [Online]. Available: http://</a:t>
-            </a:r>
-            <a:r>
-              <a:rPr lang="en-US" dirty="0" err="1">
-                <a:latin typeface="Helvetica" pitchFamily="2" charset="0"/>
-              </a:rPr>
-              <a:t>www.jstor.org</a:t>
-            </a:r>
-            <a:r>
-              <a:rPr lang="en-US" dirty="0">
-                <a:latin typeface="Helvetica" pitchFamily="2" charset="0"/>
-              </a:rPr>
-              <a:t>/stable/2085686</a:t>
-            </a:r>
-            <a:br>
-              <a:rPr lang="en-US" dirty="0">
-                <a:latin typeface="Helvetica" pitchFamily="2" charset="0"/>
-              </a:rPr>
-            </a:br>
-            <a:endParaRPr lang="en-US" dirty="0">
-              <a:latin typeface="Helvetica" pitchFamily="2" charset="0"/>
-            </a:endParaRPr>
-          </a:p>
-          <a:p>
-            <a:pPr marL="0" indent="0">
-              <a:buNone/>
-            </a:pPr>
-            <a:r>
-              <a:rPr lang="en-US" dirty="0">
-                <a:latin typeface="Helvetica" pitchFamily="2" charset="0"/>
-              </a:rPr>
-              <a:t>[4] “</a:t>
-            </a:r>
-            <a:r>
-              <a:rPr lang="en-US" dirty="0" err="1">
-                <a:latin typeface="Helvetica" pitchFamily="2" charset="0"/>
-              </a:rPr>
-              <a:t>Millennials</a:t>
-            </a:r>
-            <a:r>
-              <a:rPr lang="en-US" dirty="0">
-                <a:latin typeface="Helvetica" pitchFamily="2" charset="0"/>
-              </a:rPr>
-              <a:t> projected to overtake baby boomers as </a:t>
-            </a:r>
-            <a:r>
-              <a:rPr lang="en-US" dirty="0" err="1">
-                <a:latin typeface="Helvetica" pitchFamily="2" charset="0"/>
-              </a:rPr>
-              <a:t>america’s</a:t>
-            </a:r>
-            <a:r>
-              <a:rPr lang="en-US" dirty="0">
-                <a:latin typeface="Helvetica" pitchFamily="2" charset="0"/>
-              </a:rPr>
-              <a:t> largest generation.” http://www. </a:t>
-            </a:r>
-            <a:r>
-              <a:rPr lang="en-US" dirty="0" err="1">
-                <a:latin typeface="Helvetica" pitchFamily="2" charset="0"/>
-              </a:rPr>
-              <a:t>pewresearch.org</a:t>
-            </a:r>
-            <a:r>
-              <a:rPr lang="en-US" dirty="0">
-                <a:latin typeface="Helvetica" pitchFamily="2" charset="0"/>
-              </a:rPr>
-              <a:t>/fact-tank/2018/03/01/</a:t>
-            </a:r>
-            <a:r>
-              <a:rPr lang="en-US" dirty="0" err="1">
-                <a:latin typeface="Helvetica" pitchFamily="2" charset="0"/>
-              </a:rPr>
-              <a:t>millennials</a:t>
-            </a:r>
-            <a:r>
-              <a:rPr lang="en-US" dirty="0">
-                <a:latin typeface="Helvetica" pitchFamily="2" charset="0"/>
-              </a:rPr>
-              <a:t>-overtake-baby-boomers/. </a:t>
-            </a:r>
-          </a:p>
-          <a:p>
-            <a:endParaRPr lang="en-US" dirty="0"/>
-          </a:p>
-        </p:txBody>
-      </p:sp>
-      <p:sp>
-        <p:nvSpPr>
-          <p:cNvPr id="4" name="Slide Number Placeholder 3"/>
-          <p:cNvSpPr>
-            <a:spLocks noGrp="1"/>
-          </p:cNvSpPr>
-          <p:nvPr>
-            <p:ph type="sldNum" sz="quarter" idx="12"/>
-          </p:nvPr>
-        </p:nvSpPr>
-        <p:spPr/>
-        <p:txBody>
-          <a:bodyPr/>
-          <a:lstStyle/>
-          <a:p>
-            <a:fld id="{73C26548-949F-BF45-9AAC-1ABF92E0F60B}" type="slidenum">
-              <a:rPr lang="en-US" smtClean="0"/>
-              <a:t>15</a:t>
-            </a:fld>
-            <a:endParaRPr lang="en-US"/>
-          </a:p>
-        </p:txBody>
-      </p:sp>
-    </p:spTree>
-    <p:extLst>
-      <p:ext uri="{BB962C8B-B14F-4D97-AF65-F5344CB8AC3E}">
-        <p14:creationId xmlns:p14="http://schemas.microsoft.com/office/powerpoint/2010/main" val="1982275856"/>
-      </p:ext>
-    </p:extLst>
-  </p:cSld>
-  <p:clrMapOvr>
-    <a:masterClrMapping/>
-  </p:clrMapOvr>
-</p:sld>
-</file>
-
 <file path=ppt/slides/slide16.xml><?xml version="1.0" encoding="utf-8"?>
 <p:sld xmlns:a="http://schemas.openxmlformats.org/drawingml/2006/main" xmlns:r="http://schemas.openxmlformats.org/officeDocument/2006/relationships" xmlns:p="http://schemas.openxmlformats.org/presentationml/2006/main">
   <p:cSld>
@@ -6796,6 +7014,309 @@
             <p:ph type="title"/>
           </p:nvPr>
         </p:nvSpPr>
+        <p:spPr/>
+        <p:txBody>
+          <a:bodyPr/>
+          <a:lstStyle/>
+          <a:p>
+            <a:r>
+              <a:rPr lang="en-US" b="1" dirty="0">
+                <a:latin typeface="Helvetica" pitchFamily="2" charset="0"/>
+              </a:rPr>
+              <a:t>Reference</a:t>
+            </a:r>
+          </a:p>
+        </p:txBody>
+      </p:sp>
+      <p:sp>
+        <p:nvSpPr>
+          <p:cNvPr id="3" name="Content Placeholder 2"/>
+          <p:cNvSpPr>
+            <a:spLocks noGrp="1"/>
+          </p:cNvSpPr>
+          <p:nvPr>
+            <p:ph idx="1"/>
+          </p:nvPr>
+        </p:nvSpPr>
+        <p:spPr>
+          <a:xfrm>
+            <a:off x="838200" y="1583573"/>
+            <a:ext cx="10515600" cy="4351338"/>
+          </a:xfrm>
+        </p:spPr>
+        <p:txBody>
+          <a:bodyPr>
+            <a:normAutofit fontScale="92500" lnSpcReduction="10000"/>
+          </a:bodyPr>
+          <a:lstStyle/>
+          <a:p>
+            <a:pPr marL="0" indent="0">
+              <a:buNone/>
+            </a:pPr>
+            <a:r>
+              <a:rPr lang="en-US" dirty="0">
+                <a:latin typeface="Helvetica" pitchFamily="2" charset="0"/>
+              </a:rPr>
+              <a:t>[1] “ATUS datasets.” https://</a:t>
+            </a:r>
+            <a:r>
+              <a:rPr lang="en-US" dirty="0" err="1">
+                <a:latin typeface="Helvetica" pitchFamily="2" charset="0"/>
+              </a:rPr>
+              <a:t>www.bls.gov</a:t>
+            </a:r>
+            <a:r>
+              <a:rPr lang="en-US" dirty="0">
+                <a:latin typeface="Helvetica" pitchFamily="2" charset="0"/>
+              </a:rPr>
+              <a:t>/</a:t>
+            </a:r>
+            <a:r>
+              <a:rPr lang="en-US" dirty="0" err="1">
+                <a:latin typeface="Helvetica" pitchFamily="2" charset="0"/>
+              </a:rPr>
+              <a:t>tus</a:t>
+            </a:r>
+            <a:r>
+              <a:rPr lang="en-US" dirty="0">
+                <a:latin typeface="Helvetica" pitchFamily="2" charset="0"/>
+              </a:rPr>
+              <a:t>/datafiles_0317.htm.</a:t>
+            </a:r>
+            <a:br>
+              <a:rPr lang="en-US" dirty="0">
+                <a:latin typeface="Helvetica" pitchFamily="2" charset="0"/>
+              </a:rPr>
+            </a:br>
+            <a:endParaRPr lang="en-US" dirty="0">
+              <a:latin typeface="Helvetica" pitchFamily="2" charset="0"/>
+            </a:endParaRPr>
+          </a:p>
+          <a:p>
+            <a:pPr marL="0" indent="0">
+              <a:buNone/>
+            </a:pPr>
+            <a:r>
+              <a:rPr lang="en-US" dirty="0">
+                <a:latin typeface="Helvetica" pitchFamily="2" charset="0"/>
+              </a:rPr>
+              <a:t>[2] Bureau of Labor Statistics, “The </a:t>
+            </a:r>
+            <a:r>
+              <a:rPr lang="en-US" dirty="0" err="1">
+                <a:latin typeface="Helvetica" pitchFamily="2" charset="0"/>
+              </a:rPr>
+              <a:t>american</a:t>
+            </a:r>
+            <a:r>
+              <a:rPr lang="en-US" dirty="0">
+                <a:latin typeface="Helvetica" pitchFamily="2" charset="0"/>
+              </a:rPr>
+              <a:t> time use survey.” https://</a:t>
+            </a:r>
+            <a:r>
+              <a:rPr lang="en-US" dirty="0" err="1">
+                <a:latin typeface="Helvetica" pitchFamily="2" charset="0"/>
+              </a:rPr>
+              <a:t>www.bls.gov</a:t>
+            </a:r>
+            <a:r>
+              <a:rPr lang="en-US" dirty="0">
+                <a:latin typeface="Helvetica" pitchFamily="2" charset="0"/>
+              </a:rPr>
+              <a:t>/</a:t>
+            </a:r>
+            <a:r>
+              <a:rPr lang="en-US" dirty="0" err="1">
+                <a:latin typeface="Helvetica" pitchFamily="2" charset="0"/>
+              </a:rPr>
+              <a:t>tus</a:t>
+            </a:r>
+            <a:r>
+              <a:rPr lang="en-US" dirty="0">
+                <a:latin typeface="Helvetica" pitchFamily="2" charset="0"/>
+              </a:rPr>
+              <a:t>/, 2017.</a:t>
+            </a:r>
+            <a:br>
+              <a:rPr lang="en-US" dirty="0">
+                <a:latin typeface="Helvetica" pitchFamily="2" charset="0"/>
+              </a:rPr>
+            </a:br>
+            <a:endParaRPr lang="en-US" dirty="0">
+              <a:latin typeface="Helvetica" pitchFamily="2" charset="0"/>
+            </a:endParaRPr>
+          </a:p>
+          <a:p>
+            <a:pPr marL="0" indent="0">
+              <a:buNone/>
+            </a:pPr>
+            <a:r>
+              <a:rPr lang="en-US" dirty="0">
+                <a:latin typeface="Helvetica" pitchFamily="2" charset="0"/>
+              </a:rPr>
+              <a:t>[3] T. Parsons, “Age and sex in the social structure of the united states,” </a:t>
+            </a:r>
+            <a:r>
+              <a:rPr lang="en-US" i="1" dirty="0">
+                <a:latin typeface="Helvetica" pitchFamily="2" charset="0"/>
+              </a:rPr>
+              <a:t>American Sociological Review</a:t>
+            </a:r>
+            <a:r>
+              <a:rPr lang="en-US" dirty="0">
+                <a:latin typeface="Helvetica" pitchFamily="2" charset="0"/>
+              </a:rPr>
+              <a:t>, vol. 7, no. 5, pp. 604–616, 1942 [Online]. Available: http://</a:t>
+            </a:r>
+            <a:r>
+              <a:rPr lang="en-US" dirty="0" err="1">
+                <a:latin typeface="Helvetica" pitchFamily="2" charset="0"/>
+              </a:rPr>
+              <a:t>www.jstor.org</a:t>
+            </a:r>
+            <a:r>
+              <a:rPr lang="en-US" dirty="0">
+                <a:latin typeface="Helvetica" pitchFamily="2" charset="0"/>
+              </a:rPr>
+              <a:t>/stable/2085686</a:t>
+            </a:r>
+            <a:br>
+              <a:rPr lang="en-US" dirty="0">
+                <a:latin typeface="Helvetica" pitchFamily="2" charset="0"/>
+              </a:rPr>
+            </a:br>
+            <a:endParaRPr lang="en-US" dirty="0">
+              <a:latin typeface="Helvetica" pitchFamily="2" charset="0"/>
+            </a:endParaRPr>
+          </a:p>
+          <a:p>
+            <a:pPr marL="0" indent="0">
+              <a:buNone/>
+            </a:pPr>
+            <a:r>
+              <a:rPr lang="en-US" dirty="0">
+                <a:latin typeface="Helvetica" pitchFamily="2" charset="0"/>
+              </a:rPr>
+              <a:t>[4] “</a:t>
+            </a:r>
+            <a:r>
+              <a:rPr lang="en-US" dirty="0" err="1">
+                <a:latin typeface="Helvetica" pitchFamily="2" charset="0"/>
+              </a:rPr>
+              <a:t>Millennials</a:t>
+            </a:r>
+            <a:r>
+              <a:rPr lang="en-US" dirty="0">
+                <a:latin typeface="Helvetica" pitchFamily="2" charset="0"/>
+              </a:rPr>
+              <a:t> projected to overtake baby boomers as </a:t>
+            </a:r>
+            <a:r>
+              <a:rPr lang="en-US" dirty="0" err="1">
+                <a:latin typeface="Helvetica" pitchFamily="2" charset="0"/>
+              </a:rPr>
+              <a:t>america’s</a:t>
+            </a:r>
+            <a:r>
+              <a:rPr lang="en-US" dirty="0">
+                <a:latin typeface="Helvetica" pitchFamily="2" charset="0"/>
+              </a:rPr>
+              <a:t> largest generation.” http://www. </a:t>
+            </a:r>
+            <a:r>
+              <a:rPr lang="en-US" dirty="0" err="1">
+                <a:latin typeface="Helvetica" pitchFamily="2" charset="0"/>
+              </a:rPr>
+              <a:t>pewresearch.org</a:t>
+            </a:r>
+            <a:r>
+              <a:rPr lang="en-US" dirty="0">
+                <a:latin typeface="Helvetica" pitchFamily="2" charset="0"/>
+              </a:rPr>
+              <a:t>/fact-tank/2018/03/01/</a:t>
+            </a:r>
+            <a:r>
+              <a:rPr lang="en-US" dirty="0" err="1">
+                <a:latin typeface="Helvetica" pitchFamily="2" charset="0"/>
+              </a:rPr>
+              <a:t>millennials</a:t>
+            </a:r>
+            <a:r>
+              <a:rPr lang="en-US" dirty="0">
+                <a:latin typeface="Helvetica" pitchFamily="2" charset="0"/>
+              </a:rPr>
+              <a:t>-overtake-baby-boomers/. </a:t>
+            </a:r>
+          </a:p>
+          <a:p>
+            <a:endParaRPr lang="en-US" dirty="0"/>
+          </a:p>
+        </p:txBody>
+      </p:sp>
+      <p:sp>
+        <p:nvSpPr>
+          <p:cNvPr id="4" name="Slide Number Placeholder 3"/>
+          <p:cNvSpPr>
+            <a:spLocks noGrp="1"/>
+          </p:cNvSpPr>
+          <p:nvPr>
+            <p:ph type="sldNum" sz="quarter" idx="12"/>
+          </p:nvPr>
+        </p:nvSpPr>
+        <p:spPr/>
+        <p:txBody>
+          <a:bodyPr/>
+          <a:lstStyle/>
+          <a:p>
+            <a:fld id="{73C26548-949F-BF45-9AAC-1ABF92E0F60B}" type="slidenum">
+              <a:rPr lang="en-US" smtClean="0"/>
+              <a:t>16</a:t>
+            </a:fld>
+            <a:endParaRPr lang="en-US"/>
+          </a:p>
+        </p:txBody>
+      </p:sp>
+    </p:spTree>
+    <p:extLst>
+      <p:ext uri="{BB962C8B-B14F-4D97-AF65-F5344CB8AC3E}">
+        <p14:creationId xmlns:p14="http://schemas.microsoft.com/office/powerpoint/2010/main" val="1982275856"/>
+      </p:ext>
+    </p:extLst>
+  </p:cSld>
+  <p:clrMapOvr>
+    <a:masterClrMapping/>
+  </p:clrMapOvr>
+</p:sld>
+</file>
+
+<file path=ppt/slides/slide17.xml><?xml version="1.0" encoding="utf-8"?>
+<p:sld xmlns:a="http://schemas.openxmlformats.org/drawingml/2006/main" xmlns:r="http://schemas.openxmlformats.org/officeDocument/2006/relationships" xmlns:p="http://schemas.openxmlformats.org/presentationml/2006/main">
+  <p:cSld>
+    <p:spTree>
+      <p:nvGrpSpPr>
+        <p:cNvPr id="1" name=""/>
+        <p:cNvGrpSpPr/>
+        <p:nvPr/>
+      </p:nvGrpSpPr>
+      <p:grpSpPr>
+        <a:xfrm>
+          <a:off x="0" y="0"/>
+          <a:ext cx="0" cy="0"/>
+          <a:chOff x="0" y="0"/>
+          <a:chExt cx="0" cy="0"/>
+        </a:xfrm>
+      </p:grpSpPr>
+      <p:sp>
+        <p:nvSpPr>
+          <p:cNvPr id="2" name="Title 1"/>
+          <p:cNvSpPr>
+            <a:spLocks noGrp="1"/>
+          </p:cNvSpPr>
+          <p:nvPr>
+            <p:ph type="title"/>
+          </p:nvPr>
+        </p:nvSpPr>
         <p:spPr>
           <a:xfrm>
             <a:off x="0" y="0"/>
@@ -6833,7 +7354,7 @@
           <a:p>
             <a:fld id="{73C26548-949F-BF45-9AAC-1ABF92E0F60B}" type="slidenum">
               <a:rPr lang="en-US" smtClean="0"/>
-              <a:t>16</a:t>
+              <a:t>17</a:t>
             </a:fld>
             <a:endParaRPr lang="en-US"/>
           </a:p>
@@ -7884,8 +8405,8 @@
           <a:lstStyle/>
           <a:p>
             <a:r>
-              <a:rPr lang="en-US"/>
-              <a:t>Fluctuation 1 - EDA</a:t>
+              <a:rPr lang="en-US" dirty="0"/>
+              <a:t>Observation 1 - EDA</a:t>
             </a:r>
           </a:p>
         </p:txBody>
@@ -8814,8 +9335,8 @@
           <a:lstStyle/>
           <a:p>
             <a:r>
-              <a:rPr lang="en-US"/>
-              <a:t>Fluctuation 1 - EDA</a:t>
+              <a:rPr lang="en-US" dirty="0"/>
+              <a:t>Observation 1 - EDA</a:t>
             </a:r>
           </a:p>
         </p:txBody>
@@ -9048,7 +9569,7 @@
             </p:nvSpPr>
             <p:spPr>
               <a:xfrm>
-                <a:off x="831273" y="5272572"/>
+                <a:off x="831273" y="5115555"/>
                 <a:ext cx="10677236" cy="403411"/>
               </a:xfrm>
               <a:prstGeom prst="rect">
@@ -9351,7 +9872,7 @@
                     <a:latin typeface="Helvetica" panose="020B0604020202020204" pitchFamily="34" charset="0"/>
                     <a:cs typeface="Helvetica" panose="020B0604020202020204" pitchFamily="34" charset="0"/>
                   </a:rPr>
-                  <a:t>-value of </a:t>
+                  <a:t>-value of    </a:t>
                 </a:r>
                 <a:r>
                   <a:rPr lang="en-US" sz="2400" b="1" dirty="0">
@@ -9382,7 +9903,7 @@
             </p:nvSpPr>
             <p:spPr>
               <a:xfrm>
-                <a:off x="831273" y="5272572"/>
+                <a:off x="831273" y="5115555"/>
                 <a:ext cx="10677236" cy="403411"/>
               </a:xfrm>
               <a:prstGeom prst="rect">
@@ -9667,7 +10188,7 @@
         </p:blipFill>
         <p:spPr>
           <a:xfrm>
-            <a:off x="550735" y="312646"/>
+            <a:off x="550735" y="312644"/>
             <a:ext cx="7112814" cy="4360954"/>
           </a:xfrm>
           <a:prstGeom prst="rect">
@@ -9991,8 +10512,8 @@
           <a:lstStyle/>
           <a:p>
             <a:r>
-              <a:rPr lang="en-US"/>
-              <a:t>Fluctuation 1 - Validation</a:t>
+              <a:rPr lang="en-US" dirty="0"/>
+              <a:t>Observation 1 - Validation</a:t>
             </a:r>
           </a:p>
         </p:txBody>
@@ -10314,36 +10835,6 @@
           </p:sp>
         </mc:Fallback>
       </mc:AlternateContent>
-      <p:pic>
-        <p:nvPicPr>
-          <p:cNvPr id="12" name="Picture 11"/>
-          <p:cNvPicPr>
-            <a:picLocks noChangeAspect="1"/>
-          </p:cNvPicPr>
-          <p:nvPr/>
-        </p:nvPicPr>
-        <p:blipFill>
-          <a:blip r:embed="rId4">
-            <a:extLst>
-              <a:ext uri="{28A0092B-C50C-407E-A947-70E740481C1C}">
-                <a14:useLocalDpi xmlns:a14="http://schemas.microsoft.com/office/drawing/2010/main" val="0"/>
-              </a:ext>
-            </a:extLst>
-          </a:blip>
-          <a:stretch>
-            <a:fillRect/>
-          </a:stretch>
-        </p:blipFill>
-        <p:spPr>
-          <a:xfrm>
-            <a:off x="687675" y="1755070"/>
-            <a:ext cx="5154908" cy="3160538"/>
-          </a:xfrm>
-          <a:prstGeom prst="rect">
-            <a:avLst/>
-          </a:prstGeom>
-        </p:spPr>
-      </p:pic>
       <mc:AlternateContent xmlns:mc="http://schemas.openxmlformats.org/markup-compatibility/2006">
         <mc:Choice xmlns:a14="http://schemas.microsoft.com/office/drawing/2010/main" Requires="a14">
           <p:sp>
@@ -10354,8 +10845,8 @@
             </p:nvSpPr>
             <p:spPr>
               <a:xfrm>
-                <a:off x="439271" y="5009777"/>
-                <a:ext cx="10952815" cy="1661993"/>
+                <a:off x="439271" y="5212977"/>
+                <a:ext cx="10952815" cy="2308324"/>
               </a:xfrm>
               <a:prstGeom prst="rect">
                 <a:avLst/>
@@ -10372,7 +10863,7 @@
                   <a:buChar char="•"/>
                 </a:pPr>
                 <a:r>
-                  <a:rPr lang="en-US" sz="2000" dirty="0">
+                  <a:rPr lang="en-US" sz="2400" dirty="0">
                     <a:latin typeface="Helvetica" panose="020B0604020202020204" pitchFamily="34" charset="0"/>
                     <a:cs typeface="Helvetica" panose="020B0604020202020204" pitchFamily="34" charset="0"/>
                   </a:rPr>
@@ -10381,7 +10872,7 @@
                 <a14:m>
                   <m:oMath xmlns:m="http://schemas.openxmlformats.org/officeDocument/2006/math">
                     <m:r>
-                      <a:rPr lang="en-GB" sz="2000" i="1" smtClean="0">
+                      <a:rPr lang="en-GB" sz="2400" i="1" smtClean="0">
                         <a:latin typeface="Cambria Math" panose="02040503050406030204" pitchFamily="18" charset="0"/>
                       </a:rPr>
                       <m:t>𝑡</m:t>
@@ -10389,68 +10880,68 @@
                   </m:oMath>
                 </a14:m>
                 <a:r>
-                  <a:rPr lang="en-US" sz="2000" dirty="0">
+                  <a:rPr lang="en-US" sz="2400" dirty="0">
                     <a:latin typeface="Helvetica" panose="020B0604020202020204" pitchFamily="34" charset="0"/>
                     <a:cs typeface="Helvetica" panose="020B0604020202020204" pitchFamily="34" charset="0"/>
                   </a:rPr>
                   <a:t>-test when </a:t>
                 </a:r>
                 <a:r>
-                  <a:rPr lang="en-US" sz="2000" i="1" dirty="0">
+                  <a:rPr lang="en-US" sz="2400" i="1" dirty="0">
                     <a:latin typeface="Helvetica" panose="020B0604020202020204" pitchFamily="34" charset="0"/>
                     <a:cs typeface="Helvetica" panose="020B0604020202020204" pitchFamily="34" charset="0"/>
                   </a:rPr>
                   <a:t>average</a:t>
                 </a:r>
                 <a:r>
-                  <a:rPr lang="en-US" sz="2000" dirty="0">
+                  <a:rPr lang="en-US" sz="2400" dirty="0">
                     <a:latin typeface="Helvetica" panose="020B0604020202020204" pitchFamily="34" charset="0"/>
                     <a:cs typeface="Helvetica" panose="020B0604020202020204" pitchFamily="34" charset="0"/>
                   </a:rPr>
                   <a:t> </a:t>
                 </a:r>
                 <a:r>
-                  <a:rPr lang="en-US" sz="2000" i="1" dirty="0">
+                  <a:rPr lang="en-US" sz="2400" i="1" dirty="0">
                     <a:latin typeface="Helvetica" panose="020B0604020202020204" pitchFamily="34" charset="0"/>
                     <a:cs typeface="Helvetica" panose="020B0604020202020204" pitchFamily="34" charset="0"/>
                   </a:rPr>
                   <a:t>number of household children</a:t>
                 </a:r>
                 <a:r>
-                  <a:rPr lang="en-US" sz="2000" dirty="0">
+                  <a:rPr lang="en-US" sz="2400" dirty="0">
                     <a:latin typeface="Helvetica" panose="020B0604020202020204" pitchFamily="34" charset="0"/>
                     <a:cs typeface="Helvetica" panose="020B0604020202020204" pitchFamily="34" charset="0"/>
                   </a:rPr>
                   <a:t> is added confirms that this has a significant effect on participation in </a:t>
                 </a:r>
                 <a:r>
-                  <a:rPr lang="en-US" sz="2000" i="1" dirty="0">
+                  <a:rPr lang="en-US" sz="2400" i="1" dirty="0">
                     <a:latin typeface="Helvetica" panose="020B0604020202020204" pitchFamily="34" charset="0"/>
                     <a:cs typeface="Helvetica" panose="020B0604020202020204" pitchFamily="34" charset="0"/>
                   </a:rPr>
                   <a:t>caring for &amp; helping non-</a:t>
                 </a:r>
                 <a:r>
-                  <a:rPr lang="en-US" sz="2000" i="1" dirty="0" err="1">
+                  <a:rPr lang="en-US" sz="2400" i="1" dirty="0" err="1">
                     <a:latin typeface="Helvetica" panose="020B0604020202020204" pitchFamily="34" charset="0"/>
                     <a:cs typeface="Helvetica" panose="020B0604020202020204" pitchFamily="34" charset="0"/>
                   </a:rPr>
                   <a:t>hh</a:t>
                 </a:r>
                 <a:r>
-                  <a:rPr lang="en-US" sz="2000" i="1" dirty="0">
+                  <a:rPr lang="en-US" sz="2400" i="1" dirty="0">
                     <a:latin typeface="Helvetica" panose="020B0604020202020204" pitchFamily="34" charset="0"/>
                     <a:cs typeface="Helvetica" panose="020B0604020202020204" pitchFamily="34" charset="0"/>
                   </a:rPr>
                   <a:t> children</a:t>
                 </a:r>
                 <a:br>
-                  <a:rPr lang="en-US" sz="2000" i="1" dirty="0">
+                  <a:rPr lang="en-US" sz="2400" i="1" dirty="0">
                     <a:latin typeface="Helvetica" panose="020B0604020202020204" pitchFamily="34" charset="0"/>
                     <a:cs typeface="Helvetica" panose="020B0604020202020204" pitchFamily="34" charset="0"/>
                   </a:rPr>
                 </a:br>
-                <a:endParaRPr lang="en-US" sz="2000" i="1" dirty="0">
+                <a:endParaRPr lang="en-US" sz="2400" i="1" dirty="0">
                   <a:latin typeface="Helvetica" panose="020B0604020202020204" pitchFamily="34" charset="0"/>
                   <a:cs typeface="Helvetica" panose="020B0604020202020204" pitchFamily="34" charset="0"/>
                 </a:endParaRPr>
@@ -10460,20 +10951,17 @@
                   <a:buFont typeface="Arial" charset="0"/>
                   <a:buChar char="•"/>
                 </a:pPr>
-                <a:r>
-                  <a:rPr lang="en-US" sz="2000" dirty="0">
-                    <a:latin typeface="Helvetica" panose="020B0604020202020204" pitchFamily="34" charset="0"/>
-                    <a:cs typeface="Helvetica" panose="020B0604020202020204" pitchFamily="34" charset="0"/>
-                  </a:rPr>
-                  <a:t>Again the plots shows the correlation is weak</a:t>
-                </a:r>
+                <a:endParaRPr lang="en-US" sz="2400" dirty="0">
+                  <a:latin typeface="Helvetica" panose="020B0604020202020204" pitchFamily="34" charset="0"/>
+                  <a:cs typeface="Helvetica" panose="020B0604020202020204" pitchFamily="34" charset="0"/>
+                </a:endParaRPr>
               </a:p>
               <a:p>
                 <a:pPr marL="285750" indent="-285750">
                   <a:buFont typeface="Arial" charset="0"/>
                   <a:buChar char="•"/>
                 </a:pPr>
-                <a:endParaRPr lang="en-US" sz="2200" i="1" dirty="0">
+                <a:endParaRPr lang="en-US" sz="2400" i="1" dirty="0">
                   <a:latin typeface="Helvetica" panose="020B0604020202020204" pitchFamily="34" charset="0"/>
                   <a:cs typeface="Helvetica" panose="020B0604020202020204" pitchFamily="34" charset="0"/>
                 </a:endParaRPr>
@@ -10492,16 +10980,16 @@
             </p:nvSpPr>
             <p:spPr>
               <a:xfrm>
-                <a:off x="439271" y="5009777"/>
-                <a:ext cx="10952815" cy="1661993"/>
+                <a:off x="439271" y="5212977"/>
+                <a:ext cx="10952815" cy="2308324"/>
               </a:xfrm>
               <a:prstGeom prst="rect">
                 <a:avLst/>
               </a:prstGeom>
               <a:blipFill>
-                <a:blip r:embed="rId5"/>
+                <a:blip r:embed="rId4"/>
                 <a:stretch>
-                  <a:fillRect l="-501" t="-1838"/>
+                  <a:fillRect l="-723" t="-1847" r="-1336"/>
                 </a:stretch>
               </a:blipFill>
             </p:spPr>
@@ -10535,21 +11023,154 @@
           <p:nvPr/>
         </p:nvPicPr>
         <p:blipFill>
-          <a:blip r:embed="rId6"/>
+          <a:blip r:embed="rId5"/>
           <a:stretch>
             <a:fillRect/>
           </a:stretch>
         </p:blipFill>
         <p:spPr>
           <a:xfrm>
-            <a:off x="6398223" y="1749503"/>
-            <a:ext cx="4424753" cy="3160538"/>
+            <a:off x="485451" y="1653308"/>
+            <a:ext cx="4886150" cy="3490107"/>
           </a:xfrm>
           <a:prstGeom prst="rect">
             <a:avLst/>
           </a:prstGeom>
         </p:spPr>
       </p:pic>
+      <p:sp>
+        <p:nvSpPr>
+          <p:cNvPr id="9" name="Rectangle 8">
+            <a:extLst>
+              <a:ext uri="{FF2B5EF4-FFF2-40B4-BE49-F238E27FC236}">
+                <a16:creationId xmlns:a16="http://schemas.microsoft.com/office/drawing/2014/main" id="{95E287E1-148A-487D-BBF6-CCA2A3CAC24C}"/>
+              </a:ext>
+            </a:extLst>
+          </p:cNvPr>
+          <p:cNvSpPr/>
+          <p:nvPr/>
+        </p:nvSpPr>
+        <p:spPr>
+          <a:xfrm>
+            <a:off x="5800436" y="1727095"/>
+            <a:ext cx="5544671" cy="4154984"/>
+          </a:xfrm>
+          <a:prstGeom prst="rect">
+            <a:avLst/>
+          </a:prstGeom>
+        </p:spPr>
+        <p:txBody>
+          <a:bodyPr wrap="square">
+            <a:spAutoFit/>
+          </a:bodyPr>
+          <a:lstStyle/>
+          <a:p>
+            <a:pPr marL="285750" indent="-285750">
+              <a:buFont typeface="Arial" charset="0"/>
+              <a:buChar char="•"/>
+            </a:pPr>
+            <a:r>
+              <a:rPr lang="en-US" sz="2400" dirty="0">
+                <a:latin typeface="Helvetica" panose="020B0604020202020204" pitchFamily="34" charset="0"/>
+                <a:cs typeface="Helvetica" panose="020B0604020202020204" pitchFamily="34" charset="0"/>
+              </a:rPr>
+              <a:t>To test the suitability of the model on the validation dataset a residual plot was created</a:t>
+            </a:r>
+          </a:p>
+          <a:p>
+            <a:pPr marL="285750" indent="-285750">
+              <a:buFont typeface="Arial" charset="0"/>
+              <a:buChar char="•"/>
+            </a:pPr>
+            <a:endParaRPr lang="en-US" sz="2400" i="1" dirty="0">
+              <a:latin typeface="Helvetica" panose="020B0604020202020204" pitchFamily="34" charset="0"/>
+              <a:cs typeface="Helvetica" panose="020B0604020202020204" pitchFamily="34" charset="0"/>
+            </a:endParaRPr>
+          </a:p>
+          <a:p>
+            <a:pPr marL="285750" indent="-285750">
+              <a:buFont typeface="Arial" charset="0"/>
+              <a:buChar char="•"/>
+            </a:pPr>
+            <a:r>
+              <a:rPr lang="en-US" sz="2400" dirty="0">
+                <a:latin typeface="Helvetica" panose="020B0604020202020204" pitchFamily="34" charset="0"/>
+                <a:cs typeface="Helvetica" panose="020B0604020202020204" pitchFamily="34" charset="0"/>
+              </a:rPr>
+              <a:t>The errors:</a:t>
+            </a:r>
+          </a:p>
+          <a:p>
+            <a:pPr marL="742950" lvl="1" indent="-285750">
+              <a:buFont typeface="Arial" charset="0"/>
+              <a:buChar char="•"/>
+            </a:pPr>
+            <a:r>
+              <a:rPr lang="en-US" sz="2400" i="1" dirty="0">
+                <a:latin typeface="Helvetica" panose="020B0604020202020204" pitchFamily="34" charset="0"/>
+                <a:cs typeface="Helvetica" panose="020B0604020202020204" pitchFamily="34" charset="0"/>
+              </a:rPr>
+              <a:t>Are uncorrelated</a:t>
+            </a:r>
+          </a:p>
+          <a:p>
+            <a:pPr marL="742950" lvl="1" indent="-285750">
+              <a:buFont typeface="Arial" charset="0"/>
+              <a:buChar char="•"/>
+            </a:pPr>
+            <a:r>
+              <a:rPr lang="en-US" sz="2400" i="1" dirty="0">
+                <a:latin typeface="Helvetica" panose="020B0604020202020204" pitchFamily="34" charset="0"/>
+                <a:cs typeface="Helvetica" panose="020B0604020202020204" pitchFamily="34" charset="0"/>
+              </a:rPr>
+              <a:t>Have mostly equal variance</a:t>
+            </a:r>
+          </a:p>
+          <a:p>
+            <a:pPr marL="742950" lvl="1" indent="-285750">
+              <a:buFont typeface="Arial" charset="0"/>
+              <a:buChar char="•"/>
+            </a:pPr>
+            <a:r>
+              <a:rPr lang="en-US" sz="2400" i="1" dirty="0">
+                <a:latin typeface="Helvetica" panose="020B0604020202020204" pitchFamily="34" charset="0"/>
+                <a:cs typeface="Helvetica" panose="020B0604020202020204" pitchFamily="34" charset="0"/>
+              </a:rPr>
+              <a:t>Seem to have mean 0</a:t>
+            </a:r>
+            <a:br>
+              <a:rPr lang="en-US" sz="2400" i="1" dirty="0">
+                <a:latin typeface="Helvetica" panose="020B0604020202020204" pitchFamily="34" charset="0"/>
+                <a:cs typeface="Helvetica" panose="020B0604020202020204" pitchFamily="34" charset="0"/>
+              </a:rPr>
+            </a:br>
+            <a:endParaRPr lang="en-US" sz="2400" i="1" dirty="0">
+              <a:latin typeface="Helvetica" panose="020B0604020202020204" pitchFamily="34" charset="0"/>
+              <a:cs typeface="Helvetica" panose="020B0604020202020204" pitchFamily="34" charset="0"/>
+            </a:endParaRPr>
+          </a:p>
+          <a:p>
+            <a:pPr marL="285750" indent="-285750">
+              <a:buFont typeface="Arial" charset="0"/>
+              <a:buChar char="•"/>
+            </a:pPr>
+            <a:endParaRPr lang="en-US" sz="2400" dirty="0">
+              <a:latin typeface="Helvetica" panose="020B0604020202020204" pitchFamily="34" charset="0"/>
+              <a:cs typeface="Helvetica" panose="020B0604020202020204" pitchFamily="34" charset="0"/>
+            </a:endParaRPr>
+          </a:p>
+          <a:p>
+            <a:pPr marL="285750" indent="-285750">
+              <a:buFont typeface="Arial" charset="0"/>
+              <a:buChar char="•"/>
+            </a:pPr>
+            <a:endParaRPr lang="en-US" sz="2400" i="1" dirty="0">
+              <a:latin typeface="Helvetica" panose="020B0604020202020204" pitchFamily="34" charset="0"/>
+              <a:cs typeface="Helvetica" panose="020B0604020202020204" pitchFamily="34" charset="0"/>
+            </a:endParaRPr>
+          </a:p>
+        </p:txBody>
+      </p:sp>
     </p:spTree>
     <p:extLst>
       <p:ext uri="{BB962C8B-B14F-4D97-AF65-F5344CB8AC3E}">
@@ -10615,41 +11236,6 @@
                                   </p:childTnLst>
                                 </p:cTn>
                               </p:par>
-                              <p:par>
-                                <p:cTn id="8" presetID="9" presetClass="entr" presetSubtype="0" fill="hold" nodeType="withEffect">
-                                  <p:stCondLst>
-                                    <p:cond delay="0"/>
-                                  </p:stCondLst>
-                                  <p:childTnLst>
-                                    <p:set>
-                                      <p:cBhvr>
-                                        <p:cTn id="9" dur="1" fill="hold">
-                                          <p:stCondLst>
-                                            <p:cond delay="0"/>
-                                          </p:stCondLst>
-                                        </p:cTn>
-                                        <p:tgtEl>
-                                          <p:spTgt spid="12"/>
-                                        </p:tgtEl>
-                                        <p:attrNameLst>
-                                          <p:attrName>style.visibility</p:attrName>
-                                        </p:attrNameLst>
-                                      </p:cBhvr>
-                                      <p:to>
-                                        <p:strVal val="visible"/>
-                                      </p:to>
-                                    </p:set>
-                                    <p:animEffect transition="in" filter="dissolve">
-                                      <p:cBhvr>
-                                        <p:cTn id="10" dur="500"/>
-                                        <p:tgtEl>
-                                          <p:spTgt spid="12"/>
-                                        </p:tgtEl>
-                                      </p:cBhvr>
-                                    </p:animEffect>
-                                  </p:childTnLst>
-                                </p:cTn>
-                              </p:par>
                             </p:childTnLst>
                           </p:cTn>
                         </p:par>
@@ -10657,26 +11243,26 @@
                     </p:cTn>
                   </p:par>
                   <p:par>
-                    <p:cTn id="11" fill="hold">
+                    <p:cTn id="8" fill="hold">
                       <p:stCondLst>
                         <p:cond delay="indefinite"/>
                       </p:stCondLst>
                       <p:childTnLst>
                         <p:par>
-                          <p:cTn id="12" fill="hold">
+                          <p:cTn id="9" fill="hold">
                             <p:stCondLst>
                               <p:cond delay="0"/>
                             </p:stCondLst>
                             <p:childTnLst>
                               <p:par>
-                                <p:cTn id="13" presetID="9" presetClass="entr" presetSubtype="0" fill="hold" grpId="0" nodeType="clickEffect">
+                                <p:cTn id="10" presetID="9" presetClass="entr" presetSubtype="0" fill="hold" grpId="0" nodeType="clickEffect">
                                   <p:stCondLst>
                                     <p:cond delay="0"/>
                                   </p:stCondLst>
                                   <p:childTnLst>
                                     <p:set>
                                       <p:cBhvr>
-                                        <p:cTn id="14" dur="1" fill="hold">
+                                        <p:cTn id="11" dur="1" fill="hold">
                                           <p:stCondLst>
                                             <p:cond delay="0"/>
                                           </p:stCondLst>
@@ -10694,9 +11280,62 @@
                                     </p:set>
                                     <p:animEffect transition="in" filter="dissolve">
                                       <p:cBhvr>
-                                        <p:cTn id="15" dur="500"/>
+                                        <p:cTn id="12" dur="500"/>
                                         <p:tgtEl>
                                           <p:spTgt spid="13"/>
+                                        </p:tgtEl>
+                                      </p:cBhvr>
+                                    </p:animEffect>
+                                  </p:childTnLst>
+                                </p:cTn>
+                              </p:par>
+                            </p:childTnLst>
+                          </p:cTn>
+                        </p:par>
+                      </p:childTnLst>
+                    </p:cTn>
+                  </p:par>
+                  <p:par>
+                    <p:cTn id="13" fill="hold">
+                      <p:stCondLst>
+                        <p:cond delay="indefinite"/>
+                      </p:stCondLst>
+                      <p:childTnLst>
+                        <p:par>
+                          <p:cTn id="14" fill="hold">
+                            <p:stCondLst>
+                              <p:cond delay="0"/>
+                            </p:stCondLst>
+                            <p:childTnLst>
+                              <p:par>
+                                <p:cTn id="15" presetID="9" presetClass="entr" presetSubtype="0" fill="hold" grpId="0" nodeType="clickEffect">
+                                  <p:stCondLst>
+                                    <p:cond delay="0"/>
+                                  </p:stCondLst>
+                                  <p:childTnLst>
+                                    <p:set>
+                                      <p:cBhvr>
+                                        <p:cTn id="16" dur="1" fill="hold">
+                                          <p:stCondLst>
+                                            <p:cond delay="0"/>
+                                          </p:stCondLst>
+                                        </p:cTn>
+                                        <p:tgtEl>
+                                          <p:spTgt spid="9"/>
+                                        </p:tgtEl>
+                                        <p:attrNameLst>
+                                          <p:attrName>style.visibility</p:attrName>
+                                        </p:attrNameLst>
+                                      </p:cBhvr>
+                                      <p:to>
+                                        <p:strVal val="visible"/>
+                                      </p:to>
+                                    </p:set>
+                                    <p:animEffect transition="in" filter="dissolve">
+                                      <p:cBhvr>
+                                        <p:cTn id="17" dur="500"/>
+                                        <p:tgtEl>
+                                          <p:spTgt spid="9"/>
                                         </p:tgtEl>
                                       </p:cBhvr>
                                     </p:animEffect>
@@ -10733,6 +11372,7 @@
     <p:bldLst>
       <p:bldP spid="7" grpId="0"/>
       <p:bldP spid="13" grpId="0"/>
+      <p:bldP spid="9" grpId="0"/>
     </p:bldLst>
   </p:timing>
 </p:sld>
@@ -10757,6 +11397,162 @@
       </p:grpSpPr>
       <p:sp>
         <p:nvSpPr>
+          <p:cNvPr id="2" name="Title 1">
+            <a:extLst>
+              <a:ext uri="{FF2B5EF4-FFF2-40B4-BE49-F238E27FC236}">
+                <a16:creationId xmlns:a16="http://schemas.microsoft.com/office/drawing/2014/main" id="{57EC2DD0-3D78-4B0C-9E70-E1E4D800C740}"/>
+              </a:ext>
+            </a:extLst>
+          </p:cNvPr>
+          <p:cNvSpPr>
+            <a:spLocks noGrp="1"/>
+          </p:cNvSpPr>
+          <p:nvPr>
+            <p:ph type="title"/>
+          </p:nvPr>
+        </p:nvSpPr>
+        <p:spPr>
+          <a:xfrm>
+            <a:off x="782784" y="226586"/>
+            <a:ext cx="10515600" cy="687820"/>
+          </a:xfrm>
+        </p:spPr>
+        <p:txBody>
+          <a:bodyPr>
+            <a:normAutofit/>
+          </a:bodyPr>
+          <a:lstStyle/>
+          <a:p>
+            <a:r>
+              <a:rPr lang="en-GB" sz="2800" dirty="0"/>
+              <a:t>Final Plot built on all data except July</a:t>
+            </a:r>
+          </a:p>
+        </p:txBody>
+      </p:sp>
+      <p:pic>
+        <p:nvPicPr>
+          <p:cNvPr id="6" name="Content Placeholder 5">
+            <a:extLst>
+              <a:ext uri="{FF2B5EF4-FFF2-40B4-BE49-F238E27FC236}">
+                <a16:creationId xmlns:a16="http://schemas.microsoft.com/office/drawing/2014/main" id="{2C343057-2145-45F6-B4A9-671163EA80A6}"/>
+              </a:ext>
+            </a:extLst>
+          </p:cNvPr>
+          <p:cNvPicPr>
+            <a:picLocks noGrp="1" noChangeAspect="1"/>
+          </p:cNvPicPr>
+          <p:nvPr>
+            <p:ph idx="1"/>
+          </p:nvPr>
+        </p:nvPicPr>
+        <p:blipFill>
+          <a:blip r:embed="rId3"/>
+          <a:stretch>
+            <a:fillRect/>
+          </a:stretch>
+        </p:blipFill>
+        <p:spPr>
+          <a:xfrm>
+            <a:off x="1228435" y="955777"/>
+            <a:ext cx="9458037" cy="5433118"/>
+          </a:xfrm>
+        </p:spPr>
+      </p:pic>
+      <p:sp>
+        <p:nvSpPr>
+          <p:cNvPr id="4" name="Slide Number Placeholder 3">
+            <a:extLst>
+              <a:ext uri="{FF2B5EF4-FFF2-40B4-BE49-F238E27FC236}">
+                <a16:creationId xmlns:a16="http://schemas.microsoft.com/office/drawing/2014/main" id="{4F6F569D-C8A4-4A63-AEE4-F54DD74E1E1A}"/>
+              </a:ext>
+            </a:extLst>
+          </p:cNvPr>
+          <p:cNvSpPr>
+            <a:spLocks noGrp="1"/>
+          </p:cNvSpPr>
+          <p:nvPr>
+            <p:ph type="sldNum" sz="quarter" idx="12"/>
+          </p:nvPr>
+        </p:nvSpPr>
+        <p:spPr/>
+        <p:txBody>
+          <a:bodyPr/>
+          <a:lstStyle/>
+          <a:p>
+            <a:fld id="{73C26548-949F-BF45-9AAC-1ABF92E0F60B}" type="slidenum">
+              <a:rPr lang="en-US" smtClean="0"/>
+              <a:t>6</a:t>
+            </a:fld>
+            <a:endParaRPr lang="en-US"/>
+          </a:p>
+        </p:txBody>
+      </p:sp>
+      <p:sp>
+        <p:nvSpPr>
+          <p:cNvPr id="8" name="Footer Placeholder 4">
+            <a:extLst>
+              <a:ext uri="{FF2B5EF4-FFF2-40B4-BE49-F238E27FC236}">
+                <a16:creationId xmlns:a16="http://schemas.microsoft.com/office/drawing/2014/main" id="{6A4A0099-6667-44AB-82F6-9BADC559906D}"/>
+              </a:ext>
+            </a:extLst>
+          </p:cNvPr>
+          <p:cNvSpPr>
+            <a:spLocks noGrp="1"/>
+          </p:cNvSpPr>
+          <p:nvPr>
+            <p:ph type="ftr" sz="quarter" idx="11"/>
+          </p:nvPr>
+        </p:nvSpPr>
+        <p:spPr>
+          <a:xfrm>
+            <a:off x="4038600" y="6356350"/>
+            <a:ext cx="4114800" cy="365125"/>
+          </a:xfrm>
+        </p:spPr>
+        <p:txBody>
+          <a:bodyPr/>
+          <a:lstStyle/>
+          <a:p>
+            <a:r>
+              <a:rPr lang="en-US" dirty="0"/>
+              <a:t>Observation 1 – Final Plot</a:t>
+            </a:r>
+          </a:p>
+        </p:txBody>
+      </p:sp>
+    </p:spTree>
+    <p:extLst>
+      <p:ext uri="{BB962C8B-B14F-4D97-AF65-F5344CB8AC3E}">
+        <p14:creationId xmlns:p14="http://schemas.microsoft.com/office/powerpoint/2010/main" val="1858449843"/>
+      </p:ext>
+    </p:extLst>
+  </p:cSld>
+  <p:clrMapOvr>
+    <a:masterClrMapping/>
+  </p:clrMapOvr>
+</p:sld>
+</file>
+
+<file path=ppt/slides/slide7.xml><?xml version="1.0" encoding="utf-8"?>
+<p:sld xmlns:a="http://schemas.openxmlformats.org/drawingml/2006/main" xmlns:r="http://schemas.openxmlformats.org/officeDocument/2006/relationships" xmlns:p="http://schemas.openxmlformats.org/presentationml/2006/main">
+  <p:cSld>
+    <p:spTree>
+      <p:nvGrpSpPr>
+        <p:cNvPr id="1" name=""/>
+        <p:cNvGrpSpPr/>
+        <p:nvPr/>
+      </p:nvGrpSpPr>
+      <p:grpSpPr>
+        <a:xfrm>
+          <a:off x="0" y="0"/>
+          <a:ext cx="0" cy="0"/>
+          <a:chOff x="0" y="0"/>
+          <a:chExt cx="0" cy="0"/>
+        </a:xfrm>
+      </p:grpSpPr>
+      <p:sp>
+        <p:nvSpPr>
           <p:cNvPr id="2" name="Title 1"/>
           <p:cNvSpPr>
             <a:spLocks noGrp="1"/>
@@ -10809,7 +11605,7 @@
           <a:p>
             <a:r>
               <a:rPr lang="en-US" dirty="0"/>
-              <a:t>Fluctuation 2 - EDA</a:t>
+              <a:t>Observation 2 - EDA</a:t>
             </a:r>
           </a:p>
         </p:txBody>
@@ -10831,7 +11627,7 @@
           <a:p>
             <a:fld id="{73C26548-949F-BF45-9AAC-1ABF92E0F60B}" type="slidenum">
               <a:rPr lang="en-US" smtClean="0"/>
-              <a:t>6</a:t>
+              <a:t>7</a:t>
             </a:fld>
             <a:endParaRPr lang="en-US" dirty="0"/>
           </a:p>
@@ -11413,7 +12209,7 @@
 </p:sld>
 </file>
 
-<file path=ppt/slides/slide7.xml><?xml version="1.0" encoding="utf-8"?>
+<file path=ppt/slides/slide8.xml><?xml version="1.0" encoding="utf-8"?>
 <p:sld xmlns:a="http://schemas.openxmlformats.org/drawingml/2006/main" xmlns:r="http://schemas.openxmlformats.org/officeDocument/2006/relationships" xmlns:p="http://schemas.openxmlformats.org/presentationml/2006/main">
   <p:cSld>
     <p:spTree>
@@ -11447,7 +12243,7 @@
           <a:p>
             <a:r>
               <a:rPr lang="en-US" dirty="0"/>
-              <a:t>Fluctuation 2 – Validation</a:t>
+              <a:t>Observation 2 – Validation</a:t>
             </a:r>
           </a:p>
         </p:txBody>
@@ -11469,7 +12265,7 @@
           <a:p>
             <a:fld id="{73C26548-949F-BF45-9AAC-1ABF92E0F60B}" type="slidenum">
               <a:rPr lang="en-US" smtClean="0"/>
-              <a:t>7</a:t>
+              <a:t>8</a:t>
             </a:fld>
             <a:endParaRPr lang="en-US"/>
           </a:p>
@@ -11812,7 +12608,7 @@
 </p:sld>
 </file>
 
-<file path=ppt/slides/slide8.xml><?xml version="1.0" encoding="utf-8"?>
+<file path=ppt/slides/slide9.xml><?xml version="1.0" encoding="utf-8"?>
 <p:sld xmlns:a="http://schemas.openxmlformats.org/drawingml/2006/main" xmlns:r="http://schemas.openxmlformats.org/officeDocument/2006/relationships" xmlns:p="http://schemas.openxmlformats.org/presentationml/2006/main">
   <p:cSld>
     <p:spTree>
@@ -11890,7 +12686,7 @@
           <a:p>
             <a:r>
               <a:rPr lang="en-US" dirty="0"/>
-              <a:t>Fluctuation 2 – Validation – Males – House Maintenance and Vehicle Maintenance </a:t>
+              <a:t>Observation 2 – Validation – Males – House Maintenance and Vehicle Maintenance </a:t>
             </a:r>
           </a:p>
         </p:txBody>
@@ -11912,7 +12708,7 @@
           <a:p>
             <a:fld id="{73C26548-949F-BF45-9AAC-1ABF92E0F60B}" type="slidenum">
               <a:rPr lang="en-US" smtClean="0"/>
-              <a:t>8</a:t>
+              <a:t>9</a:t>
             </a:fld>
             <a:endParaRPr lang="en-US"/>
           </a:p>
@@ -12225,442 +13021,6 @@
     </p:tnLst>
     <p:bldLst>
       <p:bldP spid="3" grpId="0" build="p"/>
-      <p:bldP spid="6" grpId="0"/>
-    </p:bldLst>
-  </p:timing>
-</p:sld>
-</file>
-
-<file path=ppt/slides/slide9.xml><?xml version="1.0" encoding="utf-8"?>
-<p:sld xmlns:a="http://schemas.openxmlformats.org/drawingml/2006/main" xmlns:r="http://schemas.openxmlformats.org/officeDocument/2006/relationships" xmlns:p="http://schemas.openxmlformats.org/presentationml/2006/main">
-  <p:cSld>
-    <p:spTree>
-      <p:nvGrpSpPr>
-        <p:cNvPr id="1" name=""/>
-        <p:cNvGrpSpPr/>
-        <p:nvPr/>
-      </p:nvGrpSpPr>
-      <p:grpSpPr>
-        <a:xfrm>
-          <a:off x="0" y="0"/>
-          <a:ext cx="0" cy="0"/>
-          <a:chOff x="0" y="0"/>
-          <a:chExt cx="0" cy="0"/>
-        </a:xfrm>
-      </p:grpSpPr>
-      <p:sp>
-        <p:nvSpPr>
-          <p:cNvPr id="3" name="Footer Placeholder 2"/>
-          <p:cNvSpPr>
-            <a:spLocks noGrp="1"/>
-          </p:cNvSpPr>
-          <p:nvPr>
-            <p:ph type="ftr" sz="quarter" idx="11"/>
-          </p:nvPr>
-        </p:nvSpPr>
-        <p:spPr/>
-        <p:txBody>
-          <a:bodyPr/>
-          <a:lstStyle/>
-          <a:p>
-            <a:r>
-              <a:rPr lang="en-US" dirty="0"/>
-              <a:t>Fluctuation 2 – Validation</a:t>
-            </a:r>
-          </a:p>
-        </p:txBody>
-      </p:sp>
-      <p:sp>
-        <p:nvSpPr>
-          <p:cNvPr id="2" name="Slide Number Placeholder 1"/>
-          <p:cNvSpPr>
-            <a:spLocks noGrp="1"/>
-          </p:cNvSpPr>
-          <p:nvPr>
-            <p:ph type="sldNum" sz="quarter" idx="12"/>
-          </p:nvPr>
-        </p:nvSpPr>
-        <p:spPr/>
-        <p:txBody>
-          <a:bodyPr/>
-          <a:lstStyle/>
-          <a:p>
-            <a:fld id="{73C26548-949F-BF45-9AAC-1ABF92E0F60B}" type="slidenum">
-              <a:rPr lang="en-US" smtClean="0"/>
-              <a:t>9</a:t>
-            </a:fld>
-            <a:endParaRPr lang="en-US"/>
-          </a:p>
-        </p:txBody>
-      </p:sp>
-      <p:sp>
-        <p:nvSpPr>
-          <p:cNvPr id="6" name="Content Placeholder 2"/>
-          <p:cNvSpPr txBox="1">
-            <a:spLocks/>
-          </p:cNvSpPr>
-          <p:nvPr/>
-        </p:nvSpPr>
-        <p:spPr>
-          <a:xfrm>
-            <a:off x="681925" y="1457268"/>
-            <a:ext cx="10671875" cy="3176724"/>
-          </a:xfrm>
-          <a:prstGeom prst="rect">
-            <a:avLst/>
-          </a:prstGeom>
-        </p:spPr>
-        <p:txBody>
-          <a:bodyPr vert="horz" lIns="91440" tIns="45720" rIns="91440" bIns="45720" rtlCol="0">
-            <a:noAutofit/>
-          </a:bodyPr>
-          <a:lstStyle>
-            <a:lvl1pPr marL="228600" indent="-228600" algn="l" defTabSz="914400" rtl="0" eaLnBrk="1" latinLnBrk="0" hangingPunct="1">
-              <a:lnSpc>
-                <a:spcPct val="90000"/>
-              </a:lnSpc>
-              <a:spcBef>
-                <a:spcPts val="1000"/>
-              </a:spcBef>
-              <a:buFont typeface="Arial" panose="020B0604020202020204" pitchFamily="34" charset="0"/>
-              <a:buChar char="•"/>
-              <a:defRPr sz="2800" kern="1200">
-                <a:solidFill>
-                  <a:schemeClr val="tx1"/>
-                </a:solidFill>
-                <a:latin typeface="+mn-lt"/>
-                <a:ea typeface="+mn-ea"/>
-                <a:cs typeface="+mn-cs"/>
-              </a:defRPr>
-            </a:lvl1pPr>
-            <a:lvl2pPr marL="685800" indent="-228600" algn="l" defTabSz="914400" rtl="0" eaLnBrk="1" latinLnBrk="0" hangingPunct="1">
-              <a:lnSpc>
-                <a:spcPct val="90000"/>
-              </a:lnSpc>
-              <a:spcBef>
-                <a:spcPts val="500"/>
-              </a:spcBef>
-              <a:buFont typeface="Arial" panose="020B0604020202020204" pitchFamily="34" charset="0"/>
-              <a:buChar char="•"/>
-              <a:defRPr sz="2400" kern="1200">
-                <a:solidFill>
-                  <a:schemeClr val="tx1"/>
-                </a:solidFill>
-                <a:latin typeface="+mn-lt"/>
-                <a:ea typeface="+mn-ea"/>
-                <a:cs typeface="+mn-cs"/>
-              </a:defRPr>
-            </a:lvl2pPr>
-            <a:lvl3pPr marL="1143000" indent="-228600" algn="l" defTabSz="914400" rtl="0" eaLnBrk="1" latinLnBrk="0" hangingPunct="1">
-              <a:lnSpc>
-                <a:spcPct val="90000"/>
-              </a:lnSpc>
-              <a:spcBef>
-                <a:spcPts val="500"/>
-              </a:spcBef>
-              <a:buFont typeface="Arial" panose="020B0604020202020204" pitchFamily="34" charset="0"/>
-              <a:buChar char="•"/>
-              <a:defRPr sz="2000" kern="1200">
-                <a:solidFill>
-                  <a:schemeClr val="tx1"/>
-                </a:solidFill>
-                <a:latin typeface="+mn-lt"/>
-                <a:ea typeface="+mn-ea"/>
-                <a:cs typeface="+mn-cs"/>
-              </a:defRPr>
-            </a:lvl3pPr>
-            <a:lvl4pPr marL="1600200" indent="-228600" algn="l" defTabSz="914400" rtl="0" eaLnBrk="1" latinLnBrk="0" hangingPunct="1">
-              <a:lnSpc>
-                <a:spcPct val="90000"/>
-              </a:lnSpc>
-              <a:spcBef>
-                <a:spcPts val="500"/>
-              </a:spcBef>
-              <a:buFont typeface="Arial" panose="020B0604020202020204" pitchFamily="34" charset="0"/>
-              <a:buChar char="•"/>
-              <a:defRPr sz="1800" kern="1200">
-                <a:solidFill>
-                  <a:schemeClr val="tx1"/>
-                </a:solidFill>
-                <a:latin typeface="+mn-lt"/>
-                <a:ea typeface="+mn-ea"/>
-                <a:cs typeface="+mn-cs"/>
-              </a:defRPr>
-            </a:lvl4pPr>
-            <a:lvl5pPr marL="2057400" indent="-228600" algn="l" defTabSz="914400" rtl="0" eaLnBrk="1" latinLnBrk="0" hangingPunct="1">
-              <a:lnSpc>
-                <a:spcPct val="90000"/>
-              </a:lnSpc>
-              <a:spcBef>
-                <a:spcPts val="500"/>
-              </a:spcBef>
-              <a:buFont typeface="Arial" panose="020B0604020202020204" pitchFamily="34" charset="0"/>
-              <a:buChar char="•"/>
-              <a:defRPr sz="1800" kern="1200">
-                <a:solidFill>
-                  <a:schemeClr val="tx1"/>
-                </a:solidFill>
-                <a:latin typeface="+mn-lt"/>
-                <a:ea typeface="+mn-ea"/>
-                <a:cs typeface="+mn-cs"/>
-              </a:defRPr>
-            </a:lvl5pPr>
-            <a:lvl6pPr marL="2514600" indent="-228600" algn="l" defTabSz="914400" rtl="0" eaLnBrk="1" latinLnBrk="0" hangingPunct="1">
-              <a:lnSpc>
-                <a:spcPct val="90000"/>
-              </a:lnSpc>
-              <a:spcBef>
-                <a:spcPts val="500"/>
-              </a:spcBef>
-              <a:buFont typeface="Arial" panose="020B0604020202020204" pitchFamily="34" charset="0"/>
-              <a:buChar char="•"/>
-              <a:defRPr sz="1800" kern="1200">
-                <a:solidFill>
-                  <a:schemeClr val="tx1"/>
-                </a:solidFill>
-                <a:latin typeface="+mn-lt"/>
-                <a:ea typeface="+mn-ea"/>
-                <a:cs typeface="+mn-cs"/>
-              </a:defRPr>
-            </a:lvl6pPr>
-            <a:lvl7pPr marL="2971800" indent="-228600" algn="l" defTabSz="914400" rtl="0" eaLnBrk="1" latinLnBrk="0" hangingPunct="1">
-              <a:lnSpc>
-                <a:spcPct val="90000"/>
-              </a:lnSpc>
-              <a:spcBef>
-                <a:spcPts val="500"/>
-              </a:spcBef>
-              <a:buFont typeface="Arial" panose="020B0604020202020204" pitchFamily="34" charset="0"/>
-              <a:buChar char="•"/>
-              <a:defRPr sz="1800" kern="1200">
-                <a:solidFill>
-                  <a:schemeClr val="tx1"/>
-                </a:solidFill>
-                <a:latin typeface="+mn-lt"/>
-                <a:ea typeface="+mn-ea"/>
-                <a:cs typeface="+mn-cs"/>
-              </a:defRPr>
-            </a:lvl7pPr>
-            <a:lvl8pPr marL="3429000" indent="-228600" algn="l" defTabSz="914400" rtl="0" eaLnBrk="1" latinLnBrk="0" hangingPunct="1">
-              <a:lnSpc>
-                <a:spcPct val="90000"/>
-              </a:lnSpc>
-              <a:spcBef>
-                <a:spcPts val="500"/>
-              </a:spcBef>
-              <a:buFont typeface="Arial" panose="020B0604020202020204" pitchFamily="34" charset="0"/>
-              <a:buChar char="•"/>
-              <a:defRPr sz="1800" kern="1200">
-                <a:solidFill>
-                  <a:schemeClr val="tx1"/>
-                </a:solidFill>
-                <a:latin typeface="+mn-lt"/>
-                <a:ea typeface="+mn-ea"/>
-                <a:cs typeface="+mn-cs"/>
-              </a:defRPr>
-            </a:lvl8pPr>
-            <a:lvl9pPr marL="3886200" indent="-228600" algn="l" defTabSz="914400" rtl="0" eaLnBrk="1" latinLnBrk="0" hangingPunct="1">
-              <a:lnSpc>
-                <a:spcPct val="90000"/>
-              </a:lnSpc>
-              <a:spcBef>
-                <a:spcPts val="500"/>
-              </a:spcBef>
-              <a:buFont typeface="Arial" panose="020B0604020202020204" pitchFamily="34" charset="0"/>
-              <a:buChar char="•"/>
-              <a:defRPr sz="1800" kern="1200">
-                <a:solidFill>
-                  <a:schemeClr val="tx1"/>
-                </a:solidFill>
-                <a:latin typeface="+mn-lt"/>
-                <a:ea typeface="+mn-ea"/>
-                <a:cs typeface="+mn-cs"/>
-              </a:defRPr>
-            </a:lvl9pPr>
-          </a:lstStyle>
-          <a:p>
-            <a:r>
-              <a:rPr lang="en-US" sz="2400" dirty="0">
-                <a:latin typeface="Helvetica" pitchFamily="2" charset="0"/>
-              </a:rPr>
-              <a:t>Males: Working, House Maintenance and Vehicle Maintenance;</a:t>
-            </a:r>
-          </a:p>
-          <a:p>
-            <a:r>
-              <a:rPr lang="en-US" sz="2400" dirty="0">
-                <a:latin typeface="Helvetica" pitchFamily="2" charset="0"/>
-              </a:rPr>
-              <a:t>Females: Housework, Cooking and Childcare</a:t>
-            </a:r>
-          </a:p>
-          <a:p>
-            <a:r>
-              <a:rPr lang="en-US" sz="2400" dirty="0">
-                <a:latin typeface="Helvetica" pitchFamily="2" charset="0"/>
-              </a:rPr>
-              <a:t>The models shown on the following slides showcase the results of the analysis, plotting all of the data with the exception of July as required. </a:t>
-            </a:r>
-          </a:p>
-          <a:p>
-            <a:r>
-              <a:rPr lang="en-US" sz="2400" dirty="0">
-                <a:latin typeface="Helvetica" pitchFamily="2" charset="0"/>
-              </a:rPr>
-              <a:t>Despite using 11 months of the data here, it is critical to reiterate that all of the EDA and validation was carried out on entirely separate 6 month subsets of each year to ensure validity of the conclusions and testing.</a:t>
-            </a:r>
-          </a:p>
-          <a:p>
-            <a:r>
-              <a:rPr lang="en-US" sz="2400" b="1" dirty="0">
-                <a:latin typeface="Helvetica" pitchFamily="2" charset="0"/>
-              </a:rPr>
-              <a:t>INSERT T-TESTS ON EACH VALIDATION SLIDE FOLLOWING THIS</a:t>
-            </a:r>
-          </a:p>
-          <a:p>
-            <a:endParaRPr lang="en-US" sz="2400" dirty="0">
-              <a:latin typeface="Helvetica" pitchFamily="2" charset="0"/>
-            </a:endParaRPr>
-          </a:p>
-          <a:p>
-            <a:pPr lvl="1"/>
-            <a:endParaRPr lang="en-US" dirty="0">
-              <a:latin typeface="Helvetica" pitchFamily="2" charset="0"/>
-            </a:endParaRPr>
-          </a:p>
-        </p:txBody>
-      </p:sp>
-      <p:sp>
-        <p:nvSpPr>
-          <p:cNvPr id="4" name="Rectangle 3">
-            <a:extLst>
-              <a:ext uri="{FF2B5EF4-FFF2-40B4-BE49-F238E27FC236}">
-                <a16:creationId xmlns:a16="http://schemas.microsoft.com/office/drawing/2014/main" id="{EC761A0E-896B-3745-B32A-571A8F56071D}"/>
-              </a:ext>
-            </a:extLst>
-          </p:cNvPr>
-          <p:cNvSpPr/>
-          <p:nvPr/>
-        </p:nvSpPr>
-        <p:spPr>
-          <a:xfrm>
-            <a:off x="681925" y="615434"/>
-            <a:ext cx="1636154" cy="461665"/>
-          </a:xfrm>
-          <a:prstGeom prst="rect">
-            <a:avLst/>
-          </a:prstGeom>
-        </p:spPr>
-        <p:txBody>
-          <a:bodyPr wrap="none">
-            <a:spAutoFit/>
-          </a:bodyPr>
-          <a:lstStyle/>
-          <a:p>
-            <a:r>
-              <a:rPr lang="en-US" sz="2400" b="1" dirty="0">
-                <a:latin typeface="Helvetica" pitchFamily="2" charset="0"/>
-              </a:rPr>
-              <a:t>Validation</a:t>
-            </a:r>
-            <a:endParaRPr lang="en-US" sz="2000" b="1" dirty="0"/>
-          </a:p>
-        </p:txBody>
-      </p:sp>
-    </p:spTree>
-    <p:extLst>
-      <p:ext uri="{BB962C8B-B14F-4D97-AF65-F5344CB8AC3E}">
-        <p14:creationId xmlns:p14="http://schemas.microsoft.com/office/powerpoint/2010/main" val="2084052336"/>
-      </p:ext>
-    </p:extLst>
-  </p:cSld>
-  <p:clrMapOvr>
-    <a:masterClrMapping/>
-  </p:clrMapOvr>
-  <p:timing>
-    <p:tnLst>
-      <p:par>
-        <p:cTn id="1" dur="indefinite" restart="never" nodeType="tmRoot">
-          <p:childTnLst>
-            <p:seq concurrent="1" nextAc="seek">
-              <p:cTn id="2" dur="indefinite" nodeType="mainSeq">
-                <p:childTnLst>
-                  <p:par>
-                    <p:cTn id="3" fill="hold">
-                      <p:stCondLst>
-                        <p:cond delay="indefinite"/>
-                      </p:stCondLst>
-                      <p:childTnLst>
-                        <p:par>
-                          <p:cTn id="4" fill="hold">
-                            <p:stCondLst>
-                              <p:cond delay="0"/>
-                            </p:stCondLst>
-                            <p:childTnLst>
-                              <p:par>
-                                <p:cTn id="5" presetID="9" presetClass="entr" presetSubtype="0" fill="hold" grpId="0" nodeType="clickEffect">
-                                  <p:stCondLst>
-                                    <p:cond delay="0"/>
-                                  </p:stCondLst>
-                                  <p:childTnLst>
-                                    <p:set>
-                                      <p:cBhvr>
-                                        <p:cTn id="6" dur="1" fill="hold">
-                                          <p:stCondLst>
-                                            <p:cond delay="0"/>
-                                          </p:stCondLst>
-                                        </p:cTn>
-                                        <p:tgtEl>
-                                          <p:spTgt spid="6"/>
-                                        </p:tgtEl>
-                                        <p:attrNameLst>
-                                          <p:attrName>style.visibility</p:attrName>
-                                        </p:attrNameLst>
-                                      </p:cBhvr>
-                                      <p:to>
-                                        <p:strVal val="visible"/>
-                                      </p:to>
-                                    </p:set>
-                                    <p:animEffect transition="in" filter="dissolve">
-                                      <p:cBhvr>
-                                        <p:cTn id="7" dur="500"/>
-                                        <p:tgtEl>
-                                          <p:spTgt spid="6"/>
-                                        </p:tgtEl>
-                                      </p:cBhvr>
-                                    </p:animEffect>
-                                  </p:childTnLst>
-                                </p:cTn>
-                              </p:par>
-                            </p:childTnLst>
-                          </p:cTn>
-                        </p:par>
-                      </p:childTnLst>
-                    </p:cTn>
-                  </p:par>
-                </p:childTnLst>
-              </p:cTn>
-              <p:prevCondLst>
-                <p:cond evt="onPrev" delay="0">
-                  <p:tgtEl>
-                    <p:sldTgt/>
-                  </p:tgtEl>
-                </p:cond>
-              </p:prevCondLst>
-              <p:nextCondLst>
-                <p:cond evt="onNext" delay="0">
-                  <p:tgtEl>
-                    <p:sldTgt/>
-                  </p:tgtEl>
-                </p:cond>
-              </p:nextCondLst>
-            </p:seq>
-          </p:childTnLst>
-        </p:cTn>
-      </p:par>
-    </p:tnLst>
-    <p:bldLst>
       <p:bldP spid="6" grpId="0"/>
     </p:bldLst>
   </p:timing>

--- a/Presentation/slides (1).pptx
+++ b/Presentation/slides (1).pptx
@@ -8273,8 +8273,8 @@
         </p:nvSpPr>
         <p:spPr>
           <a:xfrm>
-            <a:off x="430306" y="320675"/>
-            <a:ext cx="10923493" cy="1325563"/>
+            <a:off x="430306" y="320676"/>
+            <a:ext cx="10923493" cy="923555"/>
           </a:xfrm>
         </p:spPr>
         <p:txBody>
@@ -8292,7 +8292,7 @@
             </a:br>
             <a:r>
               <a:rPr lang="en-US" sz="3600" b="1" dirty="0"/>
-              <a:t>Participation in Caring for &amp; Helping Non-HH Members (tu04) </a:t>
+              <a:t>Participation in Caring for &amp; Helping Non-HH Members </a:t>
             </a:r>
             <a:endParaRPr lang="en-US" sz="3600" dirty="0"/>
           </a:p>
@@ -8310,7 +8310,7 @@
         </p:nvSpPr>
         <p:spPr>
           <a:xfrm>
-            <a:off x="430307" y="1825625"/>
+            <a:off x="430306" y="1401555"/>
             <a:ext cx="11313458" cy="923555"/>
           </a:xfrm>
         </p:spPr>
@@ -8381,7 +8381,7 @@
         </p:blipFill>
         <p:spPr>
           <a:xfrm>
-            <a:off x="999287" y="2652855"/>
+            <a:off x="999287" y="2292637"/>
             <a:ext cx="7611313" cy="1258794"/>
           </a:xfrm>
           <a:prstGeom prst="rect">
@@ -8419,7 +8419,7 @@
         </p:nvSpPr>
         <p:spPr>
           <a:xfrm>
-            <a:off x="3017101" y="3001908"/>
+            <a:off x="3017101" y="2641690"/>
             <a:ext cx="735106" cy="828045"/>
           </a:xfrm>
           <a:prstGeom prst="ellipse">
@@ -8471,8 +8471,8 @@
             </p:nvSpPr>
             <p:spPr>
               <a:xfrm>
-                <a:off x="430306" y="3621010"/>
-                <a:ext cx="10923494" cy="2698244"/>
+                <a:off x="430306" y="3551430"/>
+                <a:ext cx="10923494" cy="2767823"/>
               </a:xfrm>
               <a:prstGeom prst="rect">
                 <a:avLst/>
@@ -8647,16 +8647,6 @@
                 </a:lvl9pPr>
               </a:lstStyle>
               <a:p>
-                <a:pPr marL="457200" lvl="1" indent="0">
-                  <a:buFont typeface="Arial" panose="020B0604020202020204" pitchFamily="34" charset="0"/>
-                  <a:buNone/>
-                </a:pPr>
-                <a:endParaRPr lang="en-US" dirty="0">
-                  <a:latin typeface="Helvetica" panose="020B0604020202020204" pitchFamily="34" charset="0"/>
-                  <a:cs typeface="Helvetica" panose="020B0604020202020204" pitchFamily="34" charset="0"/>
-                </a:endParaRPr>
-              </a:p>
-              <a:p>
                 <a:pPr lvl="1"/>
                 <a:r>
                   <a:rPr lang="en-US" dirty="0">
@@ -8700,6 +8690,16 @@
                   </a:rPr>
                   <a:t>Number of Household Children</a:t>
                 </a:r>
+                <a:br>
+                  <a:rPr lang="en-US" i="1" dirty="0">
+                    <a:latin typeface="Helvetica" panose="020B0604020202020204" pitchFamily="34" charset="0"/>
+                    <a:cs typeface="Helvetica" panose="020B0604020202020204" pitchFamily="34" charset="0"/>
+                  </a:rPr>
+                </a:br>
+                <a:endParaRPr lang="en-US" i="1" dirty="0">
+                  <a:latin typeface="Helvetica" panose="020B0604020202020204" pitchFamily="34" charset="0"/>
+                  <a:cs typeface="Helvetica" panose="020B0604020202020204" pitchFamily="34" charset="0"/>
+                </a:endParaRPr>
               </a:p>
               <a:p>
                 <a:pPr lvl="1"/>
@@ -8836,6 +8836,13 @@
                 </a:endParaRPr>
               </a:p>
               <a:p>
+                <a:pPr lvl="2"/>
+                <a:endParaRPr lang="en-GB" b="0" dirty="0">
+                  <a:latin typeface="Helvetica" panose="020B0604020202020204" pitchFamily="34" charset="0"/>
+                  <a:cs typeface="Helvetica" panose="020B0604020202020204" pitchFamily="34" charset="0"/>
+                </a:endParaRPr>
+              </a:p>
+              <a:p>
                 <a:pPr lvl="1"/>
                 <a:r>
                   <a:rPr lang="en-US" dirty="0">
@@ -8958,8 +8965,8 @@
             </p:nvSpPr>
             <p:spPr>
               <a:xfrm>
-                <a:off x="430306" y="3621010"/>
-                <a:ext cx="10923494" cy="2698244"/>
+                <a:off x="430306" y="3551430"/>
+                <a:ext cx="10923494" cy="2767823"/>
               </a:xfrm>
               <a:prstGeom prst="rect">
                 <a:avLst/>
@@ -8967,7 +8974,7 @@
               <a:blipFill>
                 <a:blip r:embed="rId4"/>
                 <a:stretch>
-                  <a:fillRect r="-670"/>
+                  <a:fillRect t="-3744" r="-670" b="-1101"/>
                 </a:stretch>
               </a:blipFill>
             </p:spPr>
@@ -9351,7 +9358,7 @@
         </p:nvSpPr>
         <p:spPr>
           <a:xfrm>
-            <a:off x="7638473" y="205834"/>
+            <a:off x="7638473" y="473690"/>
             <a:ext cx="4045527" cy="1308147"/>
           </a:xfrm>
           <a:prstGeom prst="rect">
@@ -9941,7 +9948,7 @@
         </p:nvSpPr>
         <p:spPr>
           <a:xfrm>
-            <a:off x="7638472" y="2262918"/>
+            <a:off x="7638472" y="2530774"/>
             <a:ext cx="4045528" cy="2490936"/>
           </a:xfrm>
           <a:prstGeom prst="rect">
@@ -10188,7 +10195,7 @@
         </p:blipFill>
         <p:spPr>
           <a:xfrm>
-            <a:off x="550735" y="312644"/>
+            <a:off x="482193" y="478899"/>
             <a:ext cx="7112814" cy="4360954"/>
           </a:xfrm>
           <a:prstGeom prst="rect">

--- a/Presentation/slides (1).pptx
+++ b/Presentation/slides (1).pptx
@@ -5,10 +5,10 @@
     <p:sldMasterId id="2147483726" r:id="rId1"/>
   </p:sldMasterIdLst>
   <p:notesMasterIdLst>
-    <p:notesMasterId r:id="rId19"/>
+    <p:notesMasterId r:id="rId18"/>
   </p:notesMasterIdLst>
   <p:handoutMasterIdLst>
-    <p:handoutMasterId r:id="rId20"/>
+    <p:handoutMasterId r:id="rId19"/>
   </p:handoutMasterIdLst>
   <p:sldIdLst>
     <p:sldId id="256" r:id="rId2"/>
@@ -16,18 +16,17 @@
     <p:sldId id="270" r:id="rId4"/>
     <p:sldId id="267" r:id="rId5"/>
     <p:sldId id="271" r:id="rId6"/>
-    <p:sldId id="274" r:id="rId7"/>
-    <p:sldId id="259" r:id="rId8"/>
-    <p:sldId id="268" r:id="rId9"/>
-    <p:sldId id="262" r:id="rId10"/>
-    <p:sldId id="272" r:id="rId11"/>
-    <p:sldId id="261" r:id="rId12"/>
-    <p:sldId id="263" r:id="rId13"/>
-    <p:sldId id="264" r:id="rId14"/>
-    <p:sldId id="265" r:id="rId15"/>
-    <p:sldId id="260" r:id="rId16"/>
-    <p:sldId id="269" r:id="rId17"/>
-    <p:sldId id="266" r:id="rId18"/>
+    <p:sldId id="259" r:id="rId7"/>
+    <p:sldId id="268" r:id="rId8"/>
+    <p:sldId id="262" r:id="rId9"/>
+    <p:sldId id="272" r:id="rId10"/>
+    <p:sldId id="261" r:id="rId11"/>
+    <p:sldId id="263" r:id="rId12"/>
+    <p:sldId id="264" r:id="rId13"/>
+    <p:sldId id="265" r:id="rId14"/>
+    <p:sldId id="260" r:id="rId15"/>
+    <p:sldId id="269" r:id="rId16"/>
+    <p:sldId id="266" r:id="rId17"/>
   </p:sldIdLst>
   <p:sldSz cx="12192000" cy="6858000"/>
   <p:notesSz cx="6858000" cy="9144000"/>
@@ -134,18 +133,6 @@
 </p:presentation>
 </file>
 
-<file path=ppt/commentAuthors.xml><?xml version="1.0" encoding="utf-8"?>
-<p:cmAuthorLst xmlns:a="http://schemas.openxmlformats.org/drawingml/2006/main" xmlns:r="http://schemas.openxmlformats.org/officeDocument/2006/relationships" xmlns:p="http://schemas.openxmlformats.org/presentationml/2006/main">
-  <p:cmAuthor id="1" name="Daniel Timmers" initials="DT" lastIdx="2" clrIdx="0">
-    <p:extLst>
-      <p:ext uri="{19B8F6BF-5375-455C-9EA6-DF929625EA0E}">
-        <p15:presenceInfo xmlns:p15="http://schemas.microsoft.com/office/powerpoint/2012/main" userId="ac8968fed2b2d554" providerId="Windows Live"/>
-      </p:ext>
-    </p:extLst>
-  </p:cmAuthor>
-</p:cmAuthorLst>
-</file>
-
 <file path=ppt/handoutMasters/handoutMaster1.xml><?xml version="1.0" encoding="utf-8"?>
 <p:handoutMaster xmlns:a="http://schemas.openxmlformats.org/drawingml/2006/main" xmlns:r="http://schemas.openxmlformats.org/officeDocument/2006/relationships" xmlns:p="http://schemas.openxmlformats.org/presentationml/2006/main">
   <p:cSld>
@@ -228,7 +215,7 @@
           <a:p>
             <a:fld id="{399A1281-EC3D-BB43-AA96-913FD7E8EC86}" type="datetimeFigureOut">
               <a:rPr lang="en-US" smtClean="0"/>
-              <a:t>12/3/2018</a:t>
+              <a:t>12/2/2018</a:t>
             </a:fld>
             <a:endParaRPr lang="en-US"/>
           </a:p>
@@ -394,7 +381,7 @@
           <a:p>
             <a:fld id="{E12BEB3F-2971-1B46-8386-06C38AC41BFA}" type="datetimeFigureOut">
               <a:rPr lang="en-US" smtClean="0"/>
-              <a:t>12/3/2018</a:t>
+              <a:t>12/2/2018</a:t>
             </a:fld>
             <a:endParaRPr lang="en-US"/>
           </a:p>
@@ -706,10 +693,6 @@
           <a:bodyPr/>
           <a:lstStyle/>
           <a:p>
-            <a:r>
-              <a:rPr lang="en-GB" dirty="0"/>
-              <a:t>Two slightly different approaches to EDA were attempted; in the first section there were very few assumptions made, as inference was extracted from the data using its observed features, whilst the second section takes a more high level approach in posing a question to investigate and then forming hypotheses in the EDA section on training data which are to be validated.</a:t>
-            </a:r>
             <a:endParaRPr lang="en-US" dirty="0"/>
           </a:p>
         </p:txBody>
@@ -741,90 +724,6 @@
     <p:extLst>
       <p:ext uri="{BB962C8B-B14F-4D97-AF65-F5344CB8AC3E}">
         <p14:creationId xmlns:p14="http://schemas.microsoft.com/office/powerpoint/2010/main" val="1431744239"/>
-      </p:ext>
-    </p:extLst>
-  </p:cSld>
-  <p:clrMapOvr>
-    <a:masterClrMapping/>
-  </p:clrMapOvr>
-</p:notes>
-</file>
-
-<file path=ppt/notesSlides/notesSlide10.xml><?xml version="1.0" encoding="utf-8"?>
-<p:notes xmlns:a="http://schemas.openxmlformats.org/drawingml/2006/main" xmlns:r="http://schemas.openxmlformats.org/officeDocument/2006/relationships" xmlns:p="http://schemas.openxmlformats.org/presentationml/2006/main">
-  <p:cSld>
-    <p:spTree>
-      <p:nvGrpSpPr>
-        <p:cNvPr id="1" name=""/>
-        <p:cNvGrpSpPr/>
-        <p:nvPr/>
-      </p:nvGrpSpPr>
-      <p:grpSpPr>
-        <a:xfrm>
-          <a:off x="0" y="0"/>
-          <a:ext cx="0" cy="0"/>
-          <a:chOff x="0" y="0"/>
-          <a:chExt cx="0" cy="0"/>
-        </a:xfrm>
-      </p:grpSpPr>
-      <p:sp>
-        <p:nvSpPr>
-          <p:cNvPr id="2" name="Slide Image Placeholder 1"/>
-          <p:cNvSpPr>
-            <a:spLocks noGrp="1" noRot="1" noChangeAspect="1"/>
-          </p:cNvSpPr>
-          <p:nvPr>
-            <p:ph type="sldImg"/>
-          </p:nvPr>
-        </p:nvSpPr>
-        <p:spPr/>
-      </p:sp>
-      <p:sp>
-        <p:nvSpPr>
-          <p:cNvPr id="3" name="Notes Placeholder 2"/>
-          <p:cNvSpPr>
-            <a:spLocks noGrp="1"/>
-          </p:cNvSpPr>
-          <p:nvPr>
-            <p:ph type="body" idx="1"/>
-          </p:nvPr>
-        </p:nvSpPr>
-        <p:spPr/>
-        <p:txBody>
-          <a:bodyPr/>
-          <a:lstStyle/>
-          <a:p>
-            <a:endParaRPr lang="en-US"/>
-          </a:p>
-        </p:txBody>
-      </p:sp>
-      <p:sp>
-        <p:nvSpPr>
-          <p:cNvPr id="4" name="Slide Number Placeholder 3"/>
-          <p:cNvSpPr>
-            <a:spLocks noGrp="1"/>
-          </p:cNvSpPr>
-          <p:nvPr>
-            <p:ph type="sldNum" sz="quarter" idx="10"/>
-          </p:nvPr>
-        </p:nvSpPr>
-        <p:spPr/>
-        <p:txBody>
-          <a:bodyPr/>
-          <a:lstStyle/>
-          <a:p>
-            <a:fld id="{DEE6E51E-8BFE-ED48-BDEE-3A04CC6C7478}" type="slidenum">
-              <a:rPr lang="en-US" smtClean="0"/>
-              <a:t>15</a:t>
-            </a:fld>
-            <a:endParaRPr lang="en-US"/>
-          </a:p>
-        </p:txBody>
-      </p:sp>
-    </p:spTree>
-    <p:extLst>
-      <p:ext uri="{BB962C8B-B14F-4D97-AF65-F5344CB8AC3E}">
-        <p14:creationId xmlns:p14="http://schemas.microsoft.com/office/powerpoint/2010/main" val="1780172261"/>
       </p:ext>
     </p:extLst>
   </p:cSld>
@@ -878,48 +777,6 @@
           <a:bodyPr/>
           <a:lstStyle/>
           <a:p>
-            <a:pPr marL="171450" indent="-171450">
-              <a:buFont typeface="Arial" panose="020B0604020202020204" pitchFamily="34" charset="0"/>
-              <a:buChar char="•"/>
-            </a:pPr>
-            <a:r>
-              <a:rPr lang="en-US" dirty="0"/>
-              <a:t>The 2 types of measures we decided upon were </a:t>
-            </a:r>
-            <a:r>
-              <a:rPr lang="en-US" b="1" dirty="0"/>
-              <a:t>Variance </a:t>
-            </a:r>
-            <a:r>
-              <a:rPr lang="en-US" dirty="0"/>
-              <a:t>and </a:t>
-            </a:r>
-            <a:r>
-              <a:rPr lang="en-US" b="1" dirty="0"/>
-              <a:t>% change.</a:t>
-            </a:r>
-            <a:r>
-              <a:rPr lang="en-US" dirty="0"/>
-              <a:t> </a:t>
-            </a:r>
-          </a:p>
-          <a:p>
-            <a:pPr marL="171450" indent="-171450">
-              <a:buFont typeface="Arial" panose="020B0604020202020204" pitchFamily="34" charset="0"/>
-              <a:buChar char="•"/>
-            </a:pPr>
-            <a:r>
-              <a:rPr lang="en-US" dirty="0"/>
-              <a:t>W</a:t>
-            </a:r>
-            <a:r>
-              <a:rPr lang="en-GB" dirty="0" err="1"/>
-              <a:t>ithout</a:t>
-            </a:r>
-            <a:r>
-              <a:rPr lang="en-GB" dirty="0"/>
-              <a:t> some further exploration, this is arguably uninteresting</a:t>
-            </a:r>
             <a:endParaRPr lang="en-US" dirty="0"/>
           </a:p>
         </p:txBody>
@@ -1004,24 +861,7 @@
           <a:bodyPr/>
           <a:lstStyle/>
           <a:p>
-            <a:pPr marL="171450" indent="-171450">
-              <a:buFont typeface="Arial" panose="020B0604020202020204" pitchFamily="34" charset="0"/>
-              <a:buChar char="•"/>
-            </a:pPr>
-            <a:r>
-              <a:rPr lang="en-US" dirty="0"/>
-              <a:t>The plot is built on the training data</a:t>
-            </a:r>
-          </a:p>
-          <a:p>
-            <a:pPr marL="171450" indent="-171450">
-              <a:buFont typeface="Arial" panose="020B0604020202020204" pitchFamily="34" charset="0"/>
-              <a:buChar char="•"/>
-            </a:pPr>
-            <a:r>
-              <a:rPr lang="en-US" dirty="0"/>
-              <a:t>Simple linear model used as we want to conclude on long term trends</a:t>
-            </a:r>
+            <a:endParaRPr lang="en-US" dirty="0"/>
           </a:p>
         </p:txBody>
       </p:sp>
@@ -1105,7 +945,7 @@
           <a:bodyPr/>
           <a:lstStyle/>
           <a:p>
-            <a:endParaRPr lang="en-US" dirty="0"/>
+            <a:endParaRPr lang="en-US"/>
           </a:p>
         </p:txBody>
       </p:sp>
@@ -1189,7 +1029,7 @@
           <a:bodyPr/>
           <a:lstStyle/>
           <a:p>
-            <a:endParaRPr lang="en-GB" dirty="0"/>
+            <a:endParaRPr lang="en-US" dirty="0"/>
           </a:p>
         </p:txBody>
       </p:sp>
@@ -1200,7 +1040,7 @@
             <a:spLocks noGrp="1"/>
           </p:cNvSpPr>
           <p:nvPr>
-            <p:ph type="sldNum" sz="quarter" idx="5"/>
+            <p:ph type="sldNum" sz="quarter" idx="10"/>
           </p:nvPr>
         </p:nvSpPr>
         <p:spPr/>
@@ -1219,7 +1059,7 @@
     </p:spTree>
     <p:extLst>
       <p:ext uri="{BB962C8B-B14F-4D97-AF65-F5344CB8AC3E}">
-        <p14:creationId xmlns:p14="http://schemas.microsoft.com/office/powerpoint/2010/main" val="386813165"/>
+        <p14:creationId xmlns:p14="http://schemas.microsoft.com/office/powerpoint/2010/main" val="1967513926"/>
       </p:ext>
     </p:extLst>
   </p:cSld>
@@ -1273,7 +1113,7 @@
           <a:bodyPr/>
           <a:lstStyle/>
           <a:p>
-            <a:endParaRPr lang="en-US" dirty="0"/>
+            <a:endParaRPr lang="en-US"/>
           </a:p>
         </p:txBody>
       </p:sp>
@@ -1303,7 +1143,7 @@
     </p:spTree>
     <p:extLst>
       <p:ext uri="{BB962C8B-B14F-4D97-AF65-F5344CB8AC3E}">
-        <p14:creationId xmlns:p14="http://schemas.microsoft.com/office/powerpoint/2010/main" val="1967513926"/>
+        <p14:creationId xmlns:p14="http://schemas.microsoft.com/office/powerpoint/2010/main" val="1887658390"/>
       </p:ext>
     </p:extLst>
   </p:cSld>
@@ -1387,7 +1227,7 @@
     </p:spTree>
     <p:extLst>
       <p:ext uri="{BB962C8B-B14F-4D97-AF65-F5344CB8AC3E}">
-        <p14:creationId xmlns:p14="http://schemas.microsoft.com/office/powerpoint/2010/main" val="1887658390"/>
+        <p14:creationId xmlns:p14="http://schemas.microsoft.com/office/powerpoint/2010/main" val="1151978198"/>
       </p:ext>
     </p:extLst>
   </p:cSld>
@@ -1471,7 +1311,7 @@
     </p:spTree>
     <p:extLst>
       <p:ext uri="{BB962C8B-B14F-4D97-AF65-F5344CB8AC3E}">
-        <p14:creationId xmlns:p14="http://schemas.microsoft.com/office/powerpoint/2010/main" val="1151978198"/>
+        <p14:creationId xmlns:p14="http://schemas.microsoft.com/office/powerpoint/2010/main" val="3068061575"/>
       </p:ext>
     </p:extLst>
   </p:cSld>
@@ -1546,7 +1386,7 @@
           <a:p>
             <a:fld id="{DEE6E51E-8BFE-ED48-BDEE-3A04CC6C7478}" type="slidenum">
               <a:rPr lang="en-US" smtClean="0"/>
-              <a:t>10</a:t>
+              <a:t>14</a:t>
             </a:fld>
             <a:endParaRPr lang="en-US"/>
           </a:p>
@@ -1555,7 +1395,7 @@
     </p:spTree>
     <p:extLst>
       <p:ext uri="{BB962C8B-B14F-4D97-AF65-F5344CB8AC3E}">
-        <p14:creationId xmlns:p14="http://schemas.microsoft.com/office/powerpoint/2010/main" val="3068061575"/>
+        <p14:creationId xmlns:p14="http://schemas.microsoft.com/office/powerpoint/2010/main" val="1780172261"/>
       </p:ext>
     </p:extLst>
   </p:cSld>
@@ -1696,7 +1536,7 @@
           <a:p>
             <a:fld id="{7C722AF1-712D-BC47-88AB-F9A88AFA6E83}" type="datetime1">
               <a:rPr lang="en-GB" smtClean="0"/>
-              <a:t>03/12/2018</a:t>
+              <a:t>02/12/2018</a:t>
             </a:fld>
             <a:endParaRPr lang="en-US"/>
           </a:p>
@@ -1866,7 +1706,7 @@
           <a:p>
             <a:fld id="{193B9731-FEE3-DD4E-A491-C3EB5B171E67}" type="datetime1">
               <a:rPr lang="en-GB" smtClean="0"/>
-              <a:t>03/12/2018</a:t>
+              <a:t>02/12/2018</a:t>
             </a:fld>
             <a:endParaRPr lang="en-US"/>
           </a:p>
@@ -2046,7 +1886,7 @@
           <a:p>
             <a:fld id="{A0A5459C-06BA-9A49-B5CD-0A1611FD77FA}" type="datetime1">
               <a:rPr lang="en-GB" smtClean="0"/>
-              <a:t>03/12/2018</a:t>
+              <a:t>02/12/2018</a:t>
             </a:fld>
             <a:endParaRPr lang="en-US"/>
           </a:p>
@@ -2216,7 +2056,7 @@
           <a:p>
             <a:fld id="{A8B376C4-0EAD-8843-8320-8987177C171C}" type="datetime1">
               <a:rPr lang="en-GB" smtClean="0"/>
-              <a:t>03/12/2018</a:t>
+              <a:t>02/12/2018</a:t>
             </a:fld>
             <a:endParaRPr lang="en-US"/>
           </a:p>
@@ -2462,7 +2302,7 @@
           <a:p>
             <a:fld id="{D3E22539-4E82-9E44-885A-4501528069A1}" type="datetime1">
               <a:rPr lang="en-GB" smtClean="0"/>
-              <a:t>03/12/2018</a:t>
+              <a:t>02/12/2018</a:t>
             </a:fld>
             <a:endParaRPr lang="en-US"/>
           </a:p>
@@ -2694,7 +2534,7 @@
           <a:p>
             <a:fld id="{7AD4997D-1E74-514B-A123-F3BBD7E0FAAC}" type="datetime1">
               <a:rPr lang="en-GB" smtClean="0"/>
-              <a:t>03/12/2018</a:t>
+              <a:t>02/12/2018</a:t>
             </a:fld>
             <a:endParaRPr lang="en-US"/>
           </a:p>
@@ -3061,7 +2901,7 @@
           <a:p>
             <a:fld id="{2FDA2C0C-9638-C64C-A1E8-32CCEEE1076D}" type="datetime1">
               <a:rPr lang="en-GB" smtClean="0"/>
-              <a:t>03/12/2018</a:t>
+              <a:t>02/12/2018</a:t>
             </a:fld>
             <a:endParaRPr lang="en-US"/>
           </a:p>
@@ -3179,7 +3019,7 @@
           <a:p>
             <a:fld id="{9D80DC83-604D-4A4A-9DA8-19F00A160C4F}" type="datetime1">
               <a:rPr lang="en-GB" smtClean="0"/>
-              <a:t>03/12/2018</a:t>
+              <a:t>02/12/2018</a:t>
             </a:fld>
             <a:endParaRPr lang="en-US"/>
           </a:p>
@@ -3274,7 +3114,7 @@
           <a:p>
             <a:fld id="{411692A7-F064-D449-8113-FF6F9F4E5961}" type="datetime1">
               <a:rPr lang="en-GB" smtClean="0"/>
-              <a:t>03/12/2018</a:t>
+              <a:t>02/12/2018</a:t>
             </a:fld>
             <a:endParaRPr lang="en-US"/>
           </a:p>
@@ -3551,7 +3391,7 @@
           <a:p>
             <a:fld id="{5928C0E2-D434-5D40-BC69-0BFB568718EB}" type="datetime1">
               <a:rPr lang="en-GB" smtClean="0"/>
-              <a:t>03/12/2018</a:t>
+              <a:t>02/12/2018</a:t>
             </a:fld>
             <a:endParaRPr lang="en-US"/>
           </a:p>
@@ -3808,7 +3648,7 @@
           <a:p>
             <a:fld id="{C942FF80-BE12-4B48-86C7-D31FCB0AE589}" type="datetime1">
               <a:rPr lang="en-GB" smtClean="0"/>
-              <a:t>03/12/2018</a:t>
+              <a:t>02/12/2018</a:t>
             </a:fld>
             <a:endParaRPr lang="en-US"/>
           </a:p>
@@ -4019,7 +3859,7 @@
           <a:p>
             <a:fld id="{A759835F-895C-B045-B065-EA0EBAD3FFB8}" type="datetime1">
               <a:rPr lang="en-GB" smtClean="0"/>
-              <a:t>03/12/2018</a:t>
+              <a:t>02/12/2018</a:t>
             </a:fld>
             <a:endParaRPr lang="en-US"/>
           </a:p>
@@ -4565,7 +4405,7 @@
       </p:grpSpPr>
       <p:sp>
         <p:nvSpPr>
-          <p:cNvPr id="3" name="Footer Placeholder 2"/>
+          <p:cNvPr id="5" name="Footer Placeholder 4"/>
           <p:cNvSpPr>
             <a:spLocks noGrp="1"/>
           </p:cNvSpPr>
@@ -4580,14 +4420,14 @@
           <a:p>
             <a:r>
               <a:rPr lang="en-US" dirty="0"/>
-              <a:t>Observation 2 – Validation</a:t>
-            </a:r>
-          </a:p>
-        </p:txBody>
-      </p:sp>
-      <p:sp>
-        <p:nvSpPr>
-          <p:cNvPr id="2" name="Slide Number Placeholder 1"/>
+              <a:t>Fluctuation 2 – Validation – Males - Working</a:t>
+            </a:r>
+          </a:p>
+        </p:txBody>
+      </p:sp>
+      <p:sp>
+        <p:nvSpPr>
+          <p:cNvPr id="3" name="Slide Number Placeholder 2"/>
           <p:cNvSpPr>
             <a:spLocks noGrp="1"/>
           </p:cNvSpPr>
@@ -4603,442 +4443,6 @@
             <a:fld id="{73C26548-949F-BF45-9AAC-1ABF92E0F60B}" type="slidenum">
               <a:rPr lang="en-US" smtClean="0"/>
               <a:t>10</a:t>
-            </a:fld>
-            <a:endParaRPr lang="en-US"/>
-          </a:p>
-        </p:txBody>
-      </p:sp>
-      <p:sp>
-        <p:nvSpPr>
-          <p:cNvPr id="6" name="Content Placeholder 2"/>
-          <p:cNvSpPr txBox="1">
-            <a:spLocks/>
-          </p:cNvSpPr>
-          <p:nvPr/>
-        </p:nvSpPr>
-        <p:spPr>
-          <a:xfrm>
-            <a:off x="681925" y="1457268"/>
-            <a:ext cx="10671875" cy="3176724"/>
-          </a:xfrm>
-          <a:prstGeom prst="rect">
-            <a:avLst/>
-          </a:prstGeom>
-        </p:spPr>
-        <p:txBody>
-          <a:bodyPr vert="horz" lIns="91440" tIns="45720" rIns="91440" bIns="45720" rtlCol="0">
-            <a:noAutofit/>
-          </a:bodyPr>
-          <a:lstStyle>
-            <a:lvl1pPr marL="228600" indent="-228600" algn="l" defTabSz="914400" rtl="0" eaLnBrk="1" latinLnBrk="0" hangingPunct="1">
-              <a:lnSpc>
-                <a:spcPct val="90000"/>
-              </a:lnSpc>
-              <a:spcBef>
-                <a:spcPts val="1000"/>
-              </a:spcBef>
-              <a:buFont typeface="Arial" panose="020B0604020202020204" pitchFamily="34" charset="0"/>
-              <a:buChar char="•"/>
-              <a:defRPr sz="2800" kern="1200">
-                <a:solidFill>
-                  <a:schemeClr val="tx1"/>
-                </a:solidFill>
-                <a:latin typeface="+mn-lt"/>
-                <a:ea typeface="+mn-ea"/>
-                <a:cs typeface="+mn-cs"/>
-              </a:defRPr>
-            </a:lvl1pPr>
-            <a:lvl2pPr marL="685800" indent="-228600" algn="l" defTabSz="914400" rtl="0" eaLnBrk="1" latinLnBrk="0" hangingPunct="1">
-              <a:lnSpc>
-                <a:spcPct val="90000"/>
-              </a:lnSpc>
-              <a:spcBef>
-                <a:spcPts val="500"/>
-              </a:spcBef>
-              <a:buFont typeface="Arial" panose="020B0604020202020204" pitchFamily="34" charset="0"/>
-              <a:buChar char="•"/>
-              <a:defRPr sz="2400" kern="1200">
-                <a:solidFill>
-                  <a:schemeClr val="tx1"/>
-                </a:solidFill>
-                <a:latin typeface="+mn-lt"/>
-                <a:ea typeface="+mn-ea"/>
-                <a:cs typeface="+mn-cs"/>
-              </a:defRPr>
-            </a:lvl2pPr>
-            <a:lvl3pPr marL="1143000" indent="-228600" algn="l" defTabSz="914400" rtl="0" eaLnBrk="1" latinLnBrk="0" hangingPunct="1">
-              <a:lnSpc>
-                <a:spcPct val="90000"/>
-              </a:lnSpc>
-              <a:spcBef>
-                <a:spcPts val="500"/>
-              </a:spcBef>
-              <a:buFont typeface="Arial" panose="020B0604020202020204" pitchFamily="34" charset="0"/>
-              <a:buChar char="•"/>
-              <a:defRPr sz="2000" kern="1200">
-                <a:solidFill>
-                  <a:schemeClr val="tx1"/>
-                </a:solidFill>
-                <a:latin typeface="+mn-lt"/>
-                <a:ea typeface="+mn-ea"/>
-                <a:cs typeface="+mn-cs"/>
-              </a:defRPr>
-            </a:lvl3pPr>
-            <a:lvl4pPr marL="1600200" indent="-228600" algn="l" defTabSz="914400" rtl="0" eaLnBrk="1" latinLnBrk="0" hangingPunct="1">
-              <a:lnSpc>
-                <a:spcPct val="90000"/>
-              </a:lnSpc>
-              <a:spcBef>
-                <a:spcPts val="500"/>
-              </a:spcBef>
-              <a:buFont typeface="Arial" panose="020B0604020202020204" pitchFamily="34" charset="0"/>
-              <a:buChar char="•"/>
-              <a:defRPr sz="1800" kern="1200">
-                <a:solidFill>
-                  <a:schemeClr val="tx1"/>
-                </a:solidFill>
-                <a:latin typeface="+mn-lt"/>
-                <a:ea typeface="+mn-ea"/>
-                <a:cs typeface="+mn-cs"/>
-              </a:defRPr>
-            </a:lvl4pPr>
-            <a:lvl5pPr marL="2057400" indent="-228600" algn="l" defTabSz="914400" rtl="0" eaLnBrk="1" latinLnBrk="0" hangingPunct="1">
-              <a:lnSpc>
-                <a:spcPct val="90000"/>
-              </a:lnSpc>
-              <a:spcBef>
-                <a:spcPts val="500"/>
-              </a:spcBef>
-              <a:buFont typeface="Arial" panose="020B0604020202020204" pitchFamily="34" charset="0"/>
-              <a:buChar char="•"/>
-              <a:defRPr sz="1800" kern="1200">
-                <a:solidFill>
-                  <a:schemeClr val="tx1"/>
-                </a:solidFill>
-                <a:latin typeface="+mn-lt"/>
-                <a:ea typeface="+mn-ea"/>
-                <a:cs typeface="+mn-cs"/>
-              </a:defRPr>
-            </a:lvl5pPr>
-            <a:lvl6pPr marL="2514600" indent="-228600" algn="l" defTabSz="914400" rtl="0" eaLnBrk="1" latinLnBrk="0" hangingPunct="1">
-              <a:lnSpc>
-                <a:spcPct val="90000"/>
-              </a:lnSpc>
-              <a:spcBef>
-                <a:spcPts val="500"/>
-              </a:spcBef>
-              <a:buFont typeface="Arial" panose="020B0604020202020204" pitchFamily="34" charset="0"/>
-              <a:buChar char="•"/>
-              <a:defRPr sz="1800" kern="1200">
-                <a:solidFill>
-                  <a:schemeClr val="tx1"/>
-                </a:solidFill>
-                <a:latin typeface="+mn-lt"/>
-                <a:ea typeface="+mn-ea"/>
-                <a:cs typeface="+mn-cs"/>
-              </a:defRPr>
-            </a:lvl6pPr>
-            <a:lvl7pPr marL="2971800" indent="-228600" algn="l" defTabSz="914400" rtl="0" eaLnBrk="1" latinLnBrk="0" hangingPunct="1">
-              <a:lnSpc>
-                <a:spcPct val="90000"/>
-              </a:lnSpc>
-              <a:spcBef>
-                <a:spcPts val="500"/>
-              </a:spcBef>
-              <a:buFont typeface="Arial" panose="020B0604020202020204" pitchFamily="34" charset="0"/>
-              <a:buChar char="•"/>
-              <a:defRPr sz="1800" kern="1200">
-                <a:solidFill>
-                  <a:schemeClr val="tx1"/>
-                </a:solidFill>
-                <a:latin typeface="+mn-lt"/>
-                <a:ea typeface="+mn-ea"/>
-                <a:cs typeface="+mn-cs"/>
-              </a:defRPr>
-            </a:lvl7pPr>
-            <a:lvl8pPr marL="3429000" indent="-228600" algn="l" defTabSz="914400" rtl="0" eaLnBrk="1" latinLnBrk="0" hangingPunct="1">
-              <a:lnSpc>
-                <a:spcPct val="90000"/>
-              </a:lnSpc>
-              <a:spcBef>
-                <a:spcPts val="500"/>
-              </a:spcBef>
-              <a:buFont typeface="Arial" panose="020B0604020202020204" pitchFamily="34" charset="0"/>
-              <a:buChar char="•"/>
-              <a:defRPr sz="1800" kern="1200">
-                <a:solidFill>
-                  <a:schemeClr val="tx1"/>
-                </a:solidFill>
-                <a:latin typeface="+mn-lt"/>
-                <a:ea typeface="+mn-ea"/>
-                <a:cs typeface="+mn-cs"/>
-              </a:defRPr>
-            </a:lvl8pPr>
-            <a:lvl9pPr marL="3886200" indent="-228600" algn="l" defTabSz="914400" rtl="0" eaLnBrk="1" latinLnBrk="0" hangingPunct="1">
-              <a:lnSpc>
-                <a:spcPct val="90000"/>
-              </a:lnSpc>
-              <a:spcBef>
-                <a:spcPts val="500"/>
-              </a:spcBef>
-              <a:buFont typeface="Arial" panose="020B0604020202020204" pitchFamily="34" charset="0"/>
-              <a:buChar char="•"/>
-              <a:defRPr sz="1800" kern="1200">
-                <a:solidFill>
-                  <a:schemeClr val="tx1"/>
-                </a:solidFill>
-                <a:latin typeface="+mn-lt"/>
-                <a:ea typeface="+mn-ea"/>
-                <a:cs typeface="+mn-cs"/>
-              </a:defRPr>
-            </a:lvl9pPr>
-          </a:lstStyle>
-          <a:p>
-            <a:r>
-              <a:rPr lang="en-US" sz="2400" dirty="0">
-                <a:latin typeface="Helvetica" pitchFamily="2" charset="0"/>
-              </a:rPr>
-              <a:t>Males: Working, House Maintenance and Vehicle Maintenance;</a:t>
-            </a:r>
-          </a:p>
-          <a:p>
-            <a:r>
-              <a:rPr lang="en-US" sz="2400" dirty="0">
-                <a:latin typeface="Helvetica" pitchFamily="2" charset="0"/>
-              </a:rPr>
-              <a:t>Females: Housework, Cooking and Childcare</a:t>
-            </a:r>
-          </a:p>
-          <a:p>
-            <a:r>
-              <a:rPr lang="en-US" sz="2400" dirty="0">
-                <a:latin typeface="Helvetica" pitchFamily="2" charset="0"/>
-              </a:rPr>
-              <a:t>The models shown on the following slides showcase the results of the analysis, plotting all of the data with the exception of July as required. </a:t>
-            </a:r>
-          </a:p>
-          <a:p>
-            <a:r>
-              <a:rPr lang="en-US" sz="2400" dirty="0">
-                <a:latin typeface="Helvetica" pitchFamily="2" charset="0"/>
-              </a:rPr>
-              <a:t>Despite using 11 months of the data here, it is critical to reiterate that all of the EDA and validation was carried out on entirely separate 6 month subsets of each year to ensure validity of the conclusions and testing.</a:t>
-            </a:r>
-          </a:p>
-          <a:p>
-            <a:r>
-              <a:rPr lang="en-US" sz="2400" b="1" dirty="0">
-                <a:latin typeface="Helvetica" pitchFamily="2" charset="0"/>
-              </a:rPr>
-              <a:t>INSERT T-TESTS ON EACH VALIDATION SLIDE FOLLOWING THIS</a:t>
-            </a:r>
-          </a:p>
-          <a:p>
-            <a:endParaRPr lang="en-US" sz="2400" dirty="0">
-              <a:latin typeface="Helvetica" pitchFamily="2" charset="0"/>
-            </a:endParaRPr>
-          </a:p>
-          <a:p>
-            <a:pPr lvl="1"/>
-            <a:endParaRPr lang="en-US" dirty="0">
-              <a:latin typeface="Helvetica" pitchFamily="2" charset="0"/>
-            </a:endParaRPr>
-          </a:p>
-        </p:txBody>
-      </p:sp>
-      <p:sp>
-        <p:nvSpPr>
-          <p:cNvPr id="4" name="Rectangle 3">
-            <a:extLst>
-              <a:ext uri="{FF2B5EF4-FFF2-40B4-BE49-F238E27FC236}">
-                <a16:creationId xmlns:a16="http://schemas.microsoft.com/office/drawing/2014/main" id="{EC761A0E-896B-3745-B32A-571A8F56071D}"/>
-              </a:ext>
-            </a:extLst>
-          </p:cNvPr>
-          <p:cNvSpPr/>
-          <p:nvPr/>
-        </p:nvSpPr>
-        <p:spPr>
-          <a:xfrm>
-            <a:off x="681925" y="615434"/>
-            <a:ext cx="1636154" cy="461665"/>
-          </a:xfrm>
-          <a:prstGeom prst="rect">
-            <a:avLst/>
-          </a:prstGeom>
-        </p:spPr>
-        <p:txBody>
-          <a:bodyPr wrap="none">
-            <a:spAutoFit/>
-          </a:bodyPr>
-          <a:lstStyle/>
-          <a:p>
-            <a:r>
-              <a:rPr lang="en-US" sz="2400" b="1" dirty="0">
-                <a:latin typeface="Helvetica" pitchFamily="2" charset="0"/>
-              </a:rPr>
-              <a:t>Validation</a:t>
-            </a:r>
-            <a:endParaRPr lang="en-US" sz="2000" b="1" dirty="0"/>
-          </a:p>
-        </p:txBody>
-      </p:sp>
-    </p:spTree>
-    <p:extLst>
-      <p:ext uri="{BB962C8B-B14F-4D97-AF65-F5344CB8AC3E}">
-        <p14:creationId xmlns:p14="http://schemas.microsoft.com/office/powerpoint/2010/main" val="2084052336"/>
-      </p:ext>
-    </p:extLst>
-  </p:cSld>
-  <p:clrMapOvr>
-    <a:masterClrMapping/>
-  </p:clrMapOvr>
-  <p:timing>
-    <p:tnLst>
-      <p:par>
-        <p:cTn id="1" dur="indefinite" restart="never" nodeType="tmRoot">
-          <p:childTnLst>
-            <p:seq concurrent="1" nextAc="seek">
-              <p:cTn id="2" dur="indefinite" nodeType="mainSeq">
-                <p:childTnLst>
-                  <p:par>
-                    <p:cTn id="3" fill="hold">
-                      <p:stCondLst>
-                        <p:cond delay="indefinite"/>
-                      </p:stCondLst>
-                      <p:childTnLst>
-                        <p:par>
-                          <p:cTn id="4" fill="hold">
-                            <p:stCondLst>
-                              <p:cond delay="0"/>
-                            </p:stCondLst>
-                            <p:childTnLst>
-                              <p:par>
-                                <p:cTn id="5" presetID="9" presetClass="entr" presetSubtype="0" fill="hold" grpId="0" nodeType="clickEffect">
-                                  <p:stCondLst>
-                                    <p:cond delay="0"/>
-                                  </p:stCondLst>
-                                  <p:childTnLst>
-                                    <p:set>
-                                      <p:cBhvr>
-                                        <p:cTn id="6" dur="1" fill="hold">
-                                          <p:stCondLst>
-                                            <p:cond delay="0"/>
-                                          </p:stCondLst>
-                                        </p:cTn>
-                                        <p:tgtEl>
-                                          <p:spTgt spid="6"/>
-                                        </p:tgtEl>
-                                        <p:attrNameLst>
-                                          <p:attrName>style.visibility</p:attrName>
-                                        </p:attrNameLst>
-                                      </p:cBhvr>
-                                      <p:to>
-                                        <p:strVal val="visible"/>
-                                      </p:to>
-                                    </p:set>
-                                    <p:animEffect transition="in" filter="dissolve">
-                                      <p:cBhvr>
-                                        <p:cTn id="7" dur="500"/>
-                                        <p:tgtEl>
-                                          <p:spTgt spid="6"/>
-                                        </p:tgtEl>
-                                      </p:cBhvr>
-                                    </p:animEffect>
-                                  </p:childTnLst>
-                                </p:cTn>
-                              </p:par>
-                            </p:childTnLst>
-                          </p:cTn>
-                        </p:par>
-                      </p:childTnLst>
-                    </p:cTn>
-                  </p:par>
-                </p:childTnLst>
-              </p:cTn>
-              <p:prevCondLst>
-                <p:cond evt="onPrev" delay="0">
-                  <p:tgtEl>
-                    <p:sldTgt/>
-                  </p:tgtEl>
-                </p:cond>
-              </p:prevCondLst>
-              <p:nextCondLst>
-                <p:cond evt="onNext" delay="0">
-                  <p:tgtEl>
-                    <p:sldTgt/>
-                  </p:tgtEl>
-                </p:cond>
-              </p:nextCondLst>
-            </p:seq>
-          </p:childTnLst>
-        </p:cTn>
-      </p:par>
-    </p:tnLst>
-    <p:bldLst>
-      <p:bldP spid="6" grpId="0"/>
-    </p:bldLst>
-  </p:timing>
-</p:sld>
-</file>
-
-<file path=ppt/slides/slide11.xml><?xml version="1.0" encoding="utf-8"?>
-<p:sld xmlns:a="http://schemas.openxmlformats.org/drawingml/2006/main" xmlns:r="http://schemas.openxmlformats.org/officeDocument/2006/relationships" xmlns:p="http://schemas.openxmlformats.org/presentationml/2006/main">
-  <p:cSld>
-    <p:spTree>
-      <p:nvGrpSpPr>
-        <p:cNvPr id="1" name=""/>
-        <p:cNvGrpSpPr/>
-        <p:nvPr/>
-      </p:nvGrpSpPr>
-      <p:grpSpPr>
-        <a:xfrm>
-          <a:off x="0" y="0"/>
-          <a:ext cx="0" cy="0"/>
-          <a:chOff x="0" y="0"/>
-          <a:chExt cx="0" cy="0"/>
-        </a:xfrm>
-      </p:grpSpPr>
-      <p:sp>
-        <p:nvSpPr>
-          <p:cNvPr id="5" name="Footer Placeholder 4"/>
-          <p:cNvSpPr>
-            <a:spLocks noGrp="1"/>
-          </p:cNvSpPr>
-          <p:nvPr>
-            <p:ph type="ftr" sz="quarter" idx="11"/>
-          </p:nvPr>
-        </p:nvSpPr>
-        <p:spPr/>
-        <p:txBody>
-          <a:bodyPr/>
-          <a:lstStyle/>
-          <a:p>
-            <a:r>
-              <a:rPr lang="en-US" dirty="0"/>
-              <a:t>Observation 2 – Validation – Males - Working</a:t>
-            </a:r>
-          </a:p>
-        </p:txBody>
-      </p:sp>
-      <p:sp>
-        <p:nvSpPr>
-          <p:cNvPr id="3" name="Slide Number Placeholder 2"/>
-          <p:cNvSpPr>
-            <a:spLocks noGrp="1"/>
-          </p:cNvSpPr>
-          <p:nvPr>
-            <p:ph type="sldNum" sz="quarter" idx="12"/>
-          </p:nvPr>
-        </p:nvSpPr>
-        <p:spPr/>
-        <p:txBody>
-          <a:bodyPr/>
-          <a:lstStyle/>
-          <a:p>
-            <a:fld id="{73C26548-949F-BF45-9AAC-1ABF92E0F60B}" type="slidenum">
-              <a:rPr lang="en-US" smtClean="0"/>
-              <a:t>11</a:t>
             </a:fld>
             <a:endParaRPr lang="en-US"/>
           </a:p>
@@ -5428,7 +4832,7 @@
 </p:sld>
 </file>
 
-<file path=ppt/slides/slide12.xml><?xml version="1.0" encoding="utf-8"?>
+<file path=ppt/slides/slide11.xml><?xml version="1.0" encoding="utf-8"?>
 <p:sld xmlns:a="http://schemas.openxmlformats.org/drawingml/2006/main" xmlns:r="http://schemas.openxmlformats.org/officeDocument/2006/relationships" xmlns:p="http://schemas.openxmlformats.org/presentationml/2006/main">
   <p:cSld>
     <p:spTree>
@@ -5484,7 +4888,7 @@
           <a:p>
             <a:fld id="{73C26548-949F-BF45-9AAC-1ABF92E0F60B}" type="slidenum">
               <a:rPr lang="en-US" smtClean="0"/>
-              <a:t>12</a:t>
+              <a:t>11</a:t>
             </a:fld>
             <a:endParaRPr lang="en-US"/>
           </a:p>
@@ -5830,7 +5234,7 @@
 </p:sld>
 </file>
 
-<file path=ppt/slides/slide13.xml><?xml version="1.0" encoding="utf-8"?>
+<file path=ppt/slides/slide12.xml><?xml version="1.0" encoding="utf-8"?>
 <p:sld xmlns:a="http://schemas.openxmlformats.org/drawingml/2006/main" xmlns:r="http://schemas.openxmlformats.org/officeDocument/2006/relationships" xmlns:p="http://schemas.openxmlformats.org/presentationml/2006/main">
   <p:cSld>
     <p:spTree>
@@ -5864,7 +5268,7 @@
           <a:p>
             <a:r>
               <a:rPr lang="en-US" dirty="0"/>
-              <a:t>Observation 2 – Validation – Females – Cooking</a:t>
+              <a:t>Fluctuation 2 – Validation – Females – Cooking</a:t>
             </a:r>
           </a:p>
         </p:txBody>
@@ -5886,7 +5290,7 @@
           <a:p>
             <a:fld id="{73C26548-949F-BF45-9AAC-1ABF92E0F60B}" type="slidenum">
               <a:rPr lang="en-US" smtClean="0"/>
-              <a:t>13</a:t>
+              <a:t>12</a:t>
             </a:fld>
             <a:endParaRPr lang="en-US"/>
           </a:p>
@@ -6173,7 +5577,7 @@
 </p:sld>
 </file>
 
-<file path=ppt/slides/slide14.xml><?xml version="1.0" encoding="utf-8"?>
+<file path=ppt/slides/slide13.xml><?xml version="1.0" encoding="utf-8"?>
 <p:sld xmlns:a="http://schemas.openxmlformats.org/drawingml/2006/main" xmlns:r="http://schemas.openxmlformats.org/officeDocument/2006/relationships" xmlns:p="http://schemas.openxmlformats.org/presentationml/2006/main">
   <p:cSld>
     <p:spTree>
@@ -6209,7 +5613,7 @@
               <a:rPr lang="en-US" dirty="0">
                 <a:latin typeface="Helvetica" pitchFamily="2" charset="0"/>
               </a:rPr>
-              <a:t>Observation 2 – Validation</a:t>
+              <a:t>Fluctuation 2 – Validation</a:t>
             </a:r>
           </a:p>
         </p:txBody>
@@ -6231,7 +5635,7 @@
           <a:p>
             <a:fld id="{73C26548-949F-BF45-9AAC-1ABF92E0F60B}" type="slidenum">
               <a:rPr lang="en-US" smtClean="0"/>
-              <a:t>14</a:t>
+              <a:t>13</a:t>
             </a:fld>
             <a:endParaRPr lang="en-US"/>
           </a:p>
@@ -6622,7 +6026,7 @@
 </p:sld>
 </file>
 
-<file path=ppt/slides/slide15.xml><?xml version="1.0" encoding="utf-8"?>
+<file path=ppt/slides/slide14.xml><?xml version="1.0" encoding="utf-8"?>
 <p:sld xmlns:a="http://schemas.openxmlformats.org/drawingml/2006/main" xmlns:r="http://schemas.openxmlformats.org/officeDocument/2006/relationships" xmlns:p="http://schemas.openxmlformats.org/presentationml/2006/main">
   <p:cSld>
     <p:spTree>
@@ -6712,7 +6116,7 @@
           <a:p>
             <a:fld id="{73C26548-949F-BF45-9AAC-1ABF92E0F60B}" type="slidenum">
               <a:rPr lang="en-US" smtClean="0"/>
-              <a:t>15</a:t>
+              <a:t>14</a:t>
             </a:fld>
             <a:endParaRPr lang="en-US"/>
           </a:p>
@@ -6987,6 +6391,309 @@
 </p:sld>
 </file>
 
+<file path=ppt/slides/slide15.xml><?xml version="1.0" encoding="utf-8"?>
+<p:sld xmlns:a="http://schemas.openxmlformats.org/drawingml/2006/main" xmlns:r="http://schemas.openxmlformats.org/officeDocument/2006/relationships" xmlns:p="http://schemas.openxmlformats.org/presentationml/2006/main">
+  <p:cSld>
+    <p:spTree>
+      <p:nvGrpSpPr>
+        <p:cNvPr id="1" name=""/>
+        <p:cNvGrpSpPr/>
+        <p:nvPr/>
+      </p:nvGrpSpPr>
+      <p:grpSpPr>
+        <a:xfrm>
+          <a:off x="0" y="0"/>
+          <a:ext cx="0" cy="0"/>
+          <a:chOff x="0" y="0"/>
+          <a:chExt cx="0" cy="0"/>
+        </a:xfrm>
+      </p:grpSpPr>
+      <p:sp>
+        <p:nvSpPr>
+          <p:cNvPr id="2" name="Title 1"/>
+          <p:cNvSpPr>
+            <a:spLocks noGrp="1"/>
+          </p:cNvSpPr>
+          <p:nvPr>
+            <p:ph type="title"/>
+          </p:nvPr>
+        </p:nvSpPr>
+        <p:spPr/>
+        <p:txBody>
+          <a:bodyPr/>
+          <a:lstStyle/>
+          <a:p>
+            <a:r>
+              <a:rPr lang="en-US" b="1" dirty="0">
+                <a:latin typeface="Helvetica" pitchFamily="2" charset="0"/>
+              </a:rPr>
+              <a:t>Reference</a:t>
+            </a:r>
+          </a:p>
+        </p:txBody>
+      </p:sp>
+      <p:sp>
+        <p:nvSpPr>
+          <p:cNvPr id="3" name="Content Placeholder 2"/>
+          <p:cNvSpPr>
+            <a:spLocks noGrp="1"/>
+          </p:cNvSpPr>
+          <p:nvPr>
+            <p:ph idx="1"/>
+          </p:nvPr>
+        </p:nvSpPr>
+        <p:spPr>
+          <a:xfrm>
+            <a:off x="838200" y="1583573"/>
+            <a:ext cx="10515600" cy="4351338"/>
+          </a:xfrm>
+        </p:spPr>
+        <p:txBody>
+          <a:bodyPr>
+            <a:normAutofit fontScale="92500" lnSpcReduction="10000"/>
+          </a:bodyPr>
+          <a:lstStyle/>
+          <a:p>
+            <a:pPr marL="0" indent="0">
+              <a:buNone/>
+            </a:pPr>
+            <a:r>
+              <a:rPr lang="en-US" dirty="0">
+                <a:latin typeface="Helvetica" pitchFamily="2" charset="0"/>
+              </a:rPr>
+              <a:t>[1] “ATUS datasets.” https://</a:t>
+            </a:r>
+            <a:r>
+              <a:rPr lang="en-US" dirty="0" err="1">
+                <a:latin typeface="Helvetica" pitchFamily="2" charset="0"/>
+              </a:rPr>
+              <a:t>www.bls.gov</a:t>
+            </a:r>
+            <a:r>
+              <a:rPr lang="en-US" dirty="0">
+                <a:latin typeface="Helvetica" pitchFamily="2" charset="0"/>
+              </a:rPr>
+              <a:t>/</a:t>
+            </a:r>
+            <a:r>
+              <a:rPr lang="en-US" dirty="0" err="1">
+                <a:latin typeface="Helvetica" pitchFamily="2" charset="0"/>
+              </a:rPr>
+              <a:t>tus</a:t>
+            </a:r>
+            <a:r>
+              <a:rPr lang="en-US" dirty="0">
+                <a:latin typeface="Helvetica" pitchFamily="2" charset="0"/>
+              </a:rPr>
+              <a:t>/datafiles_0317.htm.</a:t>
+            </a:r>
+            <a:br>
+              <a:rPr lang="en-US" dirty="0">
+                <a:latin typeface="Helvetica" pitchFamily="2" charset="0"/>
+              </a:rPr>
+            </a:br>
+            <a:endParaRPr lang="en-US" dirty="0">
+              <a:latin typeface="Helvetica" pitchFamily="2" charset="0"/>
+            </a:endParaRPr>
+          </a:p>
+          <a:p>
+            <a:pPr marL="0" indent="0">
+              <a:buNone/>
+            </a:pPr>
+            <a:r>
+              <a:rPr lang="en-US" dirty="0">
+                <a:latin typeface="Helvetica" pitchFamily="2" charset="0"/>
+              </a:rPr>
+              <a:t>[2] Bureau of Labor Statistics, “The </a:t>
+            </a:r>
+            <a:r>
+              <a:rPr lang="en-US" dirty="0" err="1">
+                <a:latin typeface="Helvetica" pitchFamily="2" charset="0"/>
+              </a:rPr>
+              <a:t>american</a:t>
+            </a:r>
+            <a:r>
+              <a:rPr lang="en-US" dirty="0">
+                <a:latin typeface="Helvetica" pitchFamily="2" charset="0"/>
+              </a:rPr>
+              <a:t> time use survey.” https://</a:t>
+            </a:r>
+            <a:r>
+              <a:rPr lang="en-US" dirty="0" err="1">
+                <a:latin typeface="Helvetica" pitchFamily="2" charset="0"/>
+              </a:rPr>
+              <a:t>www.bls.gov</a:t>
+            </a:r>
+            <a:r>
+              <a:rPr lang="en-US" dirty="0">
+                <a:latin typeface="Helvetica" pitchFamily="2" charset="0"/>
+              </a:rPr>
+              <a:t>/</a:t>
+            </a:r>
+            <a:r>
+              <a:rPr lang="en-US" dirty="0" err="1">
+                <a:latin typeface="Helvetica" pitchFamily="2" charset="0"/>
+              </a:rPr>
+              <a:t>tus</a:t>
+            </a:r>
+            <a:r>
+              <a:rPr lang="en-US" dirty="0">
+                <a:latin typeface="Helvetica" pitchFamily="2" charset="0"/>
+              </a:rPr>
+              <a:t>/, 2017.</a:t>
+            </a:r>
+            <a:br>
+              <a:rPr lang="en-US" dirty="0">
+                <a:latin typeface="Helvetica" pitchFamily="2" charset="0"/>
+              </a:rPr>
+            </a:br>
+            <a:endParaRPr lang="en-US" dirty="0">
+              <a:latin typeface="Helvetica" pitchFamily="2" charset="0"/>
+            </a:endParaRPr>
+          </a:p>
+          <a:p>
+            <a:pPr marL="0" indent="0">
+              <a:buNone/>
+            </a:pPr>
+            <a:r>
+              <a:rPr lang="en-US" dirty="0">
+                <a:latin typeface="Helvetica" pitchFamily="2" charset="0"/>
+              </a:rPr>
+              <a:t>[3] T. Parsons, “Age and sex in the social structure of the united states,” </a:t>
+            </a:r>
+            <a:r>
+              <a:rPr lang="en-US" i="1" dirty="0">
+                <a:latin typeface="Helvetica" pitchFamily="2" charset="0"/>
+              </a:rPr>
+              <a:t>American Sociological Review</a:t>
+            </a:r>
+            <a:r>
+              <a:rPr lang="en-US" dirty="0">
+                <a:latin typeface="Helvetica" pitchFamily="2" charset="0"/>
+              </a:rPr>
+              <a:t>, vol. 7, no. 5, pp. 604–616, 1942 [Online]. Available: http://</a:t>
+            </a:r>
+            <a:r>
+              <a:rPr lang="en-US" dirty="0" err="1">
+                <a:latin typeface="Helvetica" pitchFamily="2" charset="0"/>
+              </a:rPr>
+              <a:t>www.jstor.org</a:t>
+            </a:r>
+            <a:r>
+              <a:rPr lang="en-US" dirty="0">
+                <a:latin typeface="Helvetica" pitchFamily="2" charset="0"/>
+              </a:rPr>
+              <a:t>/stable/2085686</a:t>
+            </a:r>
+            <a:br>
+              <a:rPr lang="en-US" dirty="0">
+                <a:latin typeface="Helvetica" pitchFamily="2" charset="0"/>
+              </a:rPr>
+            </a:br>
+            <a:endParaRPr lang="en-US" dirty="0">
+              <a:latin typeface="Helvetica" pitchFamily="2" charset="0"/>
+            </a:endParaRPr>
+          </a:p>
+          <a:p>
+            <a:pPr marL="0" indent="0">
+              <a:buNone/>
+            </a:pPr>
+            <a:r>
+              <a:rPr lang="en-US" dirty="0">
+                <a:latin typeface="Helvetica" pitchFamily="2" charset="0"/>
+              </a:rPr>
+              <a:t>[4] “</a:t>
+            </a:r>
+            <a:r>
+              <a:rPr lang="en-US" dirty="0" err="1">
+                <a:latin typeface="Helvetica" pitchFamily="2" charset="0"/>
+              </a:rPr>
+              <a:t>Millennials</a:t>
+            </a:r>
+            <a:r>
+              <a:rPr lang="en-US" dirty="0">
+                <a:latin typeface="Helvetica" pitchFamily="2" charset="0"/>
+              </a:rPr>
+              <a:t> projected to overtake baby boomers as </a:t>
+            </a:r>
+            <a:r>
+              <a:rPr lang="en-US" dirty="0" err="1">
+                <a:latin typeface="Helvetica" pitchFamily="2" charset="0"/>
+              </a:rPr>
+              <a:t>america’s</a:t>
+            </a:r>
+            <a:r>
+              <a:rPr lang="en-US" dirty="0">
+                <a:latin typeface="Helvetica" pitchFamily="2" charset="0"/>
+              </a:rPr>
+              <a:t> largest generation.” http://www. </a:t>
+            </a:r>
+            <a:r>
+              <a:rPr lang="en-US" dirty="0" err="1">
+                <a:latin typeface="Helvetica" pitchFamily="2" charset="0"/>
+              </a:rPr>
+              <a:t>pewresearch.org</a:t>
+            </a:r>
+            <a:r>
+              <a:rPr lang="en-US" dirty="0">
+                <a:latin typeface="Helvetica" pitchFamily="2" charset="0"/>
+              </a:rPr>
+              <a:t>/fact-tank/2018/03/01/</a:t>
+            </a:r>
+            <a:r>
+              <a:rPr lang="en-US" dirty="0" err="1">
+                <a:latin typeface="Helvetica" pitchFamily="2" charset="0"/>
+              </a:rPr>
+              <a:t>millennials</a:t>
+            </a:r>
+            <a:r>
+              <a:rPr lang="en-US" dirty="0">
+                <a:latin typeface="Helvetica" pitchFamily="2" charset="0"/>
+              </a:rPr>
+              <a:t>-overtake-baby-boomers/. </a:t>
+            </a:r>
+          </a:p>
+          <a:p>
+            <a:endParaRPr lang="en-US" dirty="0"/>
+          </a:p>
+        </p:txBody>
+      </p:sp>
+      <p:sp>
+        <p:nvSpPr>
+          <p:cNvPr id="4" name="Slide Number Placeholder 3"/>
+          <p:cNvSpPr>
+            <a:spLocks noGrp="1"/>
+          </p:cNvSpPr>
+          <p:nvPr>
+            <p:ph type="sldNum" sz="quarter" idx="12"/>
+          </p:nvPr>
+        </p:nvSpPr>
+        <p:spPr/>
+        <p:txBody>
+          <a:bodyPr/>
+          <a:lstStyle/>
+          <a:p>
+            <a:fld id="{73C26548-949F-BF45-9AAC-1ABF92E0F60B}" type="slidenum">
+              <a:rPr lang="en-US" smtClean="0"/>
+              <a:t>15</a:t>
+            </a:fld>
+            <a:endParaRPr lang="en-US"/>
+          </a:p>
+        </p:txBody>
+      </p:sp>
+    </p:spTree>
+    <p:extLst>
+      <p:ext uri="{BB962C8B-B14F-4D97-AF65-F5344CB8AC3E}">
+        <p14:creationId xmlns:p14="http://schemas.microsoft.com/office/powerpoint/2010/main" val="1982275856"/>
+      </p:ext>
+    </p:extLst>
+  </p:cSld>
+  <p:clrMapOvr>
+    <a:masterClrMapping/>
+  </p:clrMapOvr>
+</p:sld>
+</file>
+
 <file path=ppt/slides/slide16.xml><?xml version="1.0" encoding="utf-8"?>
 <p:sld xmlns:a="http://schemas.openxmlformats.org/drawingml/2006/main" xmlns:r="http://schemas.openxmlformats.org/officeDocument/2006/relationships" xmlns:p="http://schemas.openxmlformats.org/presentationml/2006/main">
   <p:cSld>
@@ -7014,309 +6721,6 @@
             <p:ph type="title"/>
           </p:nvPr>
         </p:nvSpPr>
-        <p:spPr/>
-        <p:txBody>
-          <a:bodyPr/>
-          <a:lstStyle/>
-          <a:p>
-            <a:r>
-              <a:rPr lang="en-US" b="1" dirty="0">
-                <a:latin typeface="Helvetica" pitchFamily="2" charset="0"/>
-              </a:rPr>
-              <a:t>Reference</a:t>
-            </a:r>
-          </a:p>
-        </p:txBody>
-      </p:sp>
-      <p:sp>
-        <p:nvSpPr>
-          <p:cNvPr id="3" name="Content Placeholder 2"/>
-          <p:cNvSpPr>
-            <a:spLocks noGrp="1"/>
-          </p:cNvSpPr>
-          <p:nvPr>
-            <p:ph idx="1"/>
-          </p:nvPr>
-        </p:nvSpPr>
-        <p:spPr>
-          <a:xfrm>
-            <a:off x="838200" y="1583573"/>
-            <a:ext cx="10515600" cy="4351338"/>
-          </a:xfrm>
-        </p:spPr>
-        <p:txBody>
-          <a:bodyPr>
-            <a:normAutofit fontScale="92500" lnSpcReduction="10000"/>
-          </a:bodyPr>
-          <a:lstStyle/>
-          <a:p>
-            <a:pPr marL="0" indent="0">
-              <a:buNone/>
-            </a:pPr>
-            <a:r>
-              <a:rPr lang="en-US" dirty="0">
-                <a:latin typeface="Helvetica" pitchFamily="2" charset="0"/>
-              </a:rPr>
-              <a:t>[1] “ATUS datasets.” https://</a:t>
-            </a:r>
-            <a:r>
-              <a:rPr lang="en-US" dirty="0" err="1">
-                <a:latin typeface="Helvetica" pitchFamily="2" charset="0"/>
-              </a:rPr>
-              <a:t>www.bls.gov</a:t>
-            </a:r>
-            <a:r>
-              <a:rPr lang="en-US" dirty="0">
-                <a:latin typeface="Helvetica" pitchFamily="2" charset="0"/>
-              </a:rPr>
-              <a:t>/</a:t>
-            </a:r>
-            <a:r>
-              <a:rPr lang="en-US" dirty="0" err="1">
-                <a:latin typeface="Helvetica" pitchFamily="2" charset="0"/>
-              </a:rPr>
-              <a:t>tus</a:t>
-            </a:r>
-            <a:r>
-              <a:rPr lang="en-US" dirty="0">
-                <a:latin typeface="Helvetica" pitchFamily="2" charset="0"/>
-              </a:rPr>
-              <a:t>/datafiles_0317.htm.</a:t>
-            </a:r>
-            <a:br>
-              <a:rPr lang="en-US" dirty="0">
-                <a:latin typeface="Helvetica" pitchFamily="2" charset="0"/>
-              </a:rPr>
-            </a:br>
-            <a:endParaRPr lang="en-US" dirty="0">
-              <a:latin typeface="Helvetica" pitchFamily="2" charset="0"/>
-            </a:endParaRPr>
-          </a:p>
-          <a:p>
-            <a:pPr marL="0" indent="0">
-              <a:buNone/>
-            </a:pPr>
-            <a:r>
-              <a:rPr lang="en-US" dirty="0">
-                <a:latin typeface="Helvetica" pitchFamily="2" charset="0"/>
-              </a:rPr>
-              <a:t>[2] Bureau of Labor Statistics, “The </a:t>
-            </a:r>
-            <a:r>
-              <a:rPr lang="en-US" dirty="0" err="1">
-                <a:latin typeface="Helvetica" pitchFamily="2" charset="0"/>
-              </a:rPr>
-              <a:t>american</a:t>
-            </a:r>
-            <a:r>
-              <a:rPr lang="en-US" dirty="0">
-                <a:latin typeface="Helvetica" pitchFamily="2" charset="0"/>
-              </a:rPr>
-              <a:t> time use survey.” https://</a:t>
-            </a:r>
-            <a:r>
-              <a:rPr lang="en-US" dirty="0" err="1">
-                <a:latin typeface="Helvetica" pitchFamily="2" charset="0"/>
-              </a:rPr>
-              <a:t>www.bls.gov</a:t>
-            </a:r>
-            <a:r>
-              <a:rPr lang="en-US" dirty="0">
-                <a:latin typeface="Helvetica" pitchFamily="2" charset="0"/>
-              </a:rPr>
-              <a:t>/</a:t>
-            </a:r>
-            <a:r>
-              <a:rPr lang="en-US" dirty="0" err="1">
-                <a:latin typeface="Helvetica" pitchFamily="2" charset="0"/>
-              </a:rPr>
-              <a:t>tus</a:t>
-            </a:r>
-            <a:r>
-              <a:rPr lang="en-US" dirty="0">
-                <a:latin typeface="Helvetica" pitchFamily="2" charset="0"/>
-              </a:rPr>
-              <a:t>/, 2017.</a:t>
-            </a:r>
-            <a:br>
-              <a:rPr lang="en-US" dirty="0">
-                <a:latin typeface="Helvetica" pitchFamily="2" charset="0"/>
-              </a:rPr>
-            </a:br>
-            <a:endParaRPr lang="en-US" dirty="0">
-              <a:latin typeface="Helvetica" pitchFamily="2" charset="0"/>
-            </a:endParaRPr>
-          </a:p>
-          <a:p>
-            <a:pPr marL="0" indent="0">
-              <a:buNone/>
-            </a:pPr>
-            <a:r>
-              <a:rPr lang="en-US" dirty="0">
-                <a:latin typeface="Helvetica" pitchFamily="2" charset="0"/>
-              </a:rPr>
-              <a:t>[3] T. Parsons, “Age and sex in the social structure of the united states,” </a:t>
-            </a:r>
-            <a:r>
-              <a:rPr lang="en-US" i="1" dirty="0">
-                <a:latin typeface="Helvetica" pitchFamily="2" charset="0"/>
-              </a:rPr>
-              <a:t>American Sociological Review</a:t>
-            </a:r>
-            <a:r>
-              <a:rPr lang="en-US" dirty="0">
-                <a:latin typeface="Helvetica" pitchFamily="2" charset="0"/>
-              </a:rPr>
-              <a:t>, vol. 7, no. 5, pp. 604–616, 1942 [Online]. Available: http://</a:t>
-            </a:r>
-            <a:r>
-              <a:rPr lang="en-US" dirty="0" err="1">
-                <a:latin typeface="Helvetica" pitchFamily="2" charset="0"/>
-              </a:rPr>
-              <a:t>www.jstor.org</a:t>
-            </a:r>
-            <a:r>
-              <a:rPr lang="en-US" dirty="0">
-                <a:latin typeface="Helvetica" pitchFamily="2" charset="0"/>
-              </a:rPr>
-              <a:t>/stable/2085686</a:t>
-            </a:r>
-            <a:br>
-              <a:rPr lang="en-US" dirty="0">
-                <a:latin typeface="Helvetica" pitchFamily="2" charset="0"/>
-              </a:rPr>
-            </a:br>
-            <a:endParaRPr lang="en-US" dirty="0">
-              <a:latin typeface="Helvetica" pitchFamily="2" charset="0"/>
-            </a:endParaRPr>
-          </a:p>
-          <a:p>
-            <a:pPr marL="0" indent="0">
-              <a:buNone/>
-            </a:pPr>
-            <a:r>
-              <a:rPr lang="en-US" dirty="0">
-                <a:latin typeface="Helvetica" pitchFamily="2" charset="0"/>
-              </a:rPr>
-              <a:t>[4] “</a:t>
-            </a:r>
-            <a:r>
-              <a:rPr lang="en-US" dirty="0" err="1">
-                <a:latin typeface="Helvetica" pitchFamily="2" charset="0"/>
-              </a:rPr>
-              <a:t>Millennials</a:t>
-            </a:r>
-            <a:r>
-              <a:rPr lang="en-US" dirty="0">
-                <a:latin typeface="Helvetica" pitchFamily="2" charset="0"/>
-              </a:rPr>
-              <a:t> projected to overtake baby boomers as </a:t>
-            </a:r>
-            <a:r>
-              <a:rPr lang="en-US" dirty="0" err="1">
-                <a:latin typeface="Helvetica" pitchFamily="2" charset="0"/>
-              </a:rPr>
-              <a:t>america’s</a:t>
-            </a:r>
-            <a:r>
-              <a:rPr lang="en-US" dirty="0">
-                <a:latin typeface="Helvetica" pitchFamily="2" charset="0"/>
-              </a:rPr>
-              <a:t> largest generation.” http://www. </a:t>
-            </a:r>
-            <a:r>
-              <a:rPr lang="en-US" dirty="0" err="1">
-                <a:latin typeface="Helvetica" pitchFamily="2" charset="0"/>
-              </a:rPr>
-              <a:t>pewresearch.org</a:t>
-            </a:r>
-            <a:r>
-              <a:rPr lang="en-US" dirty="0">
-                <a:latin typeface="Helvetica" pitchFamily="2" charset="0"/>
-              </a:rPr>
-              <a:t>/fact-tank/2018/03/01/</a:t>
-            </a:r>
-            <a:r>
-              <a:rPr lang="en-US" dirty="0" err="1">
-                <a:latin typeface="Helvetica" pitchFamily="2" charset="0"/>
-              </a:rPr>
-              <a:t>millennials</a:t>
-            </a:r>
-            <a:r>
-              <a:rPr lang="en-US" dirty="0">
-                <a:latin typeface="Helvetica" pitchFamily="2" charset="0"/>
-              </a:rPr>
-              <a:t>-overtake-baby-boomers/. </a:t>
-            </a:r>
-          </a:p>
-          <a:p>
-            <a:endParaRPr lang="en-US" dirty="0"/>
-          </a:p>
-        </p:txBody>
-      </p:sp>
-      <p:sp>
-        <p:nvSpPr>
-          <p:cNvPr id="4" name="Slide Number Placeholder 3"/>
-          <p:cNvSpPr>
-            <a:spLocks noGrp="1"/>
-          </p:cNvSpPr>
-          <p:nvPr>
-            <p:ph type="sldNum" sz="quarter" idx="12"/>
-          </p:nvPr>
-        </p:nvSpPr>
-        <p:spPr/>
-        <p:txBody>
-          <a:bodyPr/>
-          <a:lstStyle/>
-          <a:p>
-            <a:fld id="{73C26548-949F-BF45-9AAC-1ABF92E0F60B}" type="slidenum">
-              <a:rPr lang="en-US" smtClean="0"/>
-              <a:t>16</a:t>
-            </a:fld>
-            <a:endParaRPr lang="en-US"/>
-          </a:p>
-        </p:txBody>
-      </p:sp>
-    </p:spTree>
-    <p:extLst>
-      <p:ext uri="{BB962C8B-B14F-4D97-AF65-F5344CB8AC3E}">
-        <p14:creationId xmlns:p14="http://schemas.microsoft.com/office/powerpoint/2010/main" val="1982275856"/>
-      </p:ext>
-    </p:extLst>
-  </p:cSld>
-  <p:clrMapOvr>
-    <a:masterClrMapping/>
-  </p:clrMapOvr>
-</p:sld>
-</file>
-
-<file path=ppt/slides/slide17.xml><?xml version="1.0" encoding="utf-8"?>
-<p:sld xmlns:a="http://schemas.openxmlformats.org/drawingml/2006/main" xmlns:r="http://schemas.openxmlformats.org/officeDocument/2006/relationships" xmlns:p="http://schemas.openxmlformats.org/presentationml/2006/main">
-  <p:cSld>
-    <p:spTree>
-      <p:nvGrpSpPr>
-        <p:cNvPr id="1" name=""/>
-        <p:cNvGrpSpPr/>
-        <p:nvPr/>
-      </p:nvGrpSpPr>
-      <p:grpSpPr>
-        <a:xfrm>
-          <a:off x="0" y="0"/>
-          <a:ext cx="0" cy="0"/>
-          <a:chOff x="0" y="0"/>
-          <a:chExt cx="0" cy="0"/>
-        </a:xfrm>
-      </p:grpSpPr>
-      <p:sp>
-        <p:nvSpPr>
-          <p:cNvPr id="2" name="Title 1"/>
-          <p:cNvSpPr>
-            <a:spLocks noGrp="1"/>
-          </p:cNvSpPr>
-          <p:nvPr>
-            <p:ph type="title"/>
-          </p:nvPr>
-        </p:nvSpPr>
         <p:spPr>
           <a:xfrm>
             <a:off x="0" y="0"/>
@@ -7354,7 +6758,7 @@
           <a:p>
             <a:fld id="{73C26548-949F-BF45-9AAC-1ABF92E0F60B}" type="slidenum">
               <a:rPr lang="en-US" smtClean="0"/>
-              <a:t>17</a:t>
+              <a:t>16</a:t>
             </a:fld>
             <a:endParaRPr lang="en-US"/>
           </a:p>
@@ -7778,7 +7182,7 @@
                 <a:latin typeface="Helvetica" panose="020B0604020202020204" pitchFamily="34" charset="0"/>
                 <a:cs typeface="Helvetica" panose="020B0604020202020204" pitchFamily="34" charset="0"/>
               </a:rPr>
-              <a:t>Aim: To identify some of the largest long-term changes and possible reasons for them</a:t>
+              <a:t>Aim: To identify some of the biggest changes and possible reasons for     	 them</a:t>
             </a:r>
           </a:p>
         </p:txBody>
@@ -8273,8 +7677,8 @@
         </p:nvSpPr>
         <p:spPr>
           <a:xfrm>
-            <a:off x="430306" y="320676"/>
-            <a:ext cx="10923493" cy="923555"/>
+            <a:off x="430306" y="320675"/>
+            <a:ext cx="10923493" cy="1325563"/>
           </a:xfrm>
         </p:spPr>
         <p:txBody>
@@ -8292,7 +7696,7 @@
             </a:br>
             <a:r>
               <a:rPr lang="en-US" sz="3600" b="1" dirty="0"/>
-              <a:t>Participation in Caring for &amp; Helping Non-HH Members </a:t>
+              <a:t>Participation in Caring for &amp; Helping Non-HH Members (tu04) </a:t>
             </a:r>
             <a:endParaRPr lang="en-US" sz="3600" dirty="0"/>
           </a:p>
@@ -8310,7 +7714,7 @@
         </p:nvSpPr>
         <p:spPr>
           <a:xfrm>
-            <a:off x="430306" y="1401555"/>
+            <a:off x="430307" y="1825625"/>
             <a:ext cx="11313458" cy="923555"/>
           </a:xfrm>
         </p:spPr>
@@ -8381,7 +7785,7 @@
         </p:blipFill>
         <p:spPr>
           <a:xfrm>
-            <a:off x="999287" y="2292637"/>
+            <a:off x="999287" y="2652855"/>
             <a:ext cx="7611313" cy="1258794"/>
           </a:xfrm>
           <a:prstGeom prst="rect">
@@ -8405,8 +7809,8 @@
           <a:lstStyle/>
           <a:p>
             <a:r>
-              <a:rPr lang="en-US" dirty="0"/>
-              <a:t>Observation 1 - EDA</a:t>
+              <a:rPr lang="en-US"/>
+              <a:t>Fluctuation 1 - EDA</a:t>
             </a:r>
           </a:p>
         </p:txBody>
@@ -8419,7 +7823,7 @@
         </p:nvSpPr>
         <p:spPr>
           <a:xfrm>
-            <a:off x="3017101" y="2641690"/>
+            <a:off x="3017101" y="3001908"/>
             <a:ext cx="735106" cy="828045"/>
           </a:xfrm>
           <a:prstGeom prst="ellipse">
@@ -8471,8 +7875,8 @@
             </p:nvSpPr>
             <p:spPr>
               <a:xfrm>
-                <a:off x="430306" y="3551430"/>
-                <a:ext cx="10923494" cy="2767823"/>
+                <a:off x="430306" y="3621010"/>
+                <a:ext cx="10923494" cy="2698244"/>
               </a:xfrm>
               <a:prstGeom prst="rect">
                 <a:avLst/>
@@ -8647,13 +8051,23 @@
                 </a:lvl9pPr>
               </a:lstStyle>
               <a:p>
+                <a:pPr marL="457200" lvl="1" indent="0">
+                  <a:buFont typeface="Arial" panose="020B0604020202020204" pitchFamily="34" charset="0"/>
+                  <a:buNone/>
+                </a:pPr>
+                <a:endParaRPr lang="en-US" dirty="0">
+                  <a:latin typeface="Helvetica" panose="020B0604020202020204" pitchFamily="34" charset="0"/>
+                  <a:cs typeface="Helvetica" panose="020B0604020202020204" pitchFamily="34" charset="0"/>
+                </a:endParaRPr>
+              </a:p>
+              <a:p>
                 <a:pPr lvl="1"/>
                 <a:r>
                   <a:rPr lang="en-US" dirty="0">
                     <a:latin typeface="Helvetica" panose="020B0604020202020204" pitchFamily="34" charset="0"/>
                     <a:cs typeface="Helvetica" panose="020B0604020202020204" pitchFamily="34" charset="0"/>
                   </a:rPr>
-                  <a:t>Fitting a linear model and performing best subsets regression with </a:t>
+                  <a:t>Fitting a linear model and perform best subsets regression with </a:t>
                 </a:r>
                 <a:r>
                   <a:rPr lang="en-US" i="1" dirty="0">
@@ -8690,16 +8104,6 @@
                   </a:rPr>
                   <a:t>Number of Household Children</a:t>
                 </a:r>
-                <a:br>
-                  <a:rPr lang="en-US" i="1" dirty="0">
-                    <a:latin typeface="Helvetica" panose="020B0604020202020204" pitchFamily="34" charset="0"/>
-                    <a:cs typeface="Helvetica" panose="020B0604020202020204" pitchFamily="34" charset="0"/>
-                  </a:rPr>
-                </a:br>
-                <a:endParaRPr lang="en-US" i="1" dirty="0">
-                  <a:latin typeface="Helvetica" panose="020B0604020202020204" pitchFamily="34" charset="0"/>
-                  <a:cs typeface="Helvetica" panose="020B0604020202020204" pitchFamily="34" charset="0"/>
-                </a:endParaRPr>
               </a:p>
               <a:p>
                 <a:pPr lvl="1"/>
@@ -8732,8 +8136,19 @@
                     <a:latin typeface="Helvetica" panose="020B0604020202020204" pitchFamily="34" charset="0"/>
                     <a:cs typeface="Helvetica" panose="020B0604020202020204" pitchFamily="34" charset="0"/>
                   </a:rPr>
-                  <a:t>Use natural cubic splines to show fluctuations</a:t>
+                  <a:t>Use natural cubic splines to show </a:t>
                 </a:r>
+                <a:r>
+                  <a:rPr lang="en-US" dirty="0" err="1">
+                    <a:latin typeface="Helvetica" panose="020B0604020202020204" pitchFamily="34" charset="0"/>
+                    <a:cs typeface="Helvetica" panose="020B0604020202020204" pitchFamily="34" charset="0"/>
+                  </a:rPr>
+                  <a:t>fluctutations</a:t>
+                </a:r>
+                <a:endParaRPr lang="en-US" dirty="0">
+                  <a:latin typeface="Helvetica" panose="020B0604020202020204" pitchFamily="34" charset="0"/>
+                  <a:cs typeface="Helvetica" panose="020B0604020202020204" pitchFamily="34" charset="0"/>
+                </a:endParaRPr>
               </a:p>
               <a:p>
                 <a:pPr lvl="2"/>
@@ -8830,13 +8245,6 @@
                     </m:d>
                   </m:oMath>
                 </a14:m>
-                <a:endParaRPr lang="en-GB" b="0" dirty="0">
-                  <a:latin typeface="Helvetica" panose="020B0604020202020204" pitchFamily="34" charset="0"/>
-                  <a:cs typeface="Helvetica" panose="020B0604020202020204" pitchFamily="34" charset="0"/>
-                </a:endParaRPr>
-              </a:p>
-              <a:p>
-                <a:pPr lvl="2"/>
                 <a:endParaRPr lang="en-GB" b="0" dirty="0">
                   <a:latin typeface="Helvetica" panose="020B0604020202020204" pitchFamily="34" charset="0"/>
                   <a:cs typeface="Helvetica" panose="020B0604020202020204" pitchFamily="34" charset="0"/>
@@ -8965,8 +8373,8 @@
             </p:nvSpPr>
             <p:spPr>
               <a:xfrm>
-                <a:off x="430306" y="3551430"/>
-                <a:ext cx="10923494" cy="2767823"/>
+                <a:off x="430306" y="3621010"/>
+                <a:ext cx="10923494" cy="2698244"/>
               </a:xfrm>
               <a:prstGeom prst="rect">
                 <a:avLst/>
@@ -8974,7 +8382,7 @@
               <a:blipFill>
                 <a:blip r:embed="rId4"/>
                 <a:stretch>
-                  <a:fillRect t="-3744" r="-670" b="-1101"/>
+                  <a:fillRect r="-670"/>
                 </a:stretch>
               </a:blipFill>
             </p:spPr>
@@ -9322,7 +8730,7 @@
               <a:rPr lang="en-US" smtClean="0"/>
               <a:t>4</a:t>
             </a:fld>
-            <a:endParaRPr lang="en-US" dirty="0"/>
+            <a:endParaRPr lang="en-US"/>
           </a:p>
         </p:txBody>
       </p:sp>
@@ -9342,8 +8750,8 @@
           <a:lstStyle/>
           <a:p>
             <a:r>
-              <a:rPr lang="en-US" dirty="0"/>
-              <a:t>Observation 1 - EDA</a:t>
+              <a:rPr lang="en-US"/>
+              <a:t>Fluctuation 1 - EDA</a:t>
             </a:r>
           </a:p>
         </p:txBody>
@@ -9358,8 +8766,8 @@
         </p:nvSpPr>
         <p:spPr>
           <a:xfrm>
-            <a:off x="7638473" y="473690"/>
-            <a:ext cx="4045527" cy="1308147"/>
+            <a:off x="8171412" y="1009400"/>
+            <a:ext cx="3217025" cy="1806324"/>
           </a:xfrm>
           <a:prstGeom prst="rect">
             <a:avLst/>
@@ -9534,17 +8942,32 @@
             </a:lvl9pPr>
           </a:lstStyle>
           <a:p>
-            <a:pPr>
+            <a:pPr marL="0" indent="0">
               <a:lnSpc>
                 <a:spcPct val="100000"/>
               </a:lnSpc>
+              <a:buNone/>
             </a:pPr>
             <a:r>
               <a:rPr lang="en-US" sz="2400" dirty="0">
                 <a:latin typeface="Helvetica" panose="020B0604020202020204" pitchFamily="34" charset="0"/>
                 <a:cs typeface="Helvetica" panose="020B0604020202020204" pitchFamily="34" charset="0"/>
               </a:rPr>
-              <a:t>The plot indicates that over the period, the participation in tu04 has decreased for both men and women. </a:t>
+              <a:t>The plot is built on the </a:t>
+            </a:r>
+            <a:r>
+              <a:rPr lang="en-US" sz="2400" i="1" dirty="0">
+                <a:latin typeface="Helvetica" panose="020B0604020202020204" pitchFamily="34" charset="0"/>
+                <a:cs typeface="Helvetica" panose="020B0604020202020204" pitchFamily="34" charset="0"/>
+              </a:rPr>
+              <a:t>training data</a:t>
+            </a:r>
+            <a:r>
+              <a:rPr lang="en-US" sz="2400" dirty="0">
+                <a:latin typeface="Helvetica" panose="020B0604020202020204" pitchFamily="34" charset="0"/>
+                <a:cs typeface="Helvetica" panose="020B0604020202020204" pitchFamily="34" charset="0"/>
+              </a:rPr>
+              <a:t> and indicates that over the period, the participation in tu04 has decreased for both men and women. </a:t>
             </a:r>
           </a:p>
           <a:p>
@@ -9576,8 +8999,8 @@
             </p:nvSpPr>
             <p:spPr>
               <a:xfrm>
-                <a:off x="831273" y="5115555"/>
-                <a:ext cx="10677236" cy="403411"/>
+                <a:off x="838200" y="4586601"/>
+                <a:ext cx="10515600" cy="403411"/>
               </a:xfrm>
               <a:prstGeom prst="rect">
                 <a:avLst/>
@@ -9788,81 +9211,7 @@
                     <a:latin typeface="Helvetica" panose="020B0604020202020204" pitchFamily="34" charset="0"/>
                     <a:cs typeface="Helvetica" panose="020B0604020202020204" pitchFamily="34" charset="0"/>
                   </a:rPr>
-                  <a:t>, without splines, (</a:t>
-                </a:r>
-                <a14:m>
-                  <m:oMath xmlns:m="http://schemas.openxmlformats.org/officeDocument/2006/math">
-                    <m:r>
-                      <a:rPr lang="en-GB" sz="2400" b="0" i="1" smtClean="0">
-                        <a:latin typeface="Cambria Math" panose="02040503050406030204" pitchFamily="18" charset="0"/>
-                        <a:cs typeface="Helvetica" panose="020B0604020202020204" pitchFamily="34" charset="0"/>
-                      </a:rPr>
-                      <m:t> </m:t>
-                    </m:r>
-                    <m:r>
-                      <a:rPr lang="en-GB" sz="2400" b="0" i="1" smtClean="0">
-                        <a:latin typeface="Cambria Math" panose="02040503050406030204" pitchFamily="18" charset="0"/>
-                        <a:cs typeface="Helvetica" panose="020B0604020202020204" pitchFamily="34" charset="0"/>
-                      </a:rPr>
-                      <m:t>𝑡𝑢</m:t>
-                    </m:r>
-                    <m:r>
-                      <a:rPr lang="en-GB" sz="2400" b="0" i="1" smtClean="0">
-                        <a:latin typeface="Cambria Math" panose="02040503050406030204" pitchFamily="18" charset="0"/>
-                        <a:cs typeface="Helvetica" panose="020B0604020202020204" pitchFamily="34" charset="0"/>
-                      </a:rPr>
-                      <m:t>04 </m:t>
-                    </m:r>
-                    <m:r>
-                      <a:rPr lang="en-GB" sz="2400" b="0" i="1" smtClean="0">
-                        <a:latin typeface="Cambria Math" panose="02040503050406030204" pitchFamily="18" charset="0"/>
-                        <a:cs typeface="Helvetica" panose="020B0604020202020204" pitchFamily="34" charset="0"/>
-                      </a:rPr>
-                      <m:t>𝑝𝑎𝑟𝑡𝑖𝑐𝑖𝑝𝑎𝑡𝑖𝑜𝑛</m:t>
-                    </m:r>
-                    <m:r>
-                      <a:rPr lang="en-GB" sz="2400" b="0" i="1" smtClean="0">
-                        <a:latin typeface="Cambria Math" panose="02040503050406030204" pitchFamily="18" charset="0"/>
-                        <a:cs typeface="Helvetica" panose="020B0604020202020204" pitchFamily="34" charset="0"/>
-                      </a:rPr>
-                      <m:t> ~ </m:t>
-                    </m:r>
-                    <m:r>
-                      <a:rPr lang="en-GB" sz="2400" b="0" i="1" smtClean="0">
-                        <a:latin typeface="Cambria Math" panose="02040503050406030204" pitchFamily="18" charset="0"/>
-                        <a:cs typeface="Helvetica" panose="020B0604020202020204" pitchFamily="34" charset="0"/>
-                      </a:rPr>
-                      <m:t>𝑌𝑒𝑎𝑟</m:t>
-                    </m:r>
-                    <m:r>
-                      <a:rPr lang="en-GB" sz="2400" b="0" i="1" smtClean="0">
-                        <a:latin typeface="Cambria Math" panose="02040503050406030204" pitchFamily="18" charset="0"/>
-                        <a:cs typeface="Helvetica" panose="020B0604020202020204" pitchFamily="34" charset="0"/>
-                      </a:rPr>
-                      <m:t>+</m:t>
-                    </m:r>
-                    <m:r>
-                      <a:rPr lang="en-GB" sz="2400" b="0" i="1" smtClean="0">
-                        <a:latin typeface="Cambria Math" panose="02040503050406030204" pitchFamily="18" charset="0"/>
-                        <a:cs typeface="Helvetica" panose="020B0604020202020204" pitchFamily="34" charset="0"/>
-                      </a:rPr>
-                      <m:t>𝑆𝑒𝑥</m:t>
-                    </m:r>
-                    <m:r>
-                      <a:rPr lang="en-GB" sz="2400" b="0" i="1" smtClean="0">
-                        <a:latin typeface="Cambria Math" panose="02040503050406030204" pitchFamily="18" charset="0"/>
-                        <a:cs typeface="Helvetica" panose="020B0604020202020204" pitchFamily="34" charset="0"/>
-                      </a:rPr>
-                      <m:t> </m:t>
-                    </m:r>
-                  </m:oMath>
-                </a14:m>
-                <a:r>
-                  <a:rPr lang="en-US" sz="2400" dirty="0">
-                    <a:latin typeface="Helvetica" panose="020B0604020202020204" pitchFamily="34" charset="0"/>
-                    <a:cs typeface="Helvetica" panose="020B0604020202020204" pitchFamily="34" charset="0"/>
-                  </a:rPr>
-                  <a:t>) gives a </a:t>
+                  <a:t>, without splines, gives a </a:t>
                 </a:r>
                 <a14:m>
                   <m:oMath xmlns:m="http://schemas.openxmlformats.org/officeDocument/2006/math">
@@ -9879,7 +9228,7 @@
                     <a:latin typeface="Helvetica" panose="020B0604020202020204" pitchFamily="34" charset="0"/>
                     <a:cs typeface="Helvetica" panose="020B0604020202020204" pitchFamily="34" charset="0"/>
                   </a:rPr>
-                  <a:t>-value of    </a:t>
+                  <a:t>-value of </a:t>
                 </a:r>
                 <a:r>
                   <a:rPr lang="en-US" sz="2400" b="1" dirty="0">
@@ -9910,8 +9259,8 @@
             </p:nvSpPr>
             <p:spPr>
               <a:xfrm>
-                <a:off x="831273" y="5115555"/>
-                <a:ext cx="10677236" cy="403411"/>
+                <a:off x="838200" y="4586601"/>
+                <a:ext cx="10515600" cy="403411"/>
               </a:xfrm>
               <a:prstGeom prst="rect">
                 <a:avLst/>
@@ -9919,7 +9268,7 @@
               <a:blipFill>
                 <a:blip r:embed="rId3"/>
                 <a:stretch>
-                  <a:fillRect l="-742" t="-19697" b="-204545"/>
+                  <a:fillRect l="-812" t="-19403" b="-119403"/>
                 </a:stretch>
               </a:blipFill>
             </p:spPr>
@@ -9948,8 +9297,8 @@
         </p:nvSpPr>
         <p:spPr>
           <a:xfrm>
-            <a:off x="7638472" y="2530774"/>
-            <a:ext cx="4045528" cy="2490936"/>
+            <a:off x="838200" y="5339153"/>
+            <a:ext cx="10515600" cy="1308147"/>
           </a:xfrm>
           <a:prstGeom prst="rect">
             <a:avLst/>
@@ -9957,7 +9306,7 @@
         </p:spPr>
         <p:txBody>
           <a:bodyPr vert="horz" lIns="91440" tIns="45720" rIns="91440" bIns="45720" rtlCol="0">
-            <a:normAutofit lnSpcReduction="10000"/>
+            <a:normAutofit/>
           </a:bodyPr>
           <a:lstStyle>
             <a:lvl1pPr marL="228600" indent="-228600" algn="l" defTabSz="914400" rtl="0" eaLnBrk="1" latinLnBrk="0" hangingPunct="1">
@@ -10133,22 +9482,10 @@
             </a:r>
             <a:r>
               <a:rPr lang="en-US" sz="2400" i="1" dirty="0">
-                <a:solidFill>
-                  <a:schemeClr val="bg1">
-                    <a:lumMod val="50000"/>
-                  </a:schemeClr>
-                </a:solidFill>
                 <a:latin typeface="Helvetica" panose="020B0604020202020204" pitchFamily="34" charset="0"/>
                 <a:cs typeface="Helvetica" panose="020B0604020202020204" pitchFamily="34" charset="0"/>
               </a:rPr>
-              <a:t>average number of household children</a:t>
-            </a:r>
-            <a:r>
-              <a:rPr lang="en-US" sz="2400" i="1" dirty="0">
-                <a:latin typeface="Helvetica" panose="020B0604020202020204" pitchFamily="34" charset="0"/>
-                <a:cs typeface="Helvetica" panose="020B0604020202020204" pitchFamily="34" charset="0"/>
-              </a:rPr>
-              <a:t> </a:t>
+              <a:t>average number of household children </a:t>
             </a:r>
             <a:r>
               <a:rPr lang="en-US" sz="2400" dirty="0">
@@ -10195,8 +9532,8 @@
         </p:blipFill>
         <p:spPr>
           <a:xfrm>
-            <a:off x="482193" y="478899"/>
-            <a:ext cx="7112814" cy="4360954"/>
+            <a:off x="838199" y="323705"/>
+            <a:ext cx="6867699" cy="4210671"/>
           </a:xfrm>
           <a:prstGeom prst="rect">
             <a:avLst/>
@@ -10519,14 +9856,14 @@
           <a:lstStyle/>
           <a:p>
             <a:r>
-              <a:rPr lang="en-US" dirty="0"/>
-              <a:t>Observation 1 - Validation</a:t>
-            </a:r>
-          </a:p>
-        </p:txBody>
-      </p:sp>
-      <mc:AlternateContent xmlns:mc="http://schemas.openxmlformats.org/markup-compatibility/2006" xmlns:a14="http://schemas.microsoft.com/office/drawing/2010/main">
-        <mc:Choice Requires="a14">
+              <a:rPr lang="en-US"/>
+              <a:t>Fluctuation 1 - Validation</a:t>
+            </a:r>
+          </a:p>
+        </p:txBody>
+      </p:sp>
+      <mc:AlternateContent xmlns:mc="http://schemas.openxmlformats.org/markup-compatibility/2006">
+        <mc:Choice xmlns:a14="http://schemas.microsoft.com/office/drawing/2010/main" Requires="a14">
           <p:sp>
             <p:nvSpPr>
               <p:cNvPr id="7" name="Content Placeholder 2"/>
@@ -10803,7 +10140,7 @@
             </p:txBody>
           </p:sp>
         </mc:Choice>
-        <mc:Fallback xmlns="">
+        <mc:Fallback>
           <p:sp>
             <p:nvSpPr>
               <p:cNvPr id="7" name="Content Placeholder 2"/>
@@ -10842,6 +10179,36 @@
           </p:sp>
         </mc:Fallback>
       </mc:AlternateContent>
+      <p:pic>
+        <p:nvPicPr>
+          <p:cNvPr id="12" name="Picture 11"/>
+          <p:cNvPicPr>
+            <a:picLocks noChangeAspect="1"/>
+          </p:cNvPicPr>
+          <p:nvPr/>
+        </p:nvPicPr>
+        <p:blipFill>
+          <a:blip r:embed="rId4">
+            <a:extLst>
+              <a:ext uri="{28A0092B-C50C-407E-A947-70E740481C1C}">
+                <a14:useLocalDpi xmlns:a14="http://schemas.microsoft.com/office/drawing/2010/main" val="0"/>
+              </a:ext>
+            </a:extLst>
+          </a:blip>
+          <a:stretch>
+            <a:fillRect/>
+          </a:stretch>
+        </p:blipFill>
+        <p:spPr>
+          <a:xfrm>
+            <a:off x="687675" y="1755070"/>
+            <a:ext cx="5154908" cy="3160538"/>
+          </a:xfrm>
+          <a:prstGeom prst="rect">
+            <a:avLst/>
+          </a:prstGeom>
+        </p:spPr>
+      </p:pic>
       <mc:AlternateContent xmlns:mc="http://schemas.openxmlformats.org/markup-compatibility/2006">
         <mc:Choice xmlns:a14="http://schemas.microsoft.com/office/drawing/2010/main" Requires="a14">
           <p:sp>
@@ -10852,8 +10219,8 @@
             </p:nvSpPr>
             <p:spPr>
               <a:xfrm>
-                <a:off x="439271" y="5212977"/>
-                <a:ext cx="10952815" cy="2308324"/>
+                <a:off x="439271" y="5009777"/>
+                <a:ext cx="10952815" cy="1661993"/>
               </a:xfrm>
               <a:prstGeom prst="rect">
                 <a:avLst/>
@@ -10870,7 +10237,7 @@
                   <a:buChar char="•"/>
                 </a:pPr>
                 <a:r>
-                  <a:rPr lang="en-US" sz="2400" dirty="0">
+                  <a:rPr lang="en-US" sz="2000" dirty="0">
                     <a:latin typeface="Helvetica" panose="020B0604020202020204" pitchFamily="34" charset="0"/>
                     <a:cs typeface="Helvetica" panose="020B0604020202020204" pitchFamily="34" charset="0"/>
                   </a:rPr>
@@ -10879,7 +10246,7 @@
                 <a14:m>
                   <m:oMath xmlns:m="http://schemas.openxmlformats.org/officeDocument/2006/math">
                     <m:r>
-                      <a:rPr lang="en-GB" sz="2400" i="1" smtClean="0">
+                      <a:rPr lang="en-GB" sz="2000" i="1">
                         <a:latin typeface="Cambria Math" panose="02040503050406030204" pitchFamily="18" charset="0"/>
                       </a:rPr>
                       <m:t>𝑡</m:t>
@@ -10887,68 +10254,68 @@
                   </m:oMath>
                 </a14:m>
                 <a:r>
-                  <a:rPr lang="en-US" sz="2400" dirty="0">
+                  <a:rPr lang="en-US" sz="2000" dirty="0">
                     <a:latin typeface="Helvetica" panose="020B0604020202020204" pitchFamily="34" charset="0"/>
                     <a:cs typeface="Helvetica" panose="020B0604020202020204" pitchFamily="34" charset="0"/>
                   </a:rPr>
                   <a:t>-test when </a:t>
                 </a:r>
                 <a:r>
-                  <a:rPr lang="en-US" sz="2400" i="1" dirty="0">
+                  <a:rPr lang="en-US" sz="2000" i="1" dirty="0">
                     <a:latin typeface="Helvetica" panose="020B0604020202020204" pitchFamily="34" charset="0"/>
                     <a:cs typeface="Helvetica" panose="020B0604020202020204" pitchFamily="34" charset="0"/>
                   </a:rPr>
                   <a:t>average</a:t>
                 </a:r>
                 <a:r>
-                  <a:rPr lang="en-US" sz="2400" dirty="0">
+                  <a:rPr lang="en-US" sz="2000" dirty="0">
                     <a:latin typeface="Helvetica" panose="020B0604020202020204" pitchFamily="34" charset="0"/>
                     <a:cs typeface="Helvetica" panose="020B0604020202020204" pitchFamily="34" charset="0"/>
                   </a:rPr>
                   <a:t> </a:t>
                 </a:r>
                 <a:r>
-                  <a:rPr lang="en-US" sz="2400" i="1" dirty="0">
+                  <a:rPr lang="en-US" sz="2000" i="1" dirty="0">
                     <a:latin typeface="Helvetica" panose="020B0604020202020204" pitchFamily="34" charset="0"/>
                     <a:cs typeface="Helvetica" panose="020B0604020202020204" pitchFamily="34" charset="0"/>
                   </a:rPr>
                   <a:t>number of household children</a:t>
                 </a:r>
                 <a:r>
-                  <a:rPr lang="en-US" sz="2400" dirty="0">
+                  <a:rPr lang="en-US" sz="2000" dirty="0">
                     <a:latin typeface="Helvetica" panose="020B0604020202020204" pitchFamily="34" charset="0"/>
                     <a:cs typeface="Helvetica" panose="020B0604020202020204" pitchFamily="34" charset="0"/>
                   </a:rPr>
                   <a:t> is added confirms that this has a significant effect on participation in </a:t>
                 </a:r>
                 <a:r>
-                  <a:rPr lang="en-US" sz="2400" i="1" dirty="0">
+                  <a:rPr lang="en-US" sz="2000" i="1" dirty="0">
                     <a:latin typeface="Helvetica" panose="020B0604020202020204" pitchFamily="34" charset="0"/>
                     <a:cs typeface="Helvetica" panose="020B0604020202020204" pitchFamily="34" charset="0"/>
                   </a:rPr>
                   <a:t>caring for &amp; helping non-</a:t>
                 </a:r>
                 <a:r>
-                  <a:rPr lang="en-US" sz="2400" i="1" dirty="0" err="1">
+                  <a:rPr lang="en-US" sz="2000" i="1" dirty="0" err="1">
                     <a:latin typeface="Helvetica" panose="020B0604020202020204" pitchFamily="34" charset="0"/>
                     <a:cs typeface="Helvetica" panose="020B0604020202020204" pitchFamily="34" charset="0"/>
                   </a:rPr>
                   <a:t>hh</a:t>
                 </a:r>
                 <a:r>
-                  <a:rPr lang="en-US" sz="2400" i="1" dirty="0">
+                  <a:rPr lang="en-US" sz="2000" i="1" dirty="0">
                     <a:latin typeface="Helvetica" panose="020B0604020202020204" pitchFamily="34" charset="0"/>
                     <a:cs typeface="Helvetica" panose="020B0604020202020204" pitchFamily="34" charset="0"/>
                   </a:rPr>
                   <a:t> children</a:t>
                 </a:r>
                 <a:br>
-                  <a:rPr lang="en-US" sz="2400" i="1" dirty="0">
+                  <a:rPr lang="en-US" sz="2000" i="1" dirty="0">
                     <a:latin typeface="Helvetica" panose="020B0604020202020204" pitchFamily="34" charset="0"/>
                     <a:cs typeface="Helvetica" panose="020B0604020202020204" pitchFamily="34" charset="0"/>
                   </a:rPr>
                 </a:br>
-                <a:endParaRPr lang="en-US" sz="2400" i="1" dirty="0">
+                <a:endParaRPr lang="en-US" sz="2000" i="1" dirty="0">
                   <a:latin typeface="Helvetica" panose="020B0604020202020204" pitchFamily="34" charset="0"/>
                   <a:cs typeface="Helvetica" panose="020B0604020202020204" pitchFamily="34" charset="0"/>
                 </a:endParaRPr>
@@ -10958,17 +10325,20 @@
                   <a:buFont typeface="Arial" charset="0"/>
                   <a:buChar char="•"/>
                 </a:pPr>
-                <a:endParaRPr lang="en-US" sz="2400" dirty="0">
-                  <a:latin typeface="Helvetica" panose="020B0604020202020204" pitchFamily="34" charset="0"/>
-                  <a:cs typeface="Helvetica" panose="020B0604020202020204" pitchFamily="34" charset="0"/>
-                </a:endParaRPr>
+                <a:r>
+                  <a:rPr lang="en-US" sz="2000" dirty="0">
+                    <a:latin typeface="Helvetica" panose="020B0604020202020204" pitchFamily="34" charset="0"/>
+                    <a:cs typeface="Helvetica" panose="020B0604020202020204" pitchFamily="34" charset="0"/>
+                  </a:rPr>
+                  <a:t>Again the plots shows the correlation is weak</a:t>
+                </a:r>
               </a:p>
               <a:p>
                 <a:pPr marL="285750" indent="-285750">
                   <a:buFont typeface="Arial" charset="0"/>
                   <a:buChar char="•"/>
                 </a:pPr>
-                <a:endParaRPr lang="en-US" sz="2400" i="1" dirty="0">
+                <a:endParaRPr lang="en-US" sz="2200" i="1" dirty="0">
                   <a:latin typeface="Helvetica" panose="020B0604020202020204" pitchFamily="34" charset="0"/>
                   <a:cs typeface="Helvetica" panose="020B0604020202020204" pitchFamily="34" charset="0"/>
                 </a:endParaRPr>
@@ -10987,16 +10357,16 @@
             </p:nvSpPr>
             <p:spPr>
               <a:xfrm>
-                <a:off x="439271" y="5212977"/>
-                <a:ext cx="10952815" cy="2308324"/>
+                <a:off x="439271" y="5009777"/>
+                <a:ext cx="10952815" cy="1661993"/>
               </a:xfrm>
               <a:prstGeom prst="rect">
                 <a:avLst/>
               </a:prstGeom>
               <a:blipFill>
-                <a:blip r:embed="rId4"/>
+                <a:blip r:embed="rId5"/>
                 <a:stretch>
-                  <a:fillRect l="-723" t="-1847" r="-1336"/>
+                  <a:fillRect l="-501" t="-1838"/>
                 </a:stretch>
               </a:blipFill>
             </p:spPr>
@@ -11015,169 +10385,6 @@
           </p:sp>
         </mc:Fallback>
       </mc:AlternateContent>
-      <p:pic>
-        <p:nvPicPr>
-          <p:cNvPr id="3" name="Picture 2">
-            <a:extLst>
-              <a:ext uri="{FF2B5EF4-FFF2-40B4-BE49-F238E27FC236}">
-                <a16:creationId xmlns:a16="http://schemas.microsoft.com/office/drawing/2014/main" id="{3ADCA9ED-6980-49F5-9A50-FF9CA888D6C5}"/>
-              </a:ext>
-            </a:extLst>
-          </p:cNvPr>
-          <p:cNvPicPr>
-            <a:picLocks noChangeAspect="1"/>
-          </p:cNvPicPr>
-          <p:nvPr/>
-        </p:nvPicPr>
-        <p:blipFill>
-          <a:blip r:embed="rId5"/>
-          <a:stretch>
-            <a:fillRect/>
-          </a:stretch>
-        </p:blipFill>
-        <p:spPr>
-          <a:xfrm>
-            <a:off x="485451" y="1653308"/>
-            <a:ext cx="4886150" cy="3490107"/>
-          </a:xfrm>
-          <a:prstGeom prst="rect">
-            <a:avLst/>
-          </a:prstGeom>
-        </p:spPr>
-      </p:pic>
-      <p:sp>
-        <p:nvSpPr>
-          <p:cNvPr id="9" name="Rectangle 8">
-            <a:extLst>
-              <a:ext uri="{FF2B5EF4-FFF2-40B4-BE49-F238E27FC236}">
-                <a16:creationId xmlns:a16="http://schemas.microsoft.com/office/drawing/2014/main" id="{95E287E1-148A-487D-BBF6-CCA2A3CAC24C}"/>
-              </a:ext>
-            </a:extLst>
-          </p:cNvPr>
-          <p:cNvSpPr/>
-          <p:nvPr/>
-        </p:nvSpPr>
-        <p:spPr>
-          <a:xfrm>
-            <a:off x="5800436" y="1727095"/>
-            <a:ext cx="5544671" cy="4154984"/>
-          </a:xfrm>
-          <a:prstGeom prst="rect">
-            <a:avLst/>
-          </a:prstGeom>
-        </p:spPr>
-        <p:txBody>
-          <a:bodyPr wrap="square">
-            <a:spAutoFit/>
-          </a:bodyPr>
-          <a:lstStyle/>
-          <a:p>
-            <a:pPr marL="285750" indent="-285750">
-              <a:buFont typeface="Arial" charset="0"/>
-              <a:buChar char="•"/>
-            </a:pPr>
-            <a:r>
-              <a:rPr lang="en-US" sz="2400" dirty="0">
-                <a:latin typeface="Helvetica" panose="020B0604020202020204" pitchFamily="34" charset="0"/>
-                <a:cs typeface="Helvetica" panose="020B0604020202020204" pitchFamily="34" charset="0"/>
-              </a:rPr>
-              <a:t>To test the suitability of the model on the validation dataset a residual plot was created</a:t>
-            </a:r>
-          </a:p>
-          <a:p>
-            <a:pPr marL="285750" indent="-285750">
-              <a:buFont typeface="Arial" charset="0"/>
-              <a:buChar char="•"/>
-            </a:pPr>
-            <a:endParaRPr lang="en-US" sz="2400" i="1" dirty="0">
-              <a:latin typeface="Helvetica" panose="020B0604020202020204" pitchFamily="34" charset="0"/>
-              <a:cs typeface="Helvetica" panose="020B0604020202020204" pitchFamily="34" charset="0"/>
-            </a:endParaRPr>
-          </a:p>
-          <a:p>
-            <a:pPr marL="285750" indent="-285750">
-              <a:buFont typeface="Arial" charset="0"/>
-              <a:buChar char="•"/>
-            </a:pPr>
-            <a:r>
-              <a:rPr lang="en-US" sz="2400" dirty="0">
-                <a:latin typeface="Helvetica" panose="020B0604020202020204" pitchFamily="34" charset="0"/>
-                <a:cs typeface="Helvetica" panose="020B0604020202020204" pitchFamily="34" charset="0"/>
-              </a:rPr>
-              <a:t>The errors:</a:t>
-            </a:r>
-          </a:p>
-          <a:p>
-            <a:pPr marL="742950" lvl="1" indent="-285750">
-              <a:buFont typeface="Arial" charset="0"/>
-              <a:buChar char="•"/>
-            </a:pPr>
-            <a:r>
-              <a:rPr lang="en-US" sz="2400" i="1" dirty="0">
-                <a:latin typeface="Helvetica" panose="020B0604020202020204" pitchFamily="34" charset="0"/>
-                <a:cs typeface="Helvetica" panose="020B0604020202020204" pitchFamily="34" charset="0"/>
-              </a:rPr>
-              <a:t>Are uncorrelated</a:t>
-            </a:r>
-          </a:p>
-          <a:p>
-            <a:pPr marL="742950" lvl="1" indent="-285750">
-              <a:buFont typeface="Arial" charset="0"/>
-              <a:buChar char="•"/>
-            </a:pPr>
-            <a:r>
-              <a:rPr lang="en-US" sz="2400" i="1" dirty="0">
-                <a:latin typeface="Helvetica" panose="020B0604020202020204" pitchFamily="34" charset="0"/>
-                <a:cs typeface="Helvetica" panose="020B0604020202020204" pitchFamily="34" charset="0"/>
-              </a:rPr>
-              <a:t>Have mostly equal variance</a:t>
-            </a:r>
-          </a:p>
-          <a:p>
-            <a:pPr marL="742950" lvl="1" indent="-285750">
-              <a:buFont typeface="Arial" charset="0"/>
-              <a:buChar char="•"/>
-            </a:pPr>
-            <a:r>
-              <a:rPr lang="en-US" sz="2400" i="1" dirty="0">
-                <a:latin typeface="Helvetica" panose="020B0604020202020204" pitchFamily="34" charset="0"/>
-                <a:cs typeface="Helvetica" panose="020B0604020202020204" pitchFamily="34" charset="0"/>
-              </a:rPr>
-              <a:t>Seem to have mean 0</a:t>
-            </a:r>
-            <a:br>
-              <a:rPr lang="en-US" sz="2400" i="1" dirty="0">
-                <a:latin typeface="Helvetica" panose="020B0604020202020204" pitchFamily="34" charset="0"/>
-                <a:cs typeface="Helvetica" panose="020B0604020202020204" pitchFamily="34" charset="0"/>
-              </a:rPr>
-            </a:br>
-            <a:endParaRPr lang="en-US" sz="2400" i="1" dirty="0">
-              <a:latin typeface="Helvetica" panose="020B0604020202020204" pitchFamily="34" charset="0"/>
-              <a:cs typeface="Helvetica" panose="020B0604020202020204" pitchFamily="34" charset="0"/>
-            </a:endParaRPr>
-          </a:p>
-          <a:p>
-            <a:pPr marL="285750" indent="-285750">
-              <a:buFont typeface="Arial" charset="0"/>
-              <a:buChar char="•"/>
-            </a:pPr>
-            <a:endParaRPr lang="en-US" sz="2400" dirty="0">
-              <a:latin typeface="Helvetica" panose="020B0604020202020204" pitchFamily="34" charset="0"/>
-              <a:cs typeface="Helvetica" panose="020B0604020202020204" pitchFamily="34" charset="0"/>
-            </a:endParaRPr>
-          </a:p>
-          <a:p>
-            <a:pPr marL="285750" indent="-285750">
-              <a:buFont typeface="Arial" charset="0"/>
-              <a:buChar char="•"/>
-            </a:pPr>
-            <a:endParaRPr lang="en-US" sz="2400" i="1" dirty="0">
-              <a:latin typeface="Helvetica" panose="020B0604020202020204" pitchFamily="34" charset="0"/>
-              <a:cs typeface="Helvetica" panose="020B0604020202020204" pitchFamily="34" charset="0"/>
-            </a:endParaRPr>
-          </a:p>
-        </p:txBody>
-      </p:sp>
     </p:spTree>
     <p:extLst>
       <p:ext uri="{BB962C8B-B14F-4D97-AF65-F5344CB8AC3E}">
@@ -11243,6 +10450,41 @@
                                   </p:childTnLst>
                                 </p:cTn>
                               </p:par>
+                              <p:par>
+                                <p:cTn id="8" presetID="9" presetClass="entr" presetSubtype="0" fill="hold" nodeType="withEffect">
+                                  <p:stCondLst>
+                                    <p:cond delay="0"/>
+                                  </p:stCondLst>
+                                  <p:childTnLst>
+                                    <p:set>
+                                      <p:cBhvr>
+                                        <p:cTn id="9" dur="1" fill="hold">
+                                          <p:stCondLst>
+                                            <p:cond delay="0"/>
+                                          </p:stCondLst>
+                                        </p:cTn>
+                                        <p:tgtEl>
+                                          <p:spTgt spid="12"/>
+                                        </p:tgtEl>
+                                        <p:attrNameLst>
+                                          <p:attrName>style.visibility</p:attrName>
+                                        </p:attrNameLst>
+                                      </p:cBhvr>
+                                      <p:to>
+                                        <p:strVal val="visible"/>
+                                      </p:to>
+                                    </p:set>
+                                    <p:animEffect transition="in" filter="dissolve">
+                                      <p:cBhvr>
+                                        <p:cTn id="10" dur="500"/>
+                                        <p:tgtEl>
+                                          <p:spTgt spid="12"/>
+                                        </p:tgtEl>
+                                      </p:cBhvr>
+                                    </p:animEffect>
+                                  </p:childTnLst>
+                                </p:cTn>
+                              </p:par>
                             </p:childTnLst>
                           </p:cTn>
                         </p:par>
@@ -11250,26 +10492,26 @@
                     </p:cTn>
                   </p:par>
                   <p:par>
-                    <p:cTn id="8" fill="hold">
+                    <p:cTn id="11" fill="hold">
                       <p:stCondLst>
                         <p:cond delay="indefinite"/>
                       </p:stCondLst>
                       <p:childTnLst>
                         <p:par>
-                          <p:cTn id="9" fill="hold">
+                          <p:cTn id="12" fill="hold">
                             <p:stCondLst>
                               <p:cond delay="0"/>
                             </p:stCondLst>
                             <p:childTnLst>
                               <p:par>
-                                <p:cTn id="10" presetID="9" presetClass="entr" presetSubtype="0" fill="hold" grpId="0" nodeType="clickEffect">
+                                <p:cTn id="13" presetID="9" presetClass="entr" presetSubtype="0" fill="hold" grpId="0" nodeType="clickEffect">
                                   <p:stCondLst>
                                     <p:cond delay="0"/>
                                   </p:stCondLst>
                                   <p:childTnLst>
                                     <p:set>
                                       <p:cBhvr>
-                                        <p:cTn id="11" dur="1" fill="hold">
+                                        <p:cTn id="14" dur="1" fill="hold">
                                           <p:stCondLst>
                                             <p:cond delay="0"/>
                                           </p:stCondLst>
@@ -11287,62 +10529,9 @@
                                     </p:set>
                                     <p:animEffect transition="in" filter="dissolve">
                                       <p:cBhvr>
-                                        <p:cTn id="12" dur="500"/>
+                                        <p:cTn id="15" dur="500"/>
                                         <p:tgtEl>
                                           <p:spTgt spid="13"/>
-                                        </p:tgtEl>
-                                      </p:cBhvr>
-                                    </p:animEffect>
-                                  </p:childTnLst>
-                                </p:cTn>
-                              </p:par>
-                            </p:childTnLst>
-                          </p:cTn>
-                        </p:par>
-                      </p:childTnLst>
-                    </p:cTn>
-                  </p:par>
-                  <p:par>
-                    <p:cTn id="13" fill="hold">
-                      <p:stCondLst>
-                        <p:cond delay="indefinite"/>
-                      </p:stCondLst>
-                      <p:childTnLst>
-                        <p:par>
-                          <p:cTn id="14" fill="hold">
-                            <p:stCondLst>
-                              <p:cond delay="0"/>
-                            </p:stCondLst>
-                            <p:childTnLst>
-                              <p:par>
-                                <p:cTn id="15" presetID="9" presetClass="entr" presetSubtype="0" fill="hold" grpId="0" nodeType="clickEffect">
-                                  <p:stCondLst>
-                                    <p:cond delay="0"/>
-                                  </p:stCondLst>
-                                  <p:childTnLst>
-                                    <p:set>
-                                      <p:cBhvr>
-                                        <p:cTn id="16" dur="1" fill="hold">
-                                          <p:stCondLst>
-                                            <p:cond delay="0"/>
-                                          </p:stCondLst>
-                                        </p:cTn>
-                                        <p:tgtEl>
-                                          <p:spTgt spid="9"/>
-                                        </p:tgtEl>
-                                        <p:attrNameLst>
-                                          <p:attrName>style.visibility</p:attrName>
-                                        </p:attrNameLst>
-                                      </p:cBhvr>
-                                      <p:to>
-                                        <p:strVal val="visible"/>
-                                      </p:to>
-                                    </p:set>
-                                    <p:animEffect transition="in" filter="dissolve">
-                                      <p:cBhvr>
-                                        <p:cTn id="17" dur="500"/>
-                                        <p:tgtEl>
-                                          <p:spTgt spid="9"/>
                                         </p:tgtEl>
                                       </p:cBhvr>
                                     </p:animEffect>
@@ -11379,7 +10568,6 @@
     <p:bldLst>
       <p:bldP spid="7" grpId="0"/>
       <p:bldP spid="13" grpId="0"/>
-      <p:bldP spid="9" grpId="0"/>
     </p:bldLst>
   </p:timing>
 </p:sld>
@@ -11404,162 +10592,6 @@
       </p:grpSpPr>
       <p:sp>
         <p:nvSpPr>
-          <p:cNvPr id="2" name="Title 1">
-            <a:extLst>
-              <a:ext uri="{FF2B5EF4-FFF2-40B4-BE49-F238E27FC236}">
-                <a16:creationId xmlns:a16="http://schemas.microsoft.com/office/drawing/2014/main" id="{57EC2DD0-3D78-4B0C-9E70-E1E4D800C740}"/>
-              </a:ext>
-            </a:extLst>
-          </p:cNvPr>
-          <p:cNvSpPr>
-            <a:spLocks noGrp="1"/>
-          </p:cNvSpPr>
-          <p:nvPr>
-            <p:ph type="title"/>
-          </p:nvPr>
-        </p:nvSpPr>
-        <p:spPr>
-          <a:xfrm>
-            <a:off x="782784" y="226586"/>
-            <a:ext cx="10515600" cy="687820"/>
-          </a:xfrm>
-        </p:spPr>
-        <p:txBody>
-          <a:bodyPr>
-            <a:normAutofit/>
-          </a:bodyPr>
-          <a:lstStyle/>
-          <a:p>
-            <a:r>
-              <a:rPr lang="en-GB" sz="2800" dirty="0"/>
-              <a:t>Final Plot built on all data except July</a:t>
-            </a:r>
-          </a:p>
-        </p:txBody>
-      </p:sp>
-      <p:pic>
-        <p:nvPicPr>
-          <p:cNvPr id="6" name="Content Placeholder 5">
-            <a:extLst>
-              <a:ext uri="{FF2B5EF4-FFF2-40B4-BE49-F238E27FC236}">
-                <a16:creationId xmlns:a16="http://schemas.microsoft.com/office/drawing/2014/main" id="{2C343057-2145-45F6-B4A9-671163EA80A6}"/>
-              </a:ext>
-            </a:extLst>
-          </p:cNvPr>
-          <p:cNvPicPr>
-            <a:picLocks noGrp="1" noChangeAspect="1"/>
-          </p:cNvPicPr>
-          <p:nvPr>
-            <p:ph idx="1"/>
-          </p:nvPr>
-        </p:nvPicPr>
-        <p:blipFill>
-          <a:blip r:embed="rId3"/>
-          <a:stretch>
-            <a:fillRect/>
-          </a:stretch>
-        </p:blipFill>
-        <p:spPr>
-          <a:xfrm>
-            <a:off x="1228435" y="955777"/>
-            <a:ext cx="9458037" cy="5433118"/>
-          </a:xfrm>
-        </p:spPr>
-      </p:pic>
-      <p:sp>
-        <p:nvSpPr>
-          <p:cNvPr id="4" name="Slide Number Placeholder 3">
-            <a:extLst>
-              <a:ext uri="{FF2B5EF4-FFF2-40B4-BE49-F238E27FC236}">
-                <a16:creationId xmlns:a16="http://schemas.microsoft.com/office/drawing/2014/main" id="{4F6F569D-C8A4-4A63-AEE4-F54DD74E1E1A}"/>
-              </a:ext>
-            </a:extLst>
-          </p:cNvPr>
-          <p:cNvSpPr>
-            <a:spLocks noGrp="1"/>
-          </p:cNvSpPr>
-          <p:nvPr>
-            <p:ph type="sldNum" sz="quarter" idx="12"/>
-          </p:nvPr>
-        </p:nvSpPr>
-        <p:spPr/>
-        <p:txBody>
-          <a:bodyPr/>
-          <a:lstStyle/>
-          <a:p>
-            <a:fld id="{73C26548-949F-BF45-9AAC-1ABF92E0F60B}" type="slidenum">
-              <a:rPr lang="en-US" smtClean="0"/>
-              <a:t>6</a:t>
-            </a:fld>
-            <a:endParaRPr lang="en-US"/>
-          </a:p>
-        </p:txBody>
-      </p:sp>
-      <p:sp>
-        <p:nvSpPr>
-          <p:cNvPr id="8" name="Footer Placeholder 4">
-            <a:extLst>
-              <a:ext uri="{FF2B5EF4-FFF2-40B4-BE49-F238E27FC236}">
-                <a16:creationId xmlns:a16="http://schemas.microsoft.com/office/drawing/2014/main" id="{6A4A0099-6667-44AB-82F6-9BADC559906D}"/>
-              </a:ext>
-            </a:extLst>
-          </p:cNvPr>
-          <p:cNvSpPr>
-            <a:spLocks noGrp="1"/>
-          </p:cNvSpPr>
-          <p:nvPr>
-            <p:ph type="ftr" sz="quarter" idx="11"/>
-          </p:nvPr>
-        </p:nvSpPr>
-        <p:spPr>
-          <a:xfrm>
-            <a:off x="4038600" y="6356350"/>
-            <a:ext cx="4114800" cy="365125"/>
-          </a:xfrm>
-        </p:spPr>
-        <p:txBody>
-          <a:bodyPr/>
-          <a:lstStyle/>
-          <a:p>
-            <a:r>
-              <a:rPr lang="en-US" dirty="0"/>
-              <a:t>Observation 1 – Final Plot</a:t>
-            </a:r>
-          </a:p>
-        </p:txBody>
-      </p:sp>
-    </p:spTree>
-    <p:extLst>
-      <p:ext uri="{BB962C8B-B14F-4D97-AF65-F5344CB8AC3E}">
-        <p14:creationId xmlns:p14="http://schemas.microsoft.com/office/powerpoint/2010/main" val="1858449843"/>
-      </p:ext>
-    </p:extLst>
-  </p:cSld>
-  <p:clrMapOvr>
-    <a:masterClrMapping/>
-  </p:clrMapOvr>
-</p:sld>
-</file>
-
-<file path=ppt/slides/slide7.xml><?xml version="1.0" encoding="utf-8"?>
-<p:sld xmlns:a="http://schemas.openxmlformats.org/drawingml/2006/main" xmlns:r="http://schemas.openxmlformats.org/officeDocument/2006/relationships" xmlns:p="http://schemas.openxmlformats.org/presentationml/2006/main">
-  <p:cSld>
-    <p:spTree>
-      <p:nvGrpSpPr>
-        <p:cNvPr id="1" name=""/>
-        <p:cNvGrpSpPr/>
-        <p:nvPr/>
-      </p:nvGrpSpPr>
-      <p:grpSpPr>
-        <a:xfrm>
-          <a:off x="0" y="0"/>
-          <a:ext cx="0" cy="0"/>
-          <a:chOff x="0" y="0"/>
-          <a:chExt cx="0" cy="0"/>
-        </a:xfrm>
-      </p:grpSpPr>
-      <p:sp>
-        <p:nvSpPr>
           <p:cNvPr id="2" name="Title 1"/>
           <p:cNvSpPr>
             <a:spLocks noGrp="1"/>
@@ -11612,7 +10644,7 @@
           <a:p>
             <a:r>
               <a:rPr lang="en-US" dirty="0"/>
-              <a:t>Observation 2 - EDA</a:t>
+              <a:t>Fluctuation 2 - EDA</a:t>
             </a:r>
           </a:p>
         </p:txBody>
@@ -11634,7 +10666,7 @@
           <a:p>
             <a:fld id="{73C26548-949F-BF45-9AAC-1ABF92E0F60B}" type="slidenum">
               <a:rPr lang="en-US" smtClean="0"/>
-              <a:t>7</a:t>
+              <a:t>6</a:t>
             </a:fld>
             <a:endParaRPr lang="en-US" dirty="0"/>
           </a:p>
@@ -12216,7 +11248,7 @@
 </p:sld>
 </file>
 
-<file path=ppt/slides/slide8.xml><?xml version="1.0" encoding="utf-8"?>
+<file path=ppt/slides/slide7.xml><?xml version="1.0" encoding="utf-8"?>
 <p:sld xmlns:a="http://schemas.openxmlformats.org/drawingml/2006/main" xmlns:r="http://schemas.openxmlformats.org/officeDocument/2006/relationships" xmlns:p="http://schemas.openxmlformats.org/presentationml/2006/main">
   <p:cSld>
     <p:spTree>
@@ -12250,7 +11282,7 @@
           <a:p>
             <a:r>
               <a:rPr lang="en-US" dirty="0"/>
-              <a:t>Observation 2 – Validation</a:t>
+              <a:t>Fluctuation 2 – Validation</a:t>
             </a:r>
           </a:p>
         </p:txBody>
@@ -12272,7 +11304,7 @@
           <a:p>
             <a:fld id="{73C26548-949F-BF45-9AAC-1ABF92E0F60B}" type="slidenum">
               <a:rPr lang="en-US" smtClean="0"/>
-              <a:t>8</a:t>
+              <a:t>7</a:t>
             </a:fld>
             <a:endParaRPr lang="en-US"/>
           </a:p>
@@ -12615,7 +11647,7 @@
 </p:sld>
 </file>
 
-<file path=ppt/slides/slide9.xml><?xml version="1.0" encoding="utf-8"?>
+<file path=ppt/slides/slide8.xml><?xml version="1.0" encoding="utf-8"?>
 <p:sld xmlns:a="http://schemas.openxmlformats.org/drawingml/2006/main" xmlns:r="http://schemas.openxmlformats.org/officeDocument/2006/relationships" xmlns:p="http://schemas.openxmlformats.org/presentationml/2006/main">
   <p:cSld>
     <p:spTree>
@@ -12693,7 +11725,7 @@
           <a:p>
             <a:r>
               <a:rPr lang="en-US" dirty="0"/>
-              <a:t>Observation 2 – Validation – Males – House Maintenance and Vehicle Maintenance </a:t>
+              <a:t>Fluctuation 2 – Validation – Males – House Maintenance and Vehicle Maintenance </a:t>
             </a:r>
           </a:p>
         </p:txBody>
@@ -12715,7 +11747,7 @@
           <a:p>
             <a:fld id="{73C26548-949F-BF45-9AAC-1ABF92E0F60B}" type="slidenum">
               <a:rPr lang="en-US" smtClean="0"/>
-              <a:t>9</a:t>
+              <a:t>8</a:t>
             </a:fld>
             <a:endParaRPr lang="en-US"/>
           </a:p>
@@ -13028,6 +12060,442 @@
     </p:tnLst>
     <p:bldLst>
       <p:bldP spid="3" grpId="0" build="p"/>
+      <p:bldP spid="6" grpId="0"/>
+    </p:bldLst>
+  </p:timing>
+</p:sld>
+</file>
+
+<file path=ppt/slides/slide9.xml><?xml version="1.0" encoding="utf-8"?>
+<p:sld xmlns:a="http://schemas.openxmlformats.org/drawingml/2006/main" xmlns:r="http://schemas.openxmlformats.org/officeDocument/2006/relationships" xmlns:p="http://schemas.openxmlformats.org/presentationml/2006/main">
+  <p:cSld>
+    <p:spTree>
+      <p:nvGrpSpPr>
+        <p:cNvPr id="1" name=""/>
+        <p:cNvGrpSpPr/>
+        <p:nvPr/>
+      </p:nvGrpSpPr>
+      <p:grpSpPr>
+        <a:xfrm>
+          <a:off x="0" y="0"/>
+          <a:ext cx="0" cy="0"/>
+          <a:chOff x="0" y="0"/>
+          <a:chExt cx="0" cy="0"/>
+        </a:xfrm>
+      </p:grpSpPr>
+      <p:sp>
+        <p:nvSpPr>
+          <p:cNvPr id="3" name="Footer Placeholder 2"/>
+          <p:cNvSpPr>
+            <a:spLocks noGrp="1"/>
+          </p:cNvSpPr>
+          <p:nvPr>
+            <p:ph type="ftr" sz="quarter" idx="11"/>
+          </p:nvPr>
+        </p:nvSpPr>
+        <p:spPr/>
+        <p:txBody>
+          <a:bodyPr/>
+          <a:lstStyle/>
+          <a:p>
+            <a:r>
+              <a:rPr lang="en-US" dirty="0"/>
+              <a:t>Fluctuation 2 – Validation</a:t>
+            </a:r>
+          </a:p>
+        </p:txBody>
+      </p:sp>
+      <p:sp>
+        <p:nvSpPr>
+          <p:cNvPr id="2" name="Slide Number Placeholder 1"/>
+          <p:cNvSpPr>
+            <a:spLocks noGrp="1"/>
+          </p:cNvSpPr>
+          <p:nvPr>
+            <p:ph type="sldNum" sz="quarter" idx="12"/>
+          </p:nvPr>
+        </p:nvSpPr>
+        <p:spPr/>
+        <p:txBody>
+          <a:bodyPr/>
+          <a:lstStyle/>
+          <a:p>
+            <a:fld id="{73C26548-949F-BF45-9AAC-1ABF92E0F60B}" type="slidenum">
+              <a:rPr lang="en-US" smtClean="0"/>
+              <a:t>9</a:t>
+            </a:fld>
+            <a:endParaRPr lang="en-US"/>
+          </a:p>
+        </p:txBody>
+      </p:sp>
+      <p:sp>
+        <p:nvSpPr>
+          <p:cNvPr id="6" name="Content Placeholder 2"/>
+          <p:cNvSpPr txBox="1">
+            <a:spLocks/>
+          </p:cNvSpPr>
+          <p:nvPr/>
+        </p:nvSpPr>
+        <p:spPr>
+          <a:xfrm>
+            <a:off x="681925" y="1457268"/>
+            <a:ext cx="10671875" cy="3176724"/>
+          </a:xfrm>
+          <a:prstGeom prst="rect">
+            <a:avLst/>
+          </a:prstGeom>
+        </p:spPr>
+        <p:txBody>
+          <a:bodyPr vert="horz" lIns="91440" tIns="45720" rIns="91440" bIns="45720" rtlCol="0">
+            <a:noAutofit/>
+          </a:bodyPr>
+          <a:lstStyle>
+            <a:lvl1pPr marL="228600" indent="-228600" algn="l" defTabSz="914400" rtl="0" eaLnBrk="1" latinLnBrk="0" hangingPunct="1">
+              <a:lnSpc>
+                <a:spcPct val="90000"/>
+              </a:lnSpc>
+              <a:spcBef>
+                <a:spcPts val="1000"/>
+              </a:spcBef>
+              <a:buFont typeface="Arial" panose="020B0604020202020204" pitchFamily="34" charset="0"/>
+              <a:buChar char="•"/>
+              <a:defRPr sz="2800" kern="1200">
+                <a:solidFill>
+                  <a:schemeClr val="tx1"/>
+                </a:solidFill>
+                <a:latin typeface="+mn-lt"/>
+                <a:ea typeface="+mn-ea"/>
+                <a:cs typeface="+mn-cs"/>
+              </a:defRPr>
+            </a:lvl1pPr>
+            <a:lvl2pPr marL="685800" indent="-228600" algn="l" defTabSz="914400" rtl="0" eaLnBrk="1" latinLnBrk="0" hangingPunct="1">
+              <a:lnSpc>
+                <a:spcPct val="90000"/>
+              </a:lnSpc>
+              <a:spcBef>
+                <a:spcPts val="500"/>
+              </a:spcBef>
+              <a:buFont typeface="Arial" panose="020B0604020202020204" pitchFamily="34" charset="0"/>
+              <a:buChar char="•"/>
+              <a:defRPr sz="2400" kern="1200">
+                <a:solidFill>
+                  <a:schemeClr val="tx1"/>
+                </a:solidFill>
+                <a:latin typeface="+mn-lt"/>
+                <a:ea typeface="+mn-ea"/>
+                <a:cs typeface="+mn-cs"/>
+              </a:defRPr>
+            </a:lvl2pPr>
+            <a:lvl3pPr marL="1143000" indent="-228600" algn="l" defTabSz="914400" rtl="0" eaLnBrk="1" latinLnBrk="0" hangingPunct="1">
+              <a:lnSpc>
+                <a:spcPct val="90000"/>
+              </a:lnSpc>
+              <a:spcBef>
+                <a:spcPts val="500"/>
+              </a:spcBef>
+              <a:buFont typeface="Arial" panose="020B0604020202020204" pitchFamily="34" charset="0"/>
+              <a:buChar char="•"/>
+              <a:defRPr sz="2000" kern="1200">
+                <a:solidFill>
+                  <a:schemeClr val="tx1"/>
+                </a:solidFill>
+                <a:latin typeface="+mn-lt"/>
+                <a:ea typeface="+mn-ea"/>
+                <a:cs typeface="+mn-cs"/>
+              </a:defRPr>
+            </a:lvl3pPr>
+            <a:lvl4pPr marL="1600200" indent="-228600" algn="l" defTabSz="914400" rtl="0" eaLnBrk="1" latinLnBrk="0" hangingPunct="1">
+              <a:lnSpc>
+                <a:spcPct val="90000"/>
+              </a:lnSpc>
+              <a:spcBef>
+                <a:spcPts val="500"/>
+              </a:spcBef>
+              <a:buFont typeface="Arial" panose="020B0604020202020204" pitchFamily="34" charset="0"/>
+              <a:buChar char="•"/>
+              <a:defRPr sz="1800" kern="1200">
+                <a:solidFill>
+                  <a:schemeClr val="tx1"/>
+                </a:solidFill>
+                <a:latin typeface="+mn-lt"/>
+                <a:ea typeface="+mn-ea"/>
+                <a:cs typeface="+mn-cs"/>
+              </a:defRPr>
+            </a:lvl4pPr>
+            <a:lvl5pPr marL="2057400" indent="-228600" algn="l" defTabSz="914400" rtl="0" eaLnBrk="1" latinLnBrk="0" hangingPunct="1">
+              <a:lnSpc>
+                <a:spcPct val="90000"/>
+              </a:lnSpc>
+              <a:spcBef>
+                <a:spcPts val="500"/>
+              </a:spcBef>
+              <a:buFont typeface="Arial" panose="020B0604020202020204" pitchFamily="34" charset="0"/>
+              <a:buChar char="•"/>
+              <a:defRPr sz="1800" kern="1200">
+                <a:solidFill>
+                  <a:schemeClr val="tx1"/>
+                </a:solidFill>
+                <a:latin typeface="+mn-lt"/>
+                <a:ea typeface="+mn-ea"/>
+                <a:cs typeface="+mn-cs"/>
+              </a:defRPr>
+            </a:lvl5pPr>
+            <a:lvl6pPr marL="2514600" indent="-228600" algn="l" defTabSz="914400" rtl="0" eaLnBrk="1" latinLnBrk="0" hangingPunct="1">
+              <a:lnSpc>
+                <a:spcPct val="90000"/>
+              </a:lnSpc>
+              <a:spcBef>
+                <a:spcPts val="500"/>
+              </a:spcBef>
+              <a:buFont typeface="Arial" panose="020B0604020202020204" pitchFamily="34" charset="0"/>
+              <a:buChar char="•"/>
+              <a:defRPr sz="1800" kern="1200">
+                <a:solidFill>
+                  <a:schemeClr val="tx1"/>
+                </a:solidFill>
+                <a:latin typeface="+mn-lt"/>
+                <a:ea typeface="+mn-ea"/>
+                <a:cs typeface="+mn-cs"/>
+              </a:defRPr>
+            </a:lvl6pPr>
+            <a:lvl7pPr marL="2971800" indent="-228600" algn="l" defTabSz="914400" rtl="0" eaLnBrk="1" latinLnBrk="0" hangingPunct="1">
+              <a:lnSpc>
+                <a:spcPct val="90000"/>
+              </a:lnSpc>
+              <a:spcBef>
+                <a:spcPts val="500"/>
+              </a:spcBef>
+              <a:buFont typeface="Arial" panose="020B0604020202020204" pitchFamily="34" charset="0"/>
+              <a:buChar char="•"/>
+              <a:defRPr sz="1800" kern="1200">
+                <a:solidFill>
+                  <a:schemeClr val="tx1"/>
+                </a:solidFill>
+                <a:latin typeface="+mn-lt"/>
+                <a:ea typeface="+mn-ea"/>
+                <a:cs typeface="+mn-cs"/>
+              </a:defRPr>
+            </a:lvl7pPr>
+            <a:lvl8pPr marL="3429000" indent="-228600" algn="l" defTabSz="914400" rtl="0" eaLnBrk="1" latinLnBrk="0" hangingPunct="1">
+              <a:lnSpc>
+                <a:spcPct val="90000"/>
+              </a:lnSpc>
+              <a:spcBef>
+                <a:spcPts val="500"/>
+              </a:spcBef>
+              <a:buFont typeface="Arial" panose="020B0604020202020204" pitchFamily="34" charset="0"/>
+              <a:buChar char="•"/>
+              <a:defRPr sz="1800" kern="1200">
+                <a:solidFill>
+                  <a:schemeClr val="tx1"/>
+                </a:solidFill>
+                <a:latin typeface="+mn-lt"/>
+                <a:ea typeface="+mn-ea"/>
+                <a:cs typeface="+mn-cs"/>
+              </a:defRPr>
+            </a:lvl8pPr>
+            <a:lvl9pPr marL="3886200" indent="-228600" algn="l" defTabSz="914400" rtl="0" eaLnBrk="1" latinLnBrk="0" hangingPunct="1">
+              <a:lnSpc>
+                <a:spcPct val="90000"/>
+              </a:lnSpc>
+              <a:spcBef>
+                <a:spcPts val="500"/>
+              </a:spcBef>
+              <a:buFont typeface="Arial" panose="020B0604020202020204" pitchFamily="34" charset="0"/>
+              <a:buChar char="•"/>
+              <a:defRPr sz="1800" kern="1200">
+                <a:solidFill>
+                  <a:schemeClr val="tx1"/>
+                </a:solidFill>
+                <a:latin typeface="+mn-lt"/>
+                <a:ea typeface="+mn-ea"/>
+                <a:cs typeface="+mn-cs"/>
+              </a:defRPr>
+            </a:lvl9pPr>
+          </a:lstStyle>
+          <a:p>
+            <a:r>
+              <a:rPr lang="en-US" sz="2400" dirty="0">
+                <a:latin typeface="Helvetica" pitchFamily="2" charset="0"/>
+              </a:rPr>
+              <a:t>Males: Working, House Maintenance and Vehicle Maintenance;</a:t>
+            </a:r>
+          </a:p>
+          <a:p>
+            <a:r>
+              <a:rPr lang="en-US" sz="2400" dirty="0">
+                <a:latin typeface="Helvetica" pitchFamily="2" charset="0"/>
+              </a:rPr>
+              <a:t>Females: Housework, Cooking and Childcare</a:t>
+            </a:r>
+          </a:p>
+          <a:p>
+            <a:r>
+              <a:rPr lang="en-US" sz="2400" dirty="0">
+                <a:latin typeface="Helvetica" pitchFamily="2" charset="0"/>
+              </a:rPr>
+              <a:t>The models shown on the following slides showcase the results of the analysis, plotting all of the data with the exception of July as required. </a:t>
+            </a:r>
+          </a:p>
+          <a:p>
+            <a:r>
+              <a:rPr lang="en-US" sz="2400" dirty="0">
+                <a:latin typeface="Helvetica" pitchFamily="2" charset="0"/>
+              </a:rPr>
+              <a:t>Despite using 11 months of the data here, it is critical to reiterate that all of the EDA and validation was carried out on entirely separate 6 month subsets of each year to ensure validity of the conclusions and testing.</a:t>
+            </a:r>
+          </a:p>
+          <a:p>
+            <a:r>
+              <a:rPr lang="en-US" sz="2400" b="1" dirty="0">
+                <a:latin typeface="Helvetica" pitchFamily="2" charset="0"/>
+              </a:rPr>
+              <a:t>INSERT T-TESTS ON EACH VALIDATION SLIDE FOLLOWING THIS</a:t>
+            </a:r>
+          </a:p>
+          <a:p>
+            <a:endParaRPr lang="en-US" sz="2400" dirty="0">
+              <a:latin typeface="Helvetica" pitchFamily="2" charset="0"/>
+            </a:endParaRPr>
+          </a:p>
+          <a:p>
+            <a:pPr lvl="1"/>
+            <a:endParaRPr lang="en-US" dirty="0">
+              <a:latin typeface="Helvetica" pitchFamily="2" charset="0"/>
+            </a:endParaRPr>
+          </a:p>
+        </p:txBody>
+      </p:sp>
+      <p:sp>
+        <p:nvSpPr>
+          <p:cNvPr id="4" name="Rectangle 3">
+            <a:extLst>
+              <a:ext uri="{FF2B5EF4-FFF2-40B4-BE49-F238E27FC236}">
+                <a16:creationId xmlns:a16="http://schemas.microsoft.com/office/drawing/2014/main" id="{EC761A0E-896B-3745-B32A-571A8F56071D}"/>
+              </a:ext>
+            </a:extLst>
+          </p:cNvPr>
+          <p:cNvSpPr/>
+          <p:nvPr/>
+        </p:nvSpPr>
+        <p:spPr>
+          <a:xfrm>
+            <a:off x="681925" y="615434"/>
+            <a:ext cx="1636154" cy="461665"/>
+          </a:xfrm>
+          <a:prstGeom prst="rect">
+            <a:avLst/>
+          </a:prstGeom>
+        </p:spPr>
+        <p:txBody>
+          <a:bodyPr wrap="none">
+            <a:spAutoFit/>
+          </a:bodyPr>
+          <a:lstStyle/>
+          <a:p>
+            <a:r>
+              <a:rPr lang="en-US" sz="2400" b="1" dirty="0">
+                <a:latin typeface="Helvetica" pitchFamily="2" charset="0"/>
+              </a:rPr>
+              <a:t>Validation</a:t>
+            </a:r>
+            <a:endParaRPr lang="en-US" sz="2000" b="1" dirty="0"/>
+          </a:p>
+        </p:txBody>
+      </p:sp>
+    </p:spTree>
+    <p:extLst>
+      <p:ext uri="{BB962C8B-B14F-4D97-AF65-F5344CB8AC3E}">
+        <p14:creationId xmlns:p14="http://schemas.microsoft.com/office/powerpoint/2010/main" val="2084052336"/>
+      </p:ext>
+    </p:extLst>
+  </p:cSld>
+  <p:clrMapOvr>
+    <a:masterClrMapping/>
+  </p:clrMapOvr>
+  <p:timing>
+    <p:tnLst>
+      <p:par>
+        <p:cTn id="1" dur="indefinite" restart="never" nodeType="tmRoot">
+          <p:childTnLst>
+            <p:seq concurrent="1" nextAc="seek">
+              <p:cTn id="2" dur="indefinite" nodeType="mainSeq">
+                <p:childTnLst>
+                  <p:par>
+                    <p:cTn id="3" fill="hold">
+                      <p:stCondLst>
+                        <p:cond delay="indefinite"/>
+                      </p:stCondLst>
+                      <p:childTnLst>
+                        <p:par>
+                          <p:cTn id="4" fill="hold">
+                            <p:stCondLst>
+                              <p:cond delay="0"/>
+                            </p:stCondLst>
+                            <p:childTnLst>
+                              <p:par>
+                                <p:cTn id="5" presetID="9" presetClass="entr" presetSubtype="0" fill="hold" grpId="0" nodeType="clickEffect">
+                                  <p:stCondLst>
+                                    <p:cond delay="0"/>
+                                  </p:stCondLst>
+                                  <p:childTnLst>
+                                    <p:set>
+                                      <p:cBhvr>
+                                        <p:cTn id="6" dur="1" fill="hold">
+                                          <p:stCondLst>
+                                            <p:cond delay="0"/>
+                                          </p:stCondLst>
+                                        </p:cTn>
+                                        <p:tgtEl>
+                                          <p:spTgt spid="6"/>
+                                        </p:tgtEl>
+                                        <p:attrNameLst>
+                                          <p:attrName>style.visibility</p:attrName>
+                                        </p:attrNameLst>
+                                      </p:cBhvr>
+                                      <p:to>
+                                        <p:strVal val="visible"/>
+                                      </p:to>
+                                    </p:set>
+                                    <p:animEffect transition="in" filter="dissolve">
+                                      <p:cBhvr>
+                                        <p:cTn id="7" dur="500"/>
+                                        <p:tgtEl>
+                                          <p:spTgt spid="6"/>
+                                        </p:tgtEl>
+                                      </p:cBhvr>
+                                    </p:animEffect>
+                                  </p:childTnLst>
+                                </p:cTn>
+                              </p:par>
+                            </p:childTnLst>
+                          </p:cTn>
+                        </p:par>
+                      </p:childTnLst>
+                    </p:cTn>
+                  </p:par>
+                </p:childTnLst>
+              </p:cTn>
+              <p:prevCondLst>
+                <p:cond evt="onPrev" delay="0">
+                  <p:tgtEl>
+                    <p:sldTgt/>
+                  </p:tgtEl>
+                </p:cond>
+              </p:prevCondLst>
+              <p:nextCondLst>
+                <p:cond evt="onNext" delay="0">
+                  <p:tgtEl>
+                    <p:sldTgt/>
+                  </p:tgtEl>
+                </p:cond>
+              </p:nextCondLst>
+            </p:seq>
+          </p:childTnLst>
+        </p:cTn>
+      </p:par>
+    </p:tnLst>
+    <p:bldLst>
       <p:bldP spid="6" grpId="0"/>
     </p:bldLst>
   </p:timing>
